--- a/figures/wot-servient-source.pptx
+++ b/figures/wot-servient-source.pptx
@@ -2,7 +2,7 @@
 <file path=ppt/presentation.xml><?xml version="1.0" encoding="utf-8"?>
 <p:presentation xmlns:a="http://schemas.openxmlformats.org/drawingml/2006/main" xmlns:r="http://schemas.openxmlformats.org/officeDocument/2006/relationships" xmlns:p="http://schemas.openxmlformats.org/presentationml/2006/main" saveSubsetFonts="1">
   <p:sldMasterIdLst>
-    <p:sldMasterId id="2147483660" r:id="rId1"/>
+    <p:sldMasterId id="2147483713" r:id="rId1"/>
   </p:sldMasterIdLst>
   <p:notesMasterIdLst>
     <p:notesMasterId r:id="rId3"/>
@@ -10,7 +10,7 @@
   <p:sldIdLst>
     <p:sldId id="257" r:id="rId2"/>
   </p:sldIdLst>
-  <p:sldSz cx="12192000" cy="6858000"/>
+  <p:sldSz cx="9144000" cy="5486400"/>
   <p:notesSz cx="6858000" cy="9144000"/>
   <p:defaultTextStyle>
     <a:defPPr>
@@ -107,6 +107,11 @@
       </a:defRPr>
     </a:lvl9pPr>
   </p:defaultTextStyle>
+  <p:extLst>
+    <p:ext uri="{EFAFB233-063F-42B5-8137-9DF3F51BA10A}">
+      <p15:sldGuideLst xmlns:p15="http://schemas.microsoft.com/office/powerpoint/2012/main"/>
+    </p:ext>
+  </p:extLst>
 </p:presentation>
 </file>
 
@@ -192,7 +197,7 @@
           <a:p>
             <a:fld id="{9749193A-31E8-4C35-A369-D1894572BB67}" type="datetimeFigureOut">
               <a:rPr lang="fi-FI" smtClean="0"/>
-              <a:t>20.11.2017</a:t>
+              <a:t>5.12.2017</a:t>
             </a:fld>
             <a:endParaRPr lang="fi-FI"/>
           </a:p>
@@ -210,8 +215,8 @@
         </p:nvSpPr>
         <p:spPr>
           <a:xfrm>
-            <a:off x="685800" y="1143000"/>
-            <a:ext cx="5486400" cy="3086100"/>
+            <a:off x="857250" y="1143000"/>
+            <a:ext cx="5143500" cy="3086100"/>
           </a:xfrm>
           <a:prstGeom prst="rect">
             <a:avLst/>
@@ -489,8 +494,8 @@
         </p:nvSpPr>
         <p:spPr>
           <a:xfrm>
-            <a:off x="777875" y="1200150"/>
-            <a:ext cx="5759450" cy="3240088"/>
+            <a:off x="957263" y="1200150"/>
+            <a:ext cx="5400675" cy="3240088"/>
           </a:xfrm>
         </p:spPr>
       </p:sp>
@@ -604,15 +609,15 @@
         </p:nvSpPr>
         <p:spPr>
           <a:xfrm>
-            <a:off x="1524000" y="1122363"/>
-            <a:ext cx="9144000" cy="2387600"/>
+            <a:off x="1143000" y="897890"/>
+            <a:ext cx="6858000" cy="1910080"/>
           </a:xfrm>
         </p:spPr>
         <p:txBody>
           <a:bodyPr anchor="b"/>
           <a:lstStyle>
             <a:lvl1pPr algn="ctr">
-              <a:defRPr sz="6000"/>
+              <a:defRPr sz="4500"/>
             </a:lvl1pPr>
           </a:lstStyle>
           <a:p>
@@ -620,7 +625,7 @@
               <a:rPr lang="en-US" smtClean="0"/>
               <a:t>Click to edit Master title style</a:t>
             </a:r>
-            <a:endParaRPr lang="en-US"/>
+            <a:endParaRPr lang="en-US" dirty="0"/>
           </a:p>
         </p:txBody>
       </p:sp>
@@ -636,8 +641,8 @@
         </p:nvSpPr>
         <p:spPr>
           <a:xfrm>
-            <a:off x="1524000" y="3602038"/>
-            <a:ext cx="9144000" cy="1655762"/>
+            <a:off x="1143000" y="2881630"/>
+            <a:ext cx="6858000" cy="1324610"/>
           </a:xfrm>
         </p:spPr>
         <p:txBody>
@@ -645,39 +650,39 @@
           <a:lstStyle>
             <a:lvl1pPr marL="0" indent="0" algn="ctr">
               <a:buNone/>
-              <a:defRPr sz="2400"/>
+              <a:defRPr sz="1800"/>
             </a:lvl1pPr>
-            <a:lvl2pPr marL="457200" indent="0" algn="ctr">
-              <a:buNone/>
-              <a:defRPr sz="2000"/>
+            <a:lvl2pPr marL="342900" indent="0" algn="ctr">
+              <a:buNone/>
+              <a:defRPr sz="1500"/>
             </a:lvl2pPr>
-            <a:lvl3pPr marL="914400" indent="0" algn="ctr">
-              <a:buNone/>
-              <a:defRPr sz="1800"/>
+            <a:lvl3pPr marL="685800" indent="0" algn="ctr">
+              <a:buNone/>
+              <a:defRPr sz="1350"/>
             </a:lvl3pPr>
-            <a:lvl4pPr marL="1371600" indent="0" algn="ctr">
-              <a:buNone/>
-              <a:defRPr sz="1600"/>
+            <a:lvl4pPr marL="1028700" indent="0" algn="ctr">
+              <a:buNone/>
+              <a:defRPr sz="1200"/>
             </a:lvl4pPr>
-            <a:lvl5pPr marL="1828800" indent="0" algn="ctr">
-              <a:buNone/>
-              <a:defRPr sz="1600"/>
+            <a:lvl5pPr marL="1371600" indent="0" algn="ctr">
+              <a:buNone/>
+              <a:defRPr sz="1200"/>
             </a:lvl5pPr>
-            <a:lvl6pPr marL="2286000" indent="0" algn="ctr">
-              <a:buNone/>
-              <a:defRPr sz="1600"/>
+            <a:lvl6pPr marL="1714500" indent="0" algn="ctr">
+              <a:buNone/>
+              <a:defRPr sz="1200"/>
             </a:lvl6pPr>
-            <a:lvl7pPr marL="2743200" indent="0" algn="ctr">
-              <a:buNone/>
-              <a:defRPr sz="1600"/>
+            <a:lvl7pPr marL="2057400" indent="0" algn="ctr">
+              <a:buNone/>
+              <a:defRPr sz="1200"/>
             </a:lvl7pPr>
-            <a:lvl8pPr marL="3200400" indent="0" algn="ctr">
-              <a:buNone/>
-              <a:defRPr sz="1600"/>
+            <a:lvl8pPr marL="2400300" indent="0" algn="ctr">
+              <a:buNone/>
+              <a:defRPr sz="1200"/>
             </a:lvl8pPr>
-            <a:lvl9pPr marL="3657600" indent="0" algn="ctr">
-              <a:buNone/>
-              <a:defRPr sz="1600"/>
+            <a:lvl9pPr marL="2743200" indent="0" algn="ctr">
+              <a:buNone/>
+              <a:defRPr sz="1200"/>
             </a:lvl9pPr>
           </a:lstStyle>
           <a:p>
@@ -685,7 +690,7 @@
               <a:rPr lang="en-US" smtClean="0"/>
               <a:t>Click to edit Master subtitle style</a:t>
             </a:r>
-            <a:endParaRPr lang="en-US"/>
+            <a:endParaRPr lang="en-US" dirty="0"/>
           </a:p>
         </p:txBody>
       </p:sp>
@@ -713,7 +718,7 @@
                 </a:solidFill>
               </a:rPr>
               <a:pPr/>
-              <a:t>11/20/2017</a:t>
+              <a:t>12/5/2017</a:t>
             </a:fld>
             <a:endParaRPr lang="en-US">
               <a:solidFill>
@@ -800,7 +805,7 @@
     </p:spTree>
     <p:extLst>
       <p:ext uri="{BB962C8B-B14F-4D97-AF65-F5344CB8AC3E}">
-        <p14:creationId xmlns:p14="http://schemas.microsoft.com/office/powerpoint/2010/main" val="4085611451"/>
+        <p14:creationId xmlns:p14="http://schemas.microsoft.com/office/powerpoint/2010/main" val="1502141265"/>
       </p:ext>
     </p:extLst>
   </p:cSld>
@@ -847,7 +852,7 @@
               <a:rPr lang="en-US" smtClean="0"/>
               <a:t>Click to edit Master title style</a:t>
             </a:r>
-            <a:endParaRPr lang="en-US"/>
+            <a:endParaRPr lang="en-US" dirty="0"/>
           </a:p>
         </p:txBody>
       </p:sp>
@@ -899,7 +904,7 @@
               <a:rPr lang="en-US" smtClean="0"/>
               <a:t>Fifth level</a:t>
             </a:r>
-            <a:endParaRPr lang="en-US"/>
+            <a:endParaRPr lang="en-US" dirty="0"/>
           </a:p>
         </p:txBody>
       </p:sp>
@@ -927,7 +932,7 @@
                 </a:solidFill>
               </a:rPr>
               <a:pPr/>
-              <a:t>11/20/2017</a:t>
+              <a:t>12/5/2017</a:t>
             </a:fld>
             <a:endParaRPr lang="en-US">
               <a:solidFill>
@@ -1014,7 +1019,7 @@
     </p:spTree>
     <p:extLst>
       <p:ext uri="{BB962C8B-B14F-4D97-AF65-F5344CB8AC3E}">
-        <p14:creationId xmlns:p14="http://schemas.microsoft.com/office/powerpoint/2010/main" val="2532908508"/>
+        <p14:creationId xmlns:p14="http://schemas.microsoft.com/office/powerpoint/2010/main" val="668825341"/>
       </p:ext>
     </p:extLst>
   </p:cSld>
@@ -1054,8 +1059,8 @@
         </p:nvSpPr>
         <p:spPr>
           <a:xfrm>
-            <a:off x="8724900" y="365125"/>
-            <a:ext cx="2628900" cy="5811838"/>
+            <a:off x="6543675" y="292100"/>
+            <a:ext cx="1971675" cy="4649470"/>
           </a:xfrm>
         </p:spPr>
         <p:txBody>
@@ -1066,7 +1071,7 @@
               <a:rPr lang="en-US" smtClean="0"/>
               <a:t>Click to edit Master title style</a:t>
             </a:r>
-            <a:endParaRPr lang="en-US"/>
+            <a:endParaRPr lang="en-US" dirty="0"/>
           </a:p>
         </p:txBody>
       </p:sp>
@@ -1082,8 +1087,8 @@
         </p:nvSpPr>
         <p:spPr>
           <a:xfrm>
-            <a:off x="838200" y="365125"/>
-            <a:ext cx="7734300" cy="5811838"/>
+            <a:off x="628650" y="292100"/>
+            <a:ext cx="5800725" cy="4649470"/>
           </a:xfrm>
         </p:spPr>
         <p:txBody>
@@ -1123,7 +1128,7 @@
               <a:rPr lang="en-US" smtClean="0"/>
               <a:t>Fifth level</a:t>
             </a:r>
-            <a:endParaRPr lang="en-US"/>
+            <a:endParaRPr lang="en-US" dirty="0"/>
           </a:p>
         </p:txBody>
       </p:sp>
@@ -1151,7 +1156,7 @@
                 </a:solidFill>
               </a:rPr>
               <a:pPr/>
-              <a:t>11/20/2017</a:t>
+              <a:t>12/5/2017</a:t>
             </a:fld>
             <a:endParaRPr lang="en-US">
               <a:solidFill>
@@ -1238,7 +1243,7 @@
     </p:spTree>
     <p:extLst>
       <p:ext uri="{BB962C8B-B14F-4D97-AF65-F5344CB8AC3E}">
-        <p14:creationId xmlns:p14="http://schemas.microsoft.com/office/powerpoint/2010/main" val="766440920"/>
+        <p14:creationId xmlns:p14="http://schemas.microsoft.com/office/powerpoint/2010/main" val="2771009912"/>
       </p:ext>
     </p:extLst>
   </p:cSld>
@@ -1246,3924 +1251,6 @@
     <a:masterClrMapping/>
   </p:clrMapOvr>
   <p:hf hdr="0" ftr="0" dt="0"/>
-</p:sldLayout>
-</file>
-
-<file path=ppt/slideLayouts/slideLayout12.xml><?xml version="1.0" encoding="utf-8"?>
-<p:sldLayout xmlns:a="http://schemas.openxmlformats.org/drawingml/2006/main" xmlns:r="http://schemas.openxmlformats.org/officeDocument/2006/relationships" xmlns:p="http://schemas.openxmlformats.org/presentationml/2006/main">
-  <p:cSld name="1_Title Slide with Radial Gradient">
-    <p:bg>
-      <p:bgPr>
-        <a:blipFill rotWithShape="1">
-          <a:blip r:embed="rId2">
-            <a:alphaModFix/>
-          </a:blip>
-          <a:stretch>
-            <a:fillRect/>
-          </a:stretch>
-        </a:blipFill>
-        <a:effectLst/>
-      </p:bgPr>
-    </p:bg>
-    <p:spTree>
-      <p:nvGrpSpPr>
-        <p:cNvPr id="1" name="Shape 39"/>
-        <p:cNvGrpSpPr/>
-        <p:nvPr/>
-      </p:nvGrpSpPr>
-      <p:grpSpPr>
-        <a:xfrm>
-          <a:off x="0" y="0"/>
-          <a:ext cx="0" cy="0"/>
-          <a:chOff x="0" y="0"/>
-          <a:chExt cx="0" cy="0"/>
-        </a:xfrm>
-      </p:grpSpPr>
-      <p:sp>
-        <p:nvSpPr>
-          <p:cNvPr id="42" name="Shape 42"/>
-          <p:cNvSpPr txBox="1">
-            <a:spLocks noGrp="1"/>
-          </p:cNvSpPr>
-          <p:nvPr>
-            <p:ph type="subTitle" idx="1"/>
-          </p:nvPr>
-        </p:nvSpPr>
-        <p:spPr>
-          <a:xfrm>
-            <a:off x="607483" y="4657344"/>
-            <a:ext cx="8440283" cy="1233813"/>
-          </a:xfrm>
-          <a:prstGeom prst="rect">
-            <a:avLst/>
-          </a:prstGeom>
-          <a:noFill/>
-          <a:ln>
-            <a:noFill/>
-          </a:ln>
-        </p:spPr>
-        <p:txBody>
-          <a:bodyPr lIns="91425" tIns="91425" rIns="91425" bIns="91425" anchor="t" anchorCtr="0"/>
-          <a:lstStyle>
-            <a:lvl1pPr marL="0" marR="0" lvl="0" indent="0" algn="l" rtl="0">
-              <a:lnSpc>
-                <a:spcPct val="100000"/>
-              </a:lnSpc>
-              <a:spcBef>
-                <a:spcPts val="1600"/>
-              </a:spcBef>
-              <a:spcAft>
-                <a:spcPts val="0"/>
-              </a:spcAft>
-              <a:buClr>
-                <a:srgbClr val="F3D54E"/>
-              </a:buClr>
-              <a:buFont typeface="Noto Sans Symbols"/>
-              <a:buNone/>
-              <a:defRPr sz="2133" b="0" i="0" u="none" strike="noStrike" cap="none">
-                <a:solidFill>
-                  <a:srgbClr val="F3D54E"/>
-                </a:solidFill>
-                <a:latin typeface="Arial"/>
-                <a:ea typeface="Arial"/>
-                <a:cs typeface="Arial"/>
-                <a:sym typeface="Arial"/>
-              </a:defRPr>
-            </a:lvl1pPr>
-            <a:lvl2pPr marL="609585" marR="0" lvl="1" indent="-12684" algn="ctr" rtl="0">
-              <a:lnSpc>
-                <a:spcPct val="100000"/>
-              </a:lnSpc>
-              <a:spcBef>
-                <a:spcPts val="1600"/>
-              </a:spcBef>
-              <a:spcAft>
-                <a:spcPts val="0"/>
-              </a:spcAft>
-              <a:buClr>
-                <a:srgbClr val="888888"/>
-              </a:buClr>
-              <a:buFont typeface="Noto Sans Symbols"/>
-              <a:buNone/>
-              <a:defRPr sz="2133" b="0" i="0" u="none" strike="noStrike" cap="none">
-                <a:solidFill>
-                  <a:srgbClr val="888888"/>
-                </a:solidFill>
-                <a:latin typeface="Arial"/>
-                <a:ea typeface="Arial"/>
-                <a:cs typeface="Arial"/>
-                <a:sym typeface="Arial"/>
-              </a:defRPr>
-            </a:lvl2pPr>
-            <a:lvl3pPr marL="1219170" marR="0" lvl="2" indent="-12669" algn="ctr" rtl="0">
-              <a:lnSpc>
-                <a:spcPct val="100000"/>
-              </a:lnSpc>
-              <a:spcBef>
-                <a:spcPts val="1067"/>
-              </a:spcBef>
-              <a:spcAft>
-                <a:spcPts val="0"/>
-              </a:spcAft>
-              <a:buClr>
-                <a:srgbClr val="888888"/>
-              </a:buClr>
-              <a:buFont typeface="Arial"/>
-              <a:buNone/>
-              <a:defRPr sz="2133" b="0" i="0" u="none" strike="noStrike" cap="none">
-                <a:solidFill>
-                  <a:srgbClr val="888888"/>
-                </a:solidFill>
-                <a:latin typeface="Arial"/>
-                <a:ea typeface="Arial"/>
-                <a:cs typeface="Arial"/>
-                <a:sym typeface="Arial"/>
-              </a:defRPr>
-            </a:lvl3pPr>
-            <a:lvl4pPr marL="1828754" marR="0" lvl="3" indent="-12654" algn="ctr" rtl="0">
-              <a:lnSpc>
-                <a:spcPct val="100000"/>
-              </a:lnSpc>
-              <a:spcBef>
-                <a:spcPts val="373"/>
-              </a:spcBef>
-              <a:spcAft>
-                <a:spcPts val="0"/>
-              </a:spcAft>
-              <a:buClr>
-                <a:srgbClr val="888888"/>
-              </a:buClr>
-              <a:buFont typeface="Arial"/>
-              <a:buNone/>
-              <a:defRPr sz="1867" b="0" i="0" u="none" strike="noStrike" cap="none">
-                <a:solidFill>
-                  <a:srgbClr val="888888"/>
-                </a:solidFill>
-                <a:latin typeface="Arial"/>
-                <a:ea typeface="Arial"/>
-                <a:cs typeface="Arial"/>
-                <a:sym typeface="Arial"/>
-              </a:defRPr>
-            </a:lvl4pPr>
-            <a:lvl5pPr marL="2438339" marR="0" lvl="4" indent="-12638" algn="ctr" rtl="0">
-              <a:lnSpc>
-                <a:spcPct val="100000"/>
-              </a:lnSpc>
-              <a:spcBef>
-                <a:spcPts val="373"/>
-              </a:spcBef>
-              <a:spcAft>
-                <a:spcPts val="0"/>
-              </a:spcAft>
-              <a:buClr>
-                <a:srgbClr val="888888"/>
-              </a:buClr>
-              <a:buFont typeface="Arial"/>
-              <a:buNone/>
-              <a:defRPr sz="1867" b="0" i="0" u="none" strike="noStrike" cap="none">
-                <a:solidFill>
-                  <a:srgbClr val="888888"/>
-                </a:solidFill>
-                <a:latin typeface="Arial"/>
-                <a:ea typeface="Arial"/>
-                <a:cs typeface="Arial"/>
-                <a:sym typeface="Arial"/>
-              </a:defRPr>
-            </a:lvl5pPr>
-            <a:lvl6pPr marL="3047924" marR="0" lvl="5" indent="-12624" algn="ctr" rtl="0">
-              <a:lnSpc>
-                <a:spcPct val="100000"/>
-              </a:lnSpc>
-              <a:spcBef>
-                <a:spcPts val="533"/>
-              </a:spcBef>
-              <a:spcAft>
-                <a:spcPts val="0"/>
-              </a:spcAft>
-              <a:buClr>
-                <a:srgbClr val="888888"/>
-              </a:buClr>
-              <a:buFont typeface="Arial"/>
-              <a:buNone/>
-              <a:defRPr sz="2667" b="0" i="0" u="none" strike="noStrike" cap="none">
-                <a:solidFill>
-                  <a:srgbClr val="888888"/>
-                </a:solidFill>
-                <a:latin typeface="Arial"/>
-                <a:ea typeface="Arial"/>
-                <a:cs typeface="Arial"/>
-                <a:sym typeface="Arial"/>
-              </a:defRPr>
-            </a:lvl6pPr>
-            <a:lvl7pPr marL="3657509" marR="0" lvl="6" indent="-12608" algn="ctr" rtl="0">
-              <a:lnSpc>
-                <a:spcPct val="100000"/>
-              </a:lnSpc>
-              <a:spcBef>
-                <a:spcPts val="533"/>
-              </a:spcBef>
-              <a:spcAft>
-                <a:spcPts val="0"/>
-              </a:spcAft>
-              <a:buClr>
-                <a:srgbClr val="888888"/>
-              </a:buClr>
-              <a:buFont typeface="Arial"/>
-              <a:buNone/>
-              <a:defRPr sz="2667" b="0" i="0" u="none" strike="noStrike" cap="none">
-                <a:solidFill>
-                  <a:srgbClr val="888888"/>
-                </a:solidFill>
-                <a:latin typeface="Arial"/>
-                <a:ea typeface="Arial"/>
-                <a:cs typeface="Arial"/>
-                <a:sym typeface="Arial"/>
-              </a:defRPr>
-            </a:lvl7pPr>
-            <a:lvl8pPr marL="4267093" marR="0" lvl="7" indent="-12593" algn="ctr" rtl="0">
-              <a:lnSpc>
-                <a:spcPct val="100000"/>
-              </a:lnSpc>
-              <a:spcBef>
-                <a:spcPts val="533"/>
-              </a:spcBef>
-              <a:spcAft>
-                <a:spcPts val="0"/>
-              </a:spcAft>
-              <a:buClr>
-                <a:srgbClr val="888888"/>
-              </a:buClr>
-              <a:buFont typeface="Arial"/>
-              <a:buNone/>
-              <a:defRPr sz="2667" b="0" i="0" u="none" strike="noStrike" cap="none">
-                <a:solidFill>
-                  <a:srgbClr val="888888"/>
-                </a:solidFill>
-                <a:latin typeface="Arial"/>
-                <a:ea typeface="Arial"/>
-                <a:cs typeface="Arial"/>
-                <a:sym typeface="Arial"/>
-              </a:defRPr>
-            </a:lvl8pPr>
-            <a:lvl9pPr marL="4876678" marR="0" lvl="8" indent="-12577" algn="ctr" rtl="0">
-              <a:lnSpc>
-                <a:spcPct val="100000"/>
-              </a:lnSpc>
-              <a:spcBef>
-                <a:spcPts val="533"/>
-              </a:spcBef>
-              <a:spcAft>
-                <a:spcPts val="0"/>
-              </a:spcAft>
-              <a:buClr>
-                <a:srgbClr val="888888"/>
-              </a:buClr>
-              <a:buFont typeface="Arial"/>
-              <a:buNone/>
-              <a:defRPr sz="2667" b="0" i="0" u="none" strike="noStrike" cap="none">
-                <a:solidFill>
-                  <a:srgbClr val="888888"/>
-                </a:solidFill>
-                <a:latin typeface="Arial"/>
-                <a:ea typeface="Arial"/>
-                <a:cs typeface="Arial"/>
-                <a:sym typeface="Arial"/>
-              </a:defRPr>
-            </a:lvl9pPr>
-          </a:lstStyle>
-          <a:p>
-            <a:endParaRPr/>
-          </a:p>
-        </p:txBody>
-      </p:sp>
-      <p:sp>
-        <p:nvSpPr>
-          <p:cNvPr id="43" name="Shape 43"/>
-          <p:cNvSpPr txBox="1">
-            <a:spLocks noGrp="1"/>
-          </p:cNvSpPr>
-          <p:nvPr>
-            <p:ph type="ctrTitle"/>
-          </p:nvPr>
-        </p:nvSpPr>
-        <p:spPr>
-          <a:xfrm>
-            <a:off x="584449" y="3372523"/>
-            <a:ext cx="10950515" cy="1336387"/>
-          </a:xfrm>
-          <a:prstGeom prst="rect">
-            <a:avLst/>
-          </a:prstGeom>
-          <a:noFill/>
-          <a:ln>
-            <a:noFill/>
-          </a:ln>
-        </p:spPr>
-        <p:txBody>
-          <a:bodyPr lIns="91425" tIns="91425" rIns="91425" bIns="91425" anchor="b" anchorCtr="0"/>
-          <a:lstStyle>
-            <a:lvl1pPr marL="0" marR="0" lvl="0" indent="0" algn="l" rtl="0">
-              <a:lnSpc>
-                <a:spcPct val="109989"/>
-              </a:lnSpc>
-              <a:spcBef>
-                <a:spcPts val="3200"/>
-              </a:spcBef>
-              <a:spcAft>
-                <a:spcPts val="0"/>
-              </a:spcAft>
-              <a:buClr>
-                <a:schemeClr val="lt1"/>
-              </a:buClr>
-              <a:buFont typeface="Arial"/>
-              <a:buNone/>
-              <a:defRPr sz="6667" b="0" i="0" u="none" strike="noStrike" cap="none">
-                <a:solidFill>
-                  <a:schemeClr val="lt1"/>
-                </a:solidFill>
-                <a:latin typeface="Arial"/>
-                <a:ea typeface="Arial"/>
-                <a:cs typeface="Arial"/>
-                <a:sym typeface="Arial"/>
-              </a:defRPr>
-            </a:lvl1pPr>
-            <a:lvl2pPr lvl="1" indent="0">
-              <a:spcBef>
-                <a:spcPts val="0"/>
-              </a:spcBef>
-              <a:buFont typeface="Arial"/>
-              <a:buNone/>
-              <a:defRPr sz="1800"/>
-            </a:lvl2pPr>
-            <a:lvl3pPr lvl="2" indent="0">
-              <a:spcBef>
-                <a:spcPts val="0"/>
-              </a:spcBef>
-              <a:buFont typeface="Arial"/>
-              <a:buNone/>
-              <a:defRPr sz="1800"/>
-            </a:lvl3pPr>
-            <a:lvl4pPr lvl="3" indent="0">
-              <a:spcBef>
-                <a:spcPts val="0"/>
-              </a:spcBef>
-              <a:buFont typeface="Arial"/>
-              <a:buNone/>
-              <a:defRPr sz="1800"/>
-            </a:lvl4pPr>
-            <a:lvl5pPr lvl="4" indent="0">
-              <a:spcBef>
-                <a:spcPts val="0"/>
-              </a:spcBef>
-              <a:buFont typeface="Arial"/>
-              <a:buNone/>
-              <a:defRPr sz="1800"/>
-            </a:lvl5pPr>
-            <a:lvl6pPr lvl="5" indent="0">
-              <a:spcBef>
-                <a:spcPts val="0"/>
-              </a:spcBef>
-              <a:buFont typeface="Arial"/>
-              <a:buNone/>
-              <a:defRPr sz="1800"/>
-            </a:lvl6pPr>
-            <a:lvl7pPr lvl="6" indent="0">
-              <a:spcBef>
-                <a:spcPts val="0"/>
-              </a:spcBef>
-              <a:buFont typeface="Arial"/>
-              <a:buNone/>
-              <a:defRPr sz="1800"/>
-            </a:lvl7pPr>
-            <a:lvl8pPr lvl="7" indent="0">
-              <a:spcBef>
-                <a:spcPts val="0"/>
-              </a:spcBef>
-              <a:buFont typeface="Arial"/>
-              <a:buNone/>
-              <a:defRPr sz="1800"/>
-            </a:lvl8pPr>
-            <a:lvl9pPr lvl="8" indent="0">
-              <a:spcBef>
-                <a:spcPts val="0"/>
-              </a:spcBef>
-              <a:buFont typeface="Arial"/>
-              <a:buNone/>
-              <a:defRPr sz="1800"/>
-            </a:lvl9pPr>
-          </a:lstStyle>
-          <a:p>
-            <a:endParaRPr/>
-          </a:p>
-        </p:txBody>
-      </p:sp>
-    </p:spTree>
-    <p:extLst>
-      <p:ext uri="{BB962C8B-B14F-4D97-AF65-F5344CB8AC3E}">
-        <p14:creationId xmlns:p14="http://schemas.microsoft.com/office/powerpoint/2010/main" val="455005265"/>
-      </p:ext>
-    </p:extLst>
-  </p:cSld>
-  <p:clrMapOvr>
-    <a:masterClrMapping/>
-  </p:clrMapOvr>
-</p:sldLayout>
-</file>
-
-<file path=ppt/slideLayouts/slideLayout13.xml><?xml version="1.0" encoding="utf-8"?>
-<p:sldLayout xmlns:a="http://schemas.openxmlformats.org/drawingml/2006/main" xmlns:r="http://schemas.openxmlformats.org/officeDocument/2006/relationships" xmlns:p="http://schemas.openxmlformats.org/presentationml/2006/main">
-  <p:cSld name="2_Title and Bulleted Text">
-    <p:spTree>
-      <p:nvGrpSpPr>
-        <p:cNvPr id="1" name="Shape 18"/>
-        <p:cNvGrpSpPr/>
-        <p:nvPr/>
-      </p:nvGrpSpPr>
-      <p:grpSpPr>
-        <a:xfrm>
-          <a:off x="0" y="0"/>
-          <a:ext cx="0" cy="0"/>
-          <a:chOff x="0" y="0"/>
-          <a:chExt cx="0" cy="0"/>
-        </a:xfrm>
-      </p:grpSpPr>
-      <p:sp>
-        <p:nvSpPr>
-          <p:cNvPr id="19" name="Shape 19"/>
-          <p:cNvSpPr txBox="1">
-            <a:spLocks noGrp="1"/>
-          </p:cNvSpPr>
-          <p:nvPr>
-            <p:ph type="ftr" idx="11"/>
-          </p:nvPr>
-        </p:nvSpPr>
-        <p:spPr>
-          <a:xfrm>
-            <a:off x="4165600" y="6432516"/>
-            <a:ext cx="3860798" cy="365125"/>
-          </a:xfrm>
-          <a:prstGeom prst="rect">
-            <a:avLst/>
-          </a:prstGeom>
-          <a:noFill/>
-          <a:ln>
-            <a:noFill/>
-          </a:ln>
-        </p:spPr>
-        <p:txBody>
-          <a:bodyPr lIns="91425" tIns="91425" rIns="91425" bIns="91425" anchor="ctr" anchorCtr="0"/>
-          <a:lstStyle>
-            <a:lvl1pPr marL="0" marR="0" lvl="0" indent="0" algn="ctr" rtl="0">
-              <a:lnSpc>
-                <a:spcPct val="100000"/>
-              </a:lnSpc>
-              <a:spcBef>
-                <a:spcPts val="0"/>
-              </a:spcBef>
-              <a:spcAft>
-                <a:spcPts val="0"/>
-              </a:spcAft>
-              <a:buClr>
-                <a:schemeClr val="lt1"/>
-              </a:buClr>
-              <a:buFont typeface="Arial"/>
-              <a:buNone/>
-              <a:defRPr sz="1067" b="0" i="0" u="none" strike="noStrike" cap="none">
-                <a:solidFill>
-                  <a:schemeClr val="lt1"/>
-                </a:solidFill>
-                <a:latin typeface="Arial"/>
-                <a:ea typeface="Arial"/>
-                <a:cs typeface="Arial"/>
-                <a:sym typeface="Arial"/>
-              </a:defRPr>
-            </a:lvl1pPr>
-            <a:lvl2pPr marL="457200" marR="0" lvl="1" indent="0" algn="l" rtl="0">
-              <a:lnSpc>
-                <a:spcPct val="100000"/>
-              </a:lnSpc>
-              <a:spcBef>
-                <a:spcPts val="0"/>
-              </a:spcBef>
-              <a:spcAft>
-                <a:spcPts val="0"/>
-              </a:spcAft>
-              <a:buClr>
-                <a:schemeClr val="dk1"/>
-              </a:buClr>
-              <a:buFont typeface="Arial"/>
-              <a:buNone/>
-              <a:defRPr sz="1800" b="0" i="0" u="none" strike="noStrike" cap="none">
-                <a:solidFill>
-                  <a:schemeClr val="dk1"/>
-                </a:solidFill>
-                <a:latin typeface="Arial"/>
-                <a:ea typeface="Arial"/>
-                <a:cs typeface="Arial"/>
-                <a:sym typeface="Arial"/>
-              </a:defRPr>
-            </a:lvl2pPr>
-            <a:lvl3pPr marL="914400" marR="0" lvl="2" indent="0" algn="l" rtl="0">
-              <a:lnSpc>
-                <a:spcPct val="100000"/>
-              </a:lnSpc>
-              <a:spcBef>
-                <a:spcPts val="0"/>
-              </a:spcBef>
-              <a:spcAft>
-                <a:spcPts val="0"/>
-              </a:spcAft>
-              <a:buClr>
-                <a:schemeClr val="dk1"/>
-              </a:buClr>
-              <a:buFont typeface="Arial"/>
-              <a:buNone/>
-              <a:defRPr sz="1800" b="0" i="0" u="none" strike="noStrike" cap="none">
-                <a:solidFill>
-                  <a:schemeClr val="dk1"/>
-                </a:solidFill>
-                <a:latin typeface="Arial"/>
-                <a:ea typeface="Arial"/>
-                <a:cs typeface="Arial"/>
-                <a:sym typeface="Arial"/>
-              </a:defRPr>
-            </a:lvl3pPr>
-            <a:lvl4pPr marL="1371600" marR="0" lvl="3" indent="0" algn="l" rtl="0">
-              <a:lnSpc>
-                <a:spcPct val="100000"/>
-              </a:lnSpc>
-              <a:spcBef>
-                <a:spcPts val="0"/>
-              </a:spcBef>
-              <a:spcAft>
-                <a:spcPts val="0"/>
-              </a:spcAft>
-              <a:buClr>
-                <a:schemeClr val="dk1"/>
-              </a:buClr>
-              <a:buFont typeface="Arial"/>
-              <a:buNone/>
-              <a:defRPr sz="1800" b="0" i="0" u="none" strike="noStrike" cap="none">
-                <a:solidFill>
-                  <a:schemeClr val="dk1"/>
-                </a:solidFill>
-                <a:latin typeface="Arial"/>
-                <a:ea typeface="Arial"/>
-                <a:cs typeface="Arial"/>
-                <a:sym typeface="Arial"/>
-              </a:defRPr>
-            </a:lvl4pPr>
-            <a:lvl5pPr marL="1828800" marR="0" lvl="4" indent="0" algn="l" rtl="0">
-              <a:lnSpc>
-                <a:spcPct val="100000"/>
-              </a:lnSpc>
-              <a:spcBef>
-                <a:spcPts val="0"/>
-              </a:spcBef>
-              <a:spcAft>
-                <a:spcPts val="0"/>
-              </a:spcAft>
-              <a:buClr>
-                <a:schemeClr val="dk1"/>
-              </a:buClr>
-              <a:buFont typeface="Arial"/>
-              <a:buNone/>
-              <a:defRPr sz="1800" b="0" i="0" u="none" strike="noStrike" cap="none">
-                <a:solidFill>
-                  <a:schemeClr val="dk1"/>
-                </a:solidFill>
-                <a:latin typeface="Arial"/>
-                <a:ea typeface="Arial"/>
-                <a:cs typeface="Arial"/>
-                <a:sym typeface="Arial"/>
-              </a:defRPr>
-            </a:lvl5pPr>
-            <a:lvl6pPr marL="2286000" marR="0" lvl="5" indent="0" algn="l" rtl="0">
-              <a:lnSpc>
-                <a:spcPct val="100000"/>
-              </a:lnSpc>
-              <a:spcBef>
-                <a:spcPts val="0"/>
-              </a:spcBef>
-              <a:spcAft>
-                <a:spcPts val="0"/>
-              </a:spcAft>
-              <a:buClr>
-                <a:schemeClr val="dk1"/>
-              </a:buClr>
-              <a:buFont typeface="Arial"/>
-              <a:buNone/>
-              <a:defRPr sz="1800" b="0" i="0" u="none" strike="noStrike" cap="none">
-                <a:solidFill>
-                  <a:schemeClr val="dk1"/>
-                </a:solidFill>
-                <a:latin typeface="Arial"/>
-                <a:ea typeface="Arial"/>
-                <a:cs typeface="Arial"/>
-                <a:sym typeface="Arial"/>
-              </a:defRPr>
-            </a:lvl6pPr>
-            <a:lvl7pPr marL="2743200" marR="0" lvl="6" indent="0" algn="l" rtl="0">
-              <a:lnSpc>
-                <a:spcPct val="100000"/>
-              </a:lnSpc>
-              <a:spcBef>
-                <a:spcPts val="0"/>
-              </a:spcBef>
-              <a:spcAft>
-                <a:spcPts val="0"/>
-              </a:spcAft>
-              <a:buClr>
-                <a:schemeClr val="dk1"/>
-              </a:buClr>
-              <a:buFont typeface="Arial"/>
-              <a:buNone/>
-              <a:defRPr sz="1800" b="0" i="0" u="none" strike="noStrike" cap="none">
-                <a:solidFill>
-                  <a:schemeClr val="dk1"/>
-                </a:solidFill>
-                <a:latin typeface="Arial"/>
-                <a:ea typeface="Arial"/>
-                <a:cs typeface="Arial"/>
-                <a:sym typeface="Arial"/>
-              </a:defRPr>
-            </a:lvl7pPr>
-            <a:lvl8pPr marL="3200400" marR="0" lvl="7" indent="0" algn="l" rtl="0">
-              <a:lnSpc>
-                <a:spcPct val="100000"/>
-              </a:lnSpc>
-              <a:spcBef>
-                <a:spcPts val="0"/>
-              </a:spcBef>
-              <a:spcAft>
-                <a:spcPts val="0"/>
-              </a:spcAft>
-              <a:buClr>
-                <a:schemeClr val="dk1"/>
-              </a:buClr>
-              <a:buFont typeface="Arial"/>
-              <a:buNone/>
-              <a:defRPr sz="1800" b="0" i="0" u="none" strike="noStrike" cap="none">
-                <a:solidFill>
-                  <a:schemeClr val="dk1"/>
-                </a:solidFill>
-                <a:latin typeface="Arial"/>
-                <a:ea typeface="Arial"/>
-                <a:cs typeface="Arial"/>
-                <a:sym typeface="Arial"/>
-              </a:defRPr>
-            </a:lvl8pPr>
-            <a:lvl9pPr marL="3657600" marR="0" lvl="8" indent="0" algn="l" rtl="0">
-              <a:lnSpc>
-                <a:spcPct val="100000"/>
-              </a:lnSpc>
-              <a:spcBef>
-                <a:spcPts val="0"/>
-              </a:spcBef>
-              <a:spcAft>
-                <a:spcPts val="0"/>
-              </a:spcAft>
-              <a:buClr>
-                <a:schemeClr val="dk1"/>
-              </a:buClr>
-              <a:buFont typeface="Arial"/>
-              <a:buNone/>
-              <a:defRPr sz="1800" b="0" i="0" u="none" strike="noStrike" cap="none">
-                <a:solidFill>
-                  <a:schemeClr val="dk1"/>
-                </a:solidFill>
-                <a:latin typeface="Arial"/>
-                <a:ea typeface="Arial"/>
-                <a:cs typeface="Arial"/>
-                <a:sym typeface="Arial"/>
-              </a:defRPr>
-            </a:lvl9pPr>
-          </a:lstStyle>
-          <a:p>
-            <a:pPr>
-              <a:buClr>
-                <a:prstClr val="white"/>
-              </a:buClr>
-            </a:pPr>
-            <a:endParaRPr>
-              <a:solidFill>
-                <a:prstClr val="white"/>
-              </a:solidFill>
-            </a:endParaRPr>
-          </a:p>
-        </p:txBody>
-      </p:sp>
-      <p:sp>
-        <p:nvSpPr>
-          <p:cNvPr id="20" name="Shape 20"/>
-          <p:cNvSpPr txBox="1">
-            <a:spLocks noGrp="1"/>
-          </p:cNvSpPr>
-          <p:nvPr>
-            <p:ph type="sldNum" idx="12"/>
-          </p:nvPr>
-        </p:nvSpPr>
-        <p:spPr>
-          <a:xfrm>
-            <a:off x="9163135" y="6432516"/>
-            <a:ext cx="2844800" cy="365125"/>
-          </a:xfrm>
-          <a:prstGeom prst="rect">
-            <a:avLst/>
-          </a:prstGeom>
-          <a:noFill/>
-          <a:ln>
-            <a:noFill/>
-          </a:ln>
-        </p:spPr>
-        <p:txBody>
-          <a:bodyPr lIns="0" tIns="0" rIns="0" bIns="0" anchor="ctr" anchorCtr="0">
-            <a:noAutofit/>
-          </a:bodyPr>
-          <a:lstStyle/>
-          <a:p>
-            <a:pPr>
-              <a:buClr>
-                <a:prstClr val="white"/>
-              </a:buClr>
-              <a:buSzPct val="25000"/>
-              <a:buFont typeface="Arial"/>
-              <a:buNone/>
-            </a:pPr>
-            <a:fld id="{00000000-1234-1234-1234-123412341234}" type="slidenum">
-              <a:rPr lang="en-US" sz="1067">
-                <a:solidFill>
-                  <a:prstClr val="white"/>
-                </a:solidFill>
-              </a:rPr>
-              <a:pPr>
-                <a:buClr>
-                  <a:prstClr val="white"/>
-                </a:buClr>
-                <a:buSzPct val="25000"/>
-                <a:buFont typeface="Arial"/>
-                <a:buNone/>
-              </a:pPr>
-              <a:t>‹#›</a:t>
-            </a:fld>
-            <a:endParaRPr lang="en-US" sz="1067">
-              <a:solidFill>
-                <a:prstClr val="white"/>
-              </a:solidFill>
-            </a:endParaRPr>
-          </a:p>
-        </p:txBody>
-      </p:sp>
-      <p:sp>
-        <p:nvSpPr>
-          <p:cNvPr id="21" name="Shape 21"/>
-          <p:cNvSpPr txBox="1">
-            <a:spLocks noGrp="1"/>
-          </p:cNvSpPr>
-          <p:nvPr>
-            <p:ph type="body" idx="1"/>
-          </p:nvPr>
-        </p:nvSpPr>
-        <p:spPr>
-          <a:xfrm>
-            <a:off x="102500" y="1025811"/>
-            <a:ext cx="11736351" cy="4883691"/>
-          </a:xfrm>
-          <a:prstGeom prst="rect">
-            <a:avLst/>
-          </a:prstGeom>
-          <a:noFill/>
-          <a:ln>
-            <a:noFill/>
-          </a:ln>
-        </p:spPr>
-        <p:txBody>
-          <a:bodyPr lIns="91425" tIns="91425" rIns="91425" bIns="91425" anchor="t" anchorCtr="0"/>
-          <a:lstStyle>
-            <a:lvl1pPr marL="0" marR="0" lvl="0" indent="0" algn="l" rtl="0">
-              <a:lnSpc>
-                <a:spcPct val="100000"/>
-              </a:lnSpc>
-              <a:spcBef>
-                <a:spcPts val="1600"/>
-              </a:spcBef>
-              <a:spcAft>
-                <a:spcPts val="0"/>
-              </a:spcAft>
-              <a:buClr>
-                <a:srgbClr val="0071C5"/>
-              </a:buClr>
-              <a:buFont typeface="Noto Sans Symbols"/>
-              <a:buNone/>
-              <a:defRPr sz="2400" b="0" i="0" u="none" strike="noStrike" cap="none">
-                <a:solidFill>
-                  <a:srgbClr val="0071C5"/>
-                </a:solidFill>
-                <a:latin typeface="Arial"/>
-                <a:ea typeface="Arial"/>
-                <a:cs typeface="Arial"/>
-                <a:sym typeface="Arial"/>
-              </a:defRPr>
-            </a:lvl1pPr>
-            <a:lvl2pPr marL="444500" marR="0" lvl="1" indent="152400" algn="l" rtl="0">
-              <a:lnSpc>
-                <a:spcPct val="100000"/>
-              </a:lnSpc>
-              <a:spcBef>
-                <a:spcPts val="1600"/>
-              </a:spcBef>
-              <a:spcAft>
-                <a:spcPts val="0"/>
-              </a:spcAft>
-              <a:buClr>
-                <a:srgbClr val="003C71"/>
-              </a:buClr>
-              <a:buSzPct val="100000"/>
-              <a:buFont typeface="Noto Sans Symbols"/>
-              <a:buChar char="▪"/>
-              <a:defRPr sz="2400" b="0" i="0" u="none" strike="noStrike" cap="none">
-                <a:solidFill>
-                  <a:srgbClr val="003C71"/>
-                </a:solidFill>
-                <a:latin typeface="Arial"/>
-                <a:ea typeface="Arial"/>
-                <a:cs typeface="Arial"/>
-                <a:sym typeface="Arial"/>
-              </a:defRPr>
-            </a:lvl2pPr>
-            <a:lvl3pPr marL="901699" marR="0" lvl="2" indent="139700" algn="l" rtl="0">
-              <a:lnSpc>
-                <a:spcPct val="100000"/>
-              </a:lnSpc>
-              <a:spcBef>
-                <a:spcPts val="1067"/>
-              </a:spcBef>
-              <a:spcAft>
-                <a:spcPts val="0"/>
-              </a:spcAft>
-              <a:buClr>
-                <a:srgbClr val="003C71"/>
-              </a:buClr>
-              <a:buSzPct val="100000"/>
-              <a:buFont typeface="Arial"/>
-              <a:buChar char="–"/>
-              <a:defRPr sz="2400" b="0" i="0" u="none" strike="noStrike" cap="none">
-                <a:solidFill>
-                  <a:srgbClr val="003C71"/>
-                </a:solidFill>
-                <a:latin typeface="Arial"/>
-                <a:ea typeface="Arial"/>
-                <a:cs typeface="Arial"/>
-                <a:sym typeface="Arial"/>
-              </a:defRPr>
-            </a:lvl3pPr>
-            <a:lvl4pPr marL="1424630" marR="0" lvl="3" indent="91130" algn="l" rtl="0">
-              <a:lnSpc>
-                <a:spcPct val="100000"/>
-              </a:lnSpc>
-              <a:spcBef>
-                <a:spcPts val="427"/>
-              </a:spcBef>
-              <a:spcAft>
-                <a:spcPts val="0"/>
-              </a:spcAft>
-              <a:buClr>
-                <a:srgbClr val="003C71"/>
-              </a:buClr>
-              <a:buSzPct val="108106"/>
-              <a:buFont typeface="Arial"/>
-              <a:buChar char="–"/>
-              <a:defRPr sz="2133" b="0" i="0" u="none" strike="noStrike" cap="none">
-                <a:solidFill>
-                  <a:srgbClr val="003C71"/>
-                </a:solidFill>
-                <a:latin typeface="Arial"/>
-                <a:ea typeface="Arial"/>
-                <a:cs typeface="Arial"/>
-                <a:sym typeface="Arial"/>
-              </a:defRPr>
-            </a:lvl4pPr>
-            <a:lvl5pPr marL="1865080" marR="0" lvl="4" indent="36147" algn="l" rtl="0">
-              <a:lnSpc>
-                <a:spcPct val="100000"/>
-              </a:lnSpc>
-              <a:spcBef>
-                <a:spcPts val="373"/>
-              </a:spcBef>
-              <a:spcAft>
-                <a:spcPts val="0"/>
-              </a:spcAft>
-              <a:buClr>
-                <a:srgbClr val="003C71"/>
-              </a:buClr>
-              <a:buSzPct val="91610"/>
-              <a:buFont typeface="Arial"/>
-              <a:buChar char="–"/>
-              <a:defRPr sz="1867" b="0" i="0" u="none" strike="noStrike" cap="none">
-                <a:solidFill>
-                  <a:srgbClr val="003C71"/>
-                </a:solidFill>
-                <a:latin typeface="Arial"/>
-                <a:ea typeface="Arial"/>
-                <a:cs typeface="Arial"/>
-                <a:sym typeface="Arial"/>
-              </a:defRPr>
-            </a:lvl5pPr>
-            <a:lvl6pPr marL="3530736" marR="0" lvl="5" indent="122985" algn="l" rtl="0">
-              <a:lnSpc>
-                <a:spcPct val="100000"/>
-              </a:lnSpc>
-              <a:spcBef>
-                <a:spcPts val="533"/>
-              </a:spcBef>
-              <a:spcAft>
-                <a:spcPts val="0"/>
-              </a:spcAft>
-              <a:buClr>
-                <a:schemeClr val="dk1"/>
-              </a:buClr>
-              <a:buSzPct val="94034"/>
-              <a:buFont typeface="Arial"/>
-              <a:buChar char="•"/>
-              <a:defRPr sz="2667" b="0" i="0" u="none" strike="noStrike" cap="none">
-                <a:solidFill>
-                  <a:schemeClr val="dk1"/>
-                </a:solidFill>
-                <a:latin typeface="Arial"/>
-                <a:ea typeface="Arial"/>
-                <a:cs typeface="Arial"/>
-                <a:sym typeface="Arial"/>
-              </a:defRPr>
-            </a:lvl6pPr>
-            <a:lvl7pPr marL="4140336" marR="0" lvl="6" indent="122985" algn="l" rtl="0">
-              <a:lnSpc>
-                <a:spcPct val="100000"/>
-              </a:lnSpc>
-              <a:spcBef>
-                <a:spcPts val="533"/>
-              </a:spcBef>
-              <a:spcAft>
-                <a:spcPts val="0"/>
-              </a:spcAft>
-              <a:buClr>
-                <a:schemeClr val="dk1"/>
-              </a:buClr>
-              <a:buSzPct val="94034"/>
-              <a:buFont typeface="Arial"/>
-              <a:buChar char="•"/>
-              <a:defRPr sz="2667" b="0" i="0" u="none" strike="noStrike" cap="none">
-                <a:solidFill>
-                  <a:schemeClr val="dk1"/>
-                </a:solidFill>
-                <a:latin typeface="Arial"/>
-                <a:ea typeface="Arial"/>
-                <a:cs typeface="Arial"/>
-                <a:sym typeface="Arial"/>
-              </a:defRPr>
-            </a:lvl7pPr>
-            <a:lvl8pPr marL="4749937" marR="0" lvl="7" indent="122985" algn="l" rtl="0">
-              <a:lnSpc>
-                <a:spcPct val="100000"/>
-              </a:lnSpc>
-              <a:spcBef>
-                <a:spcPts val="533"/>
-              </a:spcBef>
-              <a:spcAft>
-                <a:spcPts val="0"/>
-              </a:spcAft>
-              <a:buClr>
-                <a:schemeClr val="dk1"/>
-              </a:buClr>
-              <a:buSzPct val="94034"/>
-              <a:buFont typeface="Arial"/>
-              <a:buChar char="•"/>
-              <a:defRPr sz="2667" b="0" i="0" u="none" strike="noStrike" cap="none">
-                <a:solidFill>
-                  <a:schemeClr val="dk1"/>
-                </a:solidFill>
-                <a:latin typeface="Arial"/>
-                <a:ea typeface="Arial"/>
-                <a:cs typeface="Arial"/>
-                <a:sym typeface="Arial"/>
-              </a:defRPr>
-            </a:lvl8pPr>
-            <a:lvl9pPr marL="5359537" marR="0" lvl="8" indent="122985" algn="l" rtl="0">
-              <a:lnSpc>
-                <a:spcPct val="100000"/>
-              </a:lnSpc>
-              <a:spcBef>
-                <a:spcPts val="533"/>
-              </a:spcBef>
-              <a:spcAft>
-                <a:spcPts val="0"/>
-              </a:spcAft>
-              <a:buClr>
-                <a:schemeClr val="dk1"/>
-              </a:buClr>
-              <a:buSzPct val="94034"/>
-              <a:buFont typeface="Arial"/>
-              <a:buChar char="•"/>
-              <a:defRPr sz="2667" b="0" i="0" u="none" strike="noStrike" cap="none">
-                <a:solidFill>
-                  <a:schemeClr val="dk1"/>
-                </a:solidFill>
-                <a:latin typeface="Arial"/>
-                <a:ea typeface="Arial"/>
-                <a:cs typeface="Arial"/>
-                <a:sym typeface="Arial"/>
-              </a:defRPr>
-            </a:lvl9pPr>
-          </a:lstStyle>
-          <a:p>
-            <a:endParaRPr/>
-          </a:p>
-        </p:txBody>
-      </p:sp>
-      <p:sp>
-        <p:nvSpPr>
-          <p:cNvPr id="22" name="Shape 22"/>
-          <p:cNvSpPr txBox="1">
-            <a:spLocks noGrp="1"/>
-          </p:cNvSpPr>
-          <p:nvPr>
-            <p:ph type="title"/>
-          </p:nvPr>
-        </p:nvSpPr>
-        <p:spPr>
-          <a:xfrm>
-            <a:off x="100383" y="85821"/>
-            <a:ext cx="10972799" cy="853440"/>
-          </a:xfrm>
-          <a:prstGeom prst="rect">
-            <a:avLst/>
-          </a:prstGeom>
-          <a:noFill/>
-          <a:ln>
-            <a:noFill/>
-          </a:ln>
-        </p:spPr>
-        <p:txBody>
-          <a:bodyPr lIns="91425" tIns="91425" rIns="91425" bIns="91425" anchor="t" anchorCtr="0"/>
-          <a:lstStyle>
-            <a:lvl1pPr marL="0" marR="0" lvl="0" indent="0" algn="l" rtl="0">
-              <a:lnSpc>
-                <a:spcPct val="100000"/>
-              </a:lnSpc>
-              <a:spcBef>
-                <a:spcPts val="0"/>
-              </a:spcBef>
-              <a:spcAft>
-                <a:spcPts val="0"/>
-              </a:spcAft>
-              <a:buClr>
-                <a:srgbClr val="003C71"/>
-              </a:buClr>
-              <a:buFont typeface="Arial"/>
-              <a:buNone/>
-              <a:defRPr sz="3733" b="0" i="0" u="none" strike="noStrike" cap="none">
-                <a:solidFill>
-                  <a:srgbClr val="003C71"/>
-                </a:solidFill>
-                <a:latin typeface="Arial"/>
-                <a:ea typeface="Arial"/>
-                <a:cs typeface="Arial"/>
-                <a:sym typeface="Arial"/>
-              </a:defRPr>
-            </a:lvl1pPr>
-            <a:lvl2pPr lvl="1" indent="0">
-              <a:spcBef>
-                <a:spcPts val="0"/>
-              </a:spcBef>
-              <a:buFont typeface="Arial"/>
-              <a:buNone/>
-              <a:defRPr sz="1800"/>
-            </a:lvl2pPr>
-            <a:lvl3pPr lvl="2" indent="0">
-              <a:spcBef>
-                <a:spcPts val="0"/>
-              </a:spcBef>
-              <a:buFont typeface="Arial"/>
-              <a:buNone/>
-              <a:defRPr sz="1800"/>
-            </a:lvl3pPr>
-            <a:lvl4pPr lvl="3" indent="0">
-              <a:spcBef>
-                <a:spcPts val="0"/>
-              </a:spcBef>
-              <a:buFont typeface="Arial"/>
-              <a:buNone/>
-              <a:defRPr sz="1800"/>
-            </a:lvl4pPr>
-            <a:lvl5pPr lvl="4" indent="0">
-              <a:spcBef>
-                <a:spcPts val="0"/>
-              </a:spcBef>
-              <a:buFont typeface="Arial"/>
-              <a:buNone/>
-              <a:defRPr sz="1800"/>
-            </a:lvl5pPr>
-            <a:lvl6pPr lvl="5" indent="0">
-              <a:spcBef>
-                <a:spcPts val="0"/>
-              </a:spcBef>
-              <a:buFont typeface="Arial"/>
-              <a:buNone/>
-              <a:defRPr sz="1800"/>
-            </a:lvl6pPr>
-            <a:lvl7pPr lvl="6" indent="0">
-              <a:spcBef>
-                <a:spcPts val="0"/>
-              </a:spcBef>
-              <a:buFont typeface="Arial"/>
-              <a:buNone/>
-              <a:defRPr sz="1800"/>
-            </a:lvl7pPr>
-            <a:lvl8pPr lvl="7" indent="0">
-              <a:spcBef>
-                <a:spcPts val="0"/>
-              </a:spcBef>
-              <a:buFont typeface="Arial"/>
-              <a:buNone/>
-              <a:defRPr sz="1800"/>
-            </a:lvl8pPr>
-            <a:lvl9pPr lvl="8" indent="0">
-              <a:spcBef>
-                <a:spcPts val="0"/>
-              </a:spcBef>
-              <a:buFont typeface="Arial"/>
-              <a:buNone/>
-              <a:defRPr sz="1800"/>
-            </a:lvl9pPr>
-          </a:lstStyle>
-          <a:p>
-            <a:endParaRPr/>
-          </a:p>
-        </p:txBody>
-      </p:sp>
-    </p:spTree>
-    <p:extLst>
-      <p:ext uri="{BB962C8B-B14F-4D97-AF65-F5344CB8AC3E}">
-        <p14:creationId xmlns:p14="http://schemas.microsoft.com/office/powerpoint/2010/main" val="1829269218"/>
-      </p:ext>
-    </p:extLst>
-  </p:cSld>
-  <p:clrMapOvr>
-    <a:masterClrMapping/>
-  </p:clrMapOvr>
-</p:sldLayout>
-</file>
-
-<file path=ppt/slideLayouts/slideLayout14.xml><?xml version="1.0" encoding="utf-8"?>
-<p:sldLayout xmlns:a="http://schemas.openxmlformats.org/drawingml/2006/main" xmlns:r="http://schemas.openxmlformats.org/officeDocument/2006/relationships" xmlns:p="http://schemas.openxmlformats.org/presentationml/2006/main">
-  <p:cSld name="Hero Text">
-    <p:spTree>
-      <p:nvGrpSpPr>
-        <p:cNvPr id="1" name="Shape 85"/>
-        <p:cNvGrpSpPr/>
-        <p:nvPr/>
-      </p:nvGrpSpPr>
-      <p:grpSpPr>
-        <a:xfrm>
-          <a:off x="0" y="0"/>
-          <a:ext cx="0" cy="0"/>
-          <a:chOff x="0" y="0"/>
-          <a:chExt cx="0" cy="0"/>
-        </a:xfrm>
-      </p:grpSpPr>
-      <p:sp>
-        <p:nvSpPr>
-          <p:cNvPr id="86" name="Shape 86"/>
-          <p:cNvSpPr txBox="1">
-            <a:spLocks noGrp="1"/>
-          </p:cNvSpPr>
-          <p:nvPr>
-            <p:ph type="body" idx="1"/>
-          </p:nvPr>
-        </p:nvSpPr>
-        <p:spPr>
-          <a:xfrm>
-            <a:off x="607483" y="2979841"/>
-            <a:ext cx="10363200" cy="1500187"/>
-          </a:xfrm>
-          <a:prstGeom prst="rect">
-            <a:avLst/>
-          </a:prstGeom>
-          <a:noFill/>
-          <a:ln>
-            <a:noFill/>
-          </a:ln>
-        </p:spPr>
-        <p:txBody>
-          <a:bodyPr lIns="91425" tIns="91425" rIns="91425" bIns="91425" anchor="t" anchorCtr="0"/>
-          <a:lstStyle>
-            <a:lvl1pPr marL="0" marR="0" lvl="0" indent="0" algn="l" rtl="0">
-              <a:lnSpc>
-                <a:spcPct val="100000"/>
-              </a:lnSpc>
-              <a:spcBef>
-                <a:spcPts val="1600"/>
-              </a:spcBef>
-              <a:spcAft>
-                <a:spcPts val="0"/>
-              </a:spcAft>
-              <a:buClr>
-                <a:schemeClr val="accent2"/>
-              </a:buClr>
-              <a:buFont typeface="Noto Sans Symbols"/>
-              <a:buNone/>
-              <a:defRPr sz="5333" b="0" i="0" u="none" strike="noStrike" cap="none">
-                <a:solidFill>
-                  <a:schemeClr val="accent2"/>
-                </a:solidFill>
-                <a:latin typeface="Arial"/>
-                <a:ea typeface="Arial"/>
-                <a:cs typeface="Arial"/>
-                <a:sym typeface="Arial"/>
-              </a:defRPr>
-            </a:lvl1pPr>
-            <a:lvl2pPr marL="609585" marR="0" lvl="1" indent="-12684" algn="l" rtl="0">
-              <a:lnSpc>
-                <a:spcPct val="100000"/>
-              </a:lnSpc>
-              <a:spcBef>
-                <a:spcPts val="1600"/>
-              </a:spcBef>
-              <a:spcAft>
-                <a:spcPts val="0"/>
-              </a:spcAft>
-              <a:buClr>
-                <a:srgbClr val="888888"/>
-              </a:buClr>
-              <a:buFont typeface="Noto Sans Symbols"/>
-              <a:buNone/>
-              <a:defRPr sz="2400" b="0" i="0" u="none" strike="noStrike" cap="none">
-                <a:solidFill>
-                  <a:srgbClr val="888888"/>
-                </a:solidFill>
-                <a:latin typeface="Arial"/>
-                <a:ea typeface="Arial"/>
-                <a:cs typeface="Arial"/>
-                <a:sym typeface="Arial"/>
-              </a:defRPr>
-            </a:lvl2pPr>
-            <a:lvl3pPr marL="1219170" marR="0" lvl="2" indent="-12669" algn="l" rtl="0">
-              <a:lnSpc>
-                <a:spcPct val="100000"/>
-              </a:lnSpc>
-              <a:spcBef>
-                <a:spcPts val="1067"/>
-              </a:spcBef>
-              <a:spcAft>
-                <a:spcPts val="0"/>
-              </a:spcAft>
-              <a:buClr>
-                <a:srgbClr val="888888"/>
-              </a:buClr>
-              <a:buFont typeface="Arial"/>
-              <a:buNone/>
-              <a:defRPr sz="2133" b="0" i="0" u="none" strike="noStrike" cap="none">
-                <a:solidFill>
-                  <a:srgbClr val="888888"/>
-                </a:solidFill>
-                <a:latin typeface="Arial"/>
-                <a:ea typeface="Arial"/>
-                <a:cs typeface="Arial"/>
-                <a:sym typeface="Arial"/>
-              </a:defRPr>
-            </a:lvl3pPr>
-            <a:lvl4pPr marL="1828754" marR="0" lvl="3" indent="-12654" algn="l" rtl="0">
-              <a:lnSpc>
-                <a:spcPct val="100000"/>
-              </a:lnSpc>
-              <a:spcBef>
-                <a:spcPts val="373"/>
-              </a:spcBef>
-              <a:spcAft>
-                <a:spcPts val="0"/>
-              </a:spcAft>
-              <a:buClr>
-                <a:srgbClr val="888888"/>
-              </a:buClr>
-              <a:buFont typeface="Arial"/>
-              <a:buNone/>
-              <a:defRPr sz="1867" b="0" i="0" u="none" strike="noStrike" cap="none">
-                <a:solidFill>
-                  <a:srgbClr val="888888"/>
-                </a:solidFill>
-                <a:latin typeface="Arial"/>
-                <a:ea typeface="Arial"/>
-                <a:cs typeface="Arial"/>
-                <a:sym typeface="Arial"/>
-              </a:defRPr>
-            </a:lvl4pPr>
-            <a:lvl5pPr marL="2438339" marR="0" lvl="4" indent="-12638" algn="l" rtl="0">
-              <a:lnSpc>
-                <a:spcPct val="100000"/>
-              </a:lnSpc>
-              <a:spcBef>
-                <a:spcPts val="373"/>
-              </a:spcBef>
-              <a:spcAft>
-                <a:spcPts val="0"/>
-              </a:spcAft>
-              <a:buClr>
-                <a:srgbClr val="888888"/>
-              </a:buClr>
-              <a:buFont typeface="Arial"/>
-              <a:buNone/>
-              <a:defRPr sz="1867" b="0" i="0" u="none" strike="noStrike" cap="none">
-                <a:solidFill>
-                  <a:srgbClr val="888888"/>
-                </a:solidFill>
-                <a:latin typeface="Arial"/>
-                <a:ea typeface="Arial"/>
-                <a:cs typeface="Arial"/>
-                <a:sym typeface="Arial"/>
-              </a:defRPr>
-            </a:lvl5pPr>
-            <a:lvl6pPr marL="3047924" marR="0" lvl="5" indent="-12624" algn="l" rtl="0">
-              <a:lnSpc>
-                <a:spcPct val="100000"/>
-              </a:lnSpc>
-              <a:spcBef>
-                <a:spcPts val="373"/>
-              </a:spcBef>
-              <a:spcAft>
-                <a:spcPts val="0"/>
-              </a:spcAft>
-              <a:buClr>
-                <a:srgbClr val="888888"/>
-              </a:buClr>
-              <a:buFont typeface="Arial"/>
-              <a:buNone/>
-              <a:defRPr sz="1867" b="0" i="0" u="none" strike="noStrike" cap="none">
-                <a:solidFill>
-                  <a:srgbClr val="888888"/>
-                </a:solidFill>
-                <a:latin typeface="Arial"/>
-                <a:ea typeface="Arial"/>
-                <a:cs typeface="Arial"/>
-                <a:sym typeface="Arial"/>
-              </a:defRPr>
-            </a:lvl6pPr>
-            <a:lvl7pPr marL="3657509" marR="0" lvl="6" indent="-12608" algn="l" rtl="0">
-              <a:lnSpc>
-                <a:spcPct val="100000"/>
-              </a:lnSpc>
-              <a:spcBef>
-                <a:spcPts val="373"/>
-              </a:spcBef>
-              <a:spcAft>
-                <a:spcPts val="0"/>
-              </a:spcAft>
-              <a:buClr>
-                <a:srgbClr val="888888"/>
-              </a:buClr>
-              <a:buFont typeface="Arial"/>
-              <a:buNone/>
-              <a:defRPr sz="1867" b="0" i="0" u="none" strike="noStrike" cap="none">
-                <a:solidFill>
-                  <a:srgbClr val="888888"/>
-                </a:solidFill>
-                <a:latin typeface="Arial"/>
-                <a:ea typeface="Arial"/>
-                <a:cs typeface="Arial"/>
-                <a:sym typeface="Arial"/>
-              </a:defRPr>
-            </a:lvl7pPr>
-            <a:lvl8pPr marL="4267093" marR="0" lvl="7" indent="-12593" algn="l" rtl="0">
-              <a:lnSpc>
-                <a:spcPct val="100000"/>
-              </a:lnSpc>
-              <a:spcBef>
-                <a:spcPts val="373"/>
-              </a:spcBef>
-              <a:spcAft>
-                <a:spcPts val="0"/>
-              </a:spcAft>
-              <a:buClr>
-                <a:srgbClr val="888888"/>
-              </a:buClr>
-              <a:buFont typeface="Arial"/>
-              <a:buNone/>
-              <a:defRPr sz="1867" b="0" i="0" u="none" strike="noStrike" cap="none">
-                <a:solidFill>
-                  <a:srgbClr val="888888"/>
-                </a:solidFill>
-                <a:latin typeface="Arial"/>
-                <a:ea typeface="Arial"/>
-                <a:cs typeface="Arial"/>
-                <a:sym typeface="Arial"/>
-              </a:defRPr>
-            </a:lvl8pPr>
-            <a:lvl9pPr marL="4876678" marR="0" lvl="8" indent="-12577" algn="l" rtl="0">
-              <a:lnSpc>
-                <a:spcPct val="100000"/>
-              </a:lnSpc>
-              <a:spcBef>
-                <a:spcPts val="373"/>
-              </a:spcBef>
-              <a:spcAft>
-                <a:spcPts val="0"/>
-              </a:spcAft>
-              <a:buClr>
-                <a:srgbClr val="888888"/>
-              </a:buClr>
-              <a:buFont typeface="Arial"/>
-              <a:buNone/>
-              <a:defRPr sz="1867" b="0" i="0" u="none" strike="noStrike" cap="none">
-                <a:solidFill>
-                  <a:srgbClr val="888888"/>
-                </a:solidFill>
-                <a:latin typeface="Arial"/>
-                <a:ea typeface="Arial"/>
-                <a:cs typeface="Arial"/>
-                <a:sym typeface="Arial"/>
-              </a:defRPr>
-            </a:lvl9pPr>
-          </a:lstStyle>
-          <a:p>
-            <a:endParaRPr/>
-          </a:p>
-        </p:txBody>
-      </p:sp>
-      <p:sp>
-        <p:nvSpPr>
-          <p:cNvPr id="87" name="Shape 87"/>
-          <p:cNvSpPr txBox="1">
-            <a:spLocks noGrp="1"/>
-          </p:cNvSpPr>
-          <p:nvPr>
-            <p:ph type="sldNum" idx="12"/>
-          </p:nvPr>
-        </p:nvSpPr>
-        <p:spPr>
-          <a:xfrm>
-            <a:off x="9163135" y="6432516"/>
-            <a:ext cx="2844800" cy="365125"/>
-          </a:xfrm>
-          <a:prstGeom prst="rect">
-            <a:avLst/>
-          </a:prstGeom>
-          <a:noFill/>
-          <a:ln>
-            <a:noFill/>
-          </a:ln>
-        </p:spPr>
-        <p:txBody>
-          <a:bodyPr lIns="0" tIns="0" rIns="0" bIns="0" anchor="ctr" anchorCtr="0">
-            <a:noAutofit/>
-          </a:bodyPr>
-          <a:lstStyle/>
-          <a:p>
-            <a:pPr>
-              <a:buClr>
-                <a:srgbClr val="FFFFFF"/>
-              </a:buClr>
-              <a:buSzPct val="25000"/>
-              <a:buFont typeface="Arial"/>
-              <a:buNone/>
-            </a:pPr>
-            <a:fld id="{00000000-1234-1234-1234-123412341234}" type="slidenum">
-              <a:rPr lang="en-US" sz="1067">
-                <a:solidFill>
-                  <a:srgbClr val="FFFFFF"/>
-                </a:solidFill>
-              </a:rPr>
-              <a:pPr>
-                <a:buClr>
-                  <a:srgbClr val="FFFFFF"/>
-                </a:buClr>
-                <a:buSzPct val="25000"/>
-                <a:buFont typeface="Arial"/>
-                <a:buNone/>
-              </a:pPr>
-              <a:t>‹#›</a:t>
-            </a:fld>
-            <a:endParaRPr lang="en-US" sz="1067">
-              <a:solidFill>
-                <a:srgbClr val="FFFFFF"/>
-              </a:solidFill>
-            </a:endParaRPr>
-          </a:p>
-        </p:txBody>
-      </p:sp>
-      <p:sp>
-        <p:nvSpPr>
-          <p:cNvPr id="88" name="Shape 88"/>
-          <p:cNvSpPr txBox="1">
-            <a:spLocks noGrp="1"/>
-          </p:cNvSpPr>
-          <p:nvPr>
-            <p:ph type="title"/>
-          </p:nvPr>
-        </p:nvSpPr>
-        <p:spPr>
-          <a:xfrm>
-            <a:off x="607483" y="1469058"/>
-            <a:ext cx="10363200" cy="1362075"/>
-          </a:xfrm>
-          <a:prstGeom prst="rect">
-            <a:avLst/>
-          </a:prstGeom>
-          <a:noFill/>
-          <a:ln>
-            <a:noFill/>
-          </a:ln>
-        </p:spPr>
-        <p:txBody>
-          <a:bodyPr lIns="91425" tIns="91425" rIns="91425" bIns="91425" anchor="b" anchorCtr="0"/>
-          <a:lstStyle>
-            <a:lvl1pPr marL="0" marR="0" lvl="0" indent="0" algn="l" rtl="0">
-              <a:lnSpc>
-                <a:spcPct val="80000"/>
-              </a:lnSpc>
-              <a:spcBef>
-                <a:spcPts val="0"/>
-              </a:spcBef>
-              <a:spcAft>
-                <a:spcPts val="0"/>
-              </a:spcAft>
-              <a:buClr>
-                <a:srgbClr val="003C71"/>
-              </a:buClr>
-              <a:buFont typeface="Arial"/>
-              <a:buNone/>
-              <a:defRPr sz="5333" b="0" i="0" u="none" strike="noStrike" cap="none">
-                <a:solidFill>
-                  <a:srgbClr val="003C71"/>
-                </a:solidFill>
-                <a:latin typeface="Arial"/>
-                <a:ea typeface="Arial"/>
-                <a:cs typeface="Arial"/>
-                <a:sym typeface="Arial"/>
-              </a:defRPr>
-            </a:lvl1pPr>
-            <a:lvl2pPr lvl="1" indent="0">
-              <a:spcBef>
-                <a:spcPts val="0"/>
-              </a:spcBef>
-              <a:buFont typeface="Arial"/>
-              <a:buNone/>
-              <a:defRPr sz="1800"/>
-            </a:lvl2pPr>
-            <a:lvl3pPr lvl="2" indent="0">
-              <a:spcBef>
-                <a:spcPts val="0"/>
-              </a:spcBef>
-              <a:buFont typeface="Arial"/>
-              <a:buNone/>
-              <a:defRPr sz="1800"/>
-            </a:lvl3pPr>
-            <a:lvl4pPr lvl="3" indent="0">
-              <a:spcBef>
-                <a:spcPts val="0"/>
-              </a:spcBef>
-              <a:buFont typeface="Arial"/>
-              <a:buNone/>
-              <a:defRPr sz="1800"/>
-            </a:lvl4pPr>
-            <a:lvl5pPr lvl="4" indent="0">
-              <a:spcBef>
-                <a:spcPts val="0"/>
-              </a:spcBef>
-              <a:buFont typeface="Arial"/>
-              <a:buNone/>
-              <a:defRPr sz="1800"/>
-            </a:lvl5pPr>
-            <a:lvl6pPr lvl="5" indent="0">
-              <a:spcBef>
-                <a:spcPts val="0"/>
-              </a:spcBef>
-              <a:buFont typeface="Arial"/>
-              <a:buNone/>
-              <a:defRPr sz="1800"/>
-            </a:lvl6pPr>
-            <a:lvl7pPr lvl="6" indent="0">
-              <a:spcBef>
-                <a:spcPts val="0"/>
-              </a:spcBef>
-              <a:buFont typeface="Arial"/>
-              <a:buNone/>
-              <a:defRPr sz="1800"/>
-            </a:lvl7pPr>
-            <a:lvl8pPr lvl="7" indent="0">
-              <a:spcBef>
-                <a:spcPts val="0"/>
-              </a:spcBef>
-              <a:buFont typeface="Arial"/>
-              <a:buNone/>
-              <a:defRPr sz="1800"/>
-            </a:lvl8pPr>
-            <a:lvl9pPr lvl="8" indent="0">
-              <a:spcBef>
-                <a:spcPts val="0"/>
-              </a:spcBef>
-              <a:buFont typeface="Arial"/>
-              <a:buNone/>
-              <a:defRPr sz="1800"/>
-            </a:lvl9pPr>
-          </a:lstStyle>
-          <a:p>
-            <a:endParaRPr/>
-          </a:p>
-        </p:txBody>
-      </p:sp>
-    </p:spTree>
-    <p:extLst>
-      <p:ext uri="{BB962C8B-B14F-4D97-AF65-F5344CB8AC3E}">
-        <p14:creationId xmlns:p14="http://schemas.microsoft.com/office/powerpoint/2010/main" val="2739968118"/>
-      </p:ext>
-    </p:extLst>
-  </p:cSld>
-  <p:clrMapOvr>
-    <a:masterClrMapping/>
-  </p:clrMapOvr>
-</p:sldLayout>
-</file>
-
-<file path=ppt/slideLayouts/slideLayout15.xml><?xml version="1.0" encoding="utf-8"?>
-<p:sldLayout xmlns:a="http://schemas.openxmlformats.org/drawingml/2006/main" xmlns:r="http://schemas.openxmlformats.org/officeDocument/2006/relationships" xmlns:p="http://schemas.openxmlformats.org/presentationml/2006/main">
-  <p:cSld name="Text and Right Image">
-    <p:spTree>
-      <p:nvGrpSpPr>
-        <p:cNvPr id="1" name="Shape 75"/>
-        <p:cNvGrpSpPr/>
-        <p:nvPr/>
-      </p:nvGrpSpPr>
-      <p:grpSpPr>
-        <a:xfrm>
-          <a:off x="0" y="0"/>
-          <a:ext cx="0" cy="0"/>
-          <a:chOff x="0" y="0"/>
-          <a:chExt cx="0" cy="0"/>
-        </a:xfrm>
-      </p:grpSpPr>
-      <p:sp>
-        <p:nvSpPr>
-          <p:cNvPr id="76" name="Shape 76"/>
-          <p:cNvSpPr>
-            <a:spLocks noGrp="1"/>
-          </p:cNvSpPr>
-          <p:nvPr>
-            <p:ph type="pic" idx="2"/>
-          </p:nvPr>
-        </p:nvSpPr>
-        <p:spPr>
-          <a:xfrm>
-            <a:off x="6237817" y="0"/>
-            <a:ext cx="5954182" cy="6358464"/>
-          </a:xfrm>
-          <a:prstGeom prst="rect">
-            <a:avLst/>
-          </a:prstGeom>
-          <a:solidFill>
-            <a:srgbClr val="CFD5D8"/>
-          </a:solidFill>
-          <a:ln>
-            <a:noFill/>
-          </a:ln>
-        </p:spPr>
-        <p:txBody>
-          <a:bodyPr lIns="91425" tIns="91425" rIns="91425" bIns="91425" anchor="t" anchorCtr="0"/>
-          <a:lstStyle>
-            <a:lvl1pPr marL="0" marR="0" lvl="0" indent="0" algn="l" rtl="0">
-              <a:lnSpc>
-                <a:spcPct val="100000"/>
-              </a:lnSpc>
-              <a:spcBef>
-                <a:spcPts val="1600"/>
-              </a:spcBef>
-              <a:spcAft>
-                <a:spcPts val="0"/>
-              </a:spcAft>
-              <a:buClr>
-                <a:srgbClr val="0071C5"/>
-              </a:buClr>
-              <a:buFont typeface="Noto Sans Symbols"/>
-              <a:buNone/>
-              <a:defRPr sz="2400" b="0" i="0" u="none" strike="noStrike" cap="none">
-                <a:solidFill>
-                  <a:srgbClr val="0071C5"/>
-                </a:solidFill>
-                <a:latin typeface="Arial"/>
-                <a:ea typeface="Arial"/>
-                <a:cs typeface="Arial"/>
-                <a:sym typeface="Arial"/>
-              </a:defRPr>
-            </a:lvl1pPr>
-            <a:lvl2pPr marL="434030" marR="0" lvl="1" indent="103830" algn="l" rtl="0">
-              <a:lnSpc>
-                <a:spcPct val="100000"/>
-              </a:lnSpc>
-              <a:spcBef>
-                <a:spcPts val="1600"/>
-              </a:spcBef>
-              <a:spcAft>
-                <a:spcPts val="0"/>
-              </a:spcAft>
-              <a:buClr>
-                <a:srgbClr val="003C71"/>
-              </a:buClr>
-              <a:buSzPct val="108106"/>
-              <a:buFont typeface="Noto Sans Symbols"/>
-              <a:buChar char="▪"/>
-              <a:defRPr sz="2133" b="0" i="0" u="none" strike="noStrike" cap="none">
-                <a:solidFill>
-                  <a:srgbClr val="003C71"/>
-                </a:solidFill>
-                <a:latin typeface="Arial"/>
-                <a:ea typeface="Arial"/>
-                <a:cs typeface="Arial"/>
-                <a:sym typeface="Arial"/>
-              </a:defRPr>
-            </a:lvl2pPr>
-            <a:lvl3pPr marL="891230" marR="0" lvl="2" indent="91130" algn="l" rtl="0">
-              <a:lnSpc>
-                <a:spcPct val="100000"/>
-              </a:lnSpc>
-              <a:spcBef>
-                <a:spcPts val="1067"/>
-              </a:spcBef>
-              <a:spcAft>
-                <a:spcPts val="0"/>
-              </a:spcAft>
-              <a:buClr>
-                <a:srgbClr val="003C71"/>
-              </a:buClr>
-              <a:buSzPct val="108106"/>
-              <a:buFont typeface="Arial"/>
-              <a:buChar char="–"/>
-              <a:defRPr sz="2133" b="0" i="0" u="none" strike="noStrike" cap="none">
-                <a:solidFill>
-                  <a:srgbClr val="003C71"/>
-                </a:solidFill>
-                <a:latin typeface="Arial"/>
-                <a:ea typeface="Arial"/>
-                <a:cs typeface="Arial"/>
-                <a:sym typeface="Arial"/>
-              </a:defRPr>
-            </a:lvl3pPr>
-            <a:lvl4pPr marL="1395182" marR="0" lvl="3" indent="36146" algn="l" rtl="0">
-              <a:lnSpc>
-                <a:spcPct val="100000"/>
-              </a:lnSpc>
-              <a:spcBef>
-                <a:spcPts val="373"/>
-              </a:spcBef>
-              <a:spcAft>
-                <a:spcPts val="0"/>
-              </a:spcAft>
-              <a:buClr>
-                <a:srgbClr val="003C71"/>
-              </a:buClr>
-              <a:buSzPct val="91610"/>
-              <a:buFont typeface="Arial"/>
-              <a:buChar char="–"/>
-              <a:defRPr sz="1867" b="0" i="0" u="none" strike="noStrike" cap="none">
-                <a:solidFill>
-                  <a:srgbClr val="003C71"/>
-                </a:solidFill>
-                <a:latin typeface="Arial"/>
-                <a:ea typeface="Arial"/>
-                <a:cs typeface="Arial"/>
-                <a:sym typeface="Arial"/>
-              </a:defRPr>
-            </a:lvl4pPr>
-            <a:lvl5pPr marL="1865080" marR="0" lvl="4" indent="36147" algn="l" rtl="0">
-              <a:lnSpc>
-                <a:spcPct val="100000"/>
-              </a:lnSpc>
-              <a:spcBef>
-                <a:spcPts val="373"/>
-              </a:spcBef>
-              <a:spcAft>
-                <a:spcPts val="0"/>
-              </a:spcAft>
-              <a:buClr>
-                <a:srgbClr val="003C71"/>
-              </a:buClr>
-              <a:buSzPct val="91610"/>
-              <a:buFont typeface="Arial"/>
-              <a:buChar char="–"/>
-              <a:defRPr sz="1867" b="0" i="0" u="none" strike="noStrike" cap="none">
-                <a:solidFill>
-                  <a:srgbClr val="003C71"/>
-                </a:solidFill>
-                <a:latin typeface="Arial"/>
-                <a:ea typeface="Arial"/>
-                <a:cs typeface="Arial"/>
-                <a:sym typeface="Arial"/>
-              </a:defRPr>
-            </a:lvl5pPr>
-            <a:lvl6pPr marL="3530736" marR="0" lvl="5" indent="122985" algn="l" rtl="0">
-              <a:lnSpc>
-                <a:spcPct val="100000"/>
-              </a:lnSpc>
-              <a:spcBef>
-                <a:spcPts val="533"/>
-              </a:spcBef>
-              <a:spcAft>
-                <a:spcPts val="0"/>
-              </a:spcAft>
-              <a:buClr>
-                <a:schemeClr val="dk1"/>
-              </a:buClr>
-              <a:buSzPct val="94034"/>
-              <a:buFont typeface="Arial"/>
-              <a:buChar char="•"/>
-              <a:defRPr sz="2667" b="0" i="0" u="none" strike="noStrike" cap="none">
-                <a:solidFill>
-                  <a:schemeClr val="dk1"/>
-                </a:solidFill>
-                <a:latin typeface="Arial"/>
-                <a:ea typeface="Arial"/>
-                <a:cs typeface="Arial"/>
-                <a:sym typeface="Arial"/>
-              </a:defRPr>
-            </a:lvl6pPr>
-            <a:lvl7pPr marL="4140336" marR="0" lvl="6" indent="122985" algn="l" rtl="0">
-              <a:lnSpc>
-                <a:spcPct val="100000"/>
-              </a:lnSpc>
-              <a:spcBef>
-                <a:spcPts val="533"/>
-              </a:spcBef>
-              <a:spcAft>
-                <a:spcPts val="0"/>
-              </a:spcAft>
-              <a:buClr>
-                <a:schemeClr val="dk1"/>
-              </a:buClr>
-              <a:buSzPct val="94034"/>
-              <a:buFont typeface="Arial"/>
-              <a:buChar char="•"/>
-              <a:defRPr sz="2667" b="0" i="0" u="none" strike="noStrike" cap="none">
-                <a:solidFill>
-                  <a:schemeClr val="dk1"/>
-                </a:solidFill>
-                <a:latin typeface="Arial"/>
-                <a:ea typeface="Arial"/>
-                <a:cs typeface="Arial"/>
-                <a:sym typeface="Arial"/>
-              </a:defRPr>
-            </a:lvl7pPr>
-            <a:lvl8pPr marL="4749937" marR="0" lvl="7" indent="122985" algn="l" rtl="0">
-              <a:lnSpc>
-                <a:spcPct val="100000"/>
-              </a:lnSpc>
-              <a:spcBef>
-                <a:spcPts val="533"/>
-              </a:spcBef>
-              <a:spcAft>
-                <a:spcPts val="0"/>
-              </a:spcAft>
-              <a:buClr>
-                <a:schemeClr val="dk1"/>
-              </a:buClr>
-              <a:buSzPct val="94034"/>
-              <a:buFont typeface="Arial"/>
-              <a:buChar char="•"/>
-              <a:defRPr sz="2667" b="0" i="0" u="none" strike="noStrike" cap="none">
-                <a:solidFill>
-                  <a:schemeClr val="dk1"/>
-                </a:solidFill>
-                <a:latin typeface="Arial"/>
-                <a:ea typeface="Arial"/>
-                <a:cs typeface="Arial"/>
-                <a:sym typeface="Arial"/>
-              </a:defRPr>
-            </a:lvl8pPr>
-            <a:lvl9pPr marL="5359537" marR="0" lvl="8" indent="122985" algn="l" rtl="0">
-              <a:lnSpc>
-                <a:spcPct val="100000"/>
-              </a:lnSpc>
-              <a:spcBef>
-                <a:spcPts val="533"/>
-              </a:spcBef>
-              <a:spcAft>
-                <a:spcPts val="0"/>
-              </a:spcAft>
-              <a:buClr>
-                <a:schemeClr val="dk1"/>
-              </a:buClr>
-              <a:buSzPct val="94034"/>
-              <a:buFont typeface="Arial"/>
-              <a:buChar char="•"/>
-              <a:defRPr sz="2667" b="0" i="0" u="none" strike="noStrike" cap="none">
-                <a:solidFill>
-                  <a:schemeClr val="dk1"/>
-                </a:solidFill>
-                <a:latin typeface="Arial"/>
-                <a:ea typeface="Arial"/>
-                <a:cs typeface="Arial"/>
-                <a:sym typeface="Arial"/>
-              </a:defRPr>
-            </a:lvl9pPr>
-          </a:lstStyle>
-          <a:p>
-            <a:endParaRPr/>
-          </a:p>
-        </p:txBody>
-      </p:sp>
-      <p:sp>
-        <p:nvSpPr>
-          <p:cNvPr id="77" name="Shape 77"/>
-          <p:cNvSpPr txBox="1">
-            <a:spLocks noGrp="1"/>
-          </p:cNvSpPr>
-          <p:nvPr>
-            <p:ph type="title"/>
-          </p:nvPr>
-        </p:nvSpPr>
-        <p:spPr>
-          <a:xfrm>
-            <a:off x="607483" y="411797"/>
-            <a:ext cx="5342466" cy="1158239"/>
-          </a:xfrm>
-          <a:prstGeom prst="rect">
-            <a:avLst/>
-          </a:prstGeom>
-          <a:noFill/>
-          <a:ln>
-            <a:noFill/>
-          </a:ln>
-        </p:spPr>
-        <p:txBody>
-          <a:bodyPr lIns="91425" tIns="91425" rIns="91425" bIns="91425" anchor="t" anchorCtr="0"/>
-          <a:lstStyle>
-            <a:lvl1pPr marL="0" marR="0" lvl="0" indent="0" algn="l" rtl="0">
-              <a:lnSpc>
-                <a:spcPct val="100000"/>
-              </a:lnSpc>
-              <a:spcBef>
-                <a:spcPts val="0"/>
-              </a:spcBef>
-              <a:spcAft>
-                <a:spcPts val="0"/>
-              </a:spcAft>
-              <a:buClr>
-                <a:srgbClr val="003C71"/>
-              </a:buClr>
-              <a:buFont typeface="Arial"/>
-              <a:buNone/>
-              <a:defRPr sz="3733" b="0" i="0" u="none" strike="noStrike" cap="none">
-                <a:solidFill>
-                  <a:srgbClr val="003C71"/>
-                </a:solidFill>
-                <a:latin typeface="Arial"/>
-                <a:ea typeface="Arial"/>
-                <a:cs typeface="Arial"/>
-                <a:sym typeface="Arial"/>
-              </a:defRPr>
-            </a:lvl1pPr>
-            <a:lvl2pPr lvl="1" indent="0">
-              <a:spcBef>
-                <a:spcPts val="0"/>
-              </a:spcBef>
-              <a:buFont typeface="Arial"/>
-              <a:buNone/>
-              <a:defRPr sz="1800"/>
-            </a:lvl2pPr>
-            <a:lvl3pPr lvl="2" indent="0">
-              <a:spcBef>
-                <a:spcPts val="0"/>
-              </a:spcBef>
-              <a:buFont typeface="Arial"/>
-              <a:buNone/>
-              <a:defRPr sz="1800"/>
-            </a:lvl3pPr>
-            <a:lvl4pPr lvl="3" indent="0">
-              <a:spcBef>
-                <a:spcPts val="0"/>
-              </a:spcBef>
-              <a:buFont typeface="Arial"/>
-              <a:buNone/>
-              <a:defRPr sz="1800"/>
-            </a:lvl4pPr>
-            <a:lvl5pPr lvl="4" indent="0">
-              <a:spcBef>
-                <a:spcPts val="0"/>
-              </a:spcBef>
-              <a:buFont typeface="Arial"/>
-              <a:buNone/>
-              <a:defRPr sz="1800"/>
-            </a:lvl5pPr>
-            <a:lvl6pPr lvl="5" indent="0">
-              <a:spcBef>
-                <a:spcPts val="0"/>
-              </a:spcBef>
-              <a:buFont typeface="Arial"/>
-              <a:buNone/>
-              <a:defRPr sz="1800"/>
-            </a:lvl6pPr>
-            <a:lvl7pPr lvl="6" indent="0">
-              <a:spcBef>
-                <a:spcPts val="0"/>
-              </a:spcBef>
-              <a:buFont typeface="Arial"/>
-              <a:buNone/>
-              <a:defRPr sz="1800"/>
-            </a:lvl7pPr>
-            <a:lvl8pPr lvl="7" indent="0">
-              <a:spcBef>
-                <a:spcPts val="0"/>
-              </a:spcBef>
-              <a:buFont typeface="Arial"/>
-              <a:buNone/>
-              <a:defRPr sz="1800"/>
-            </a:lvl8pPr>
-            <a:lvl9pPr lvl="8" indent="0">
-              <a:spcBef>
-                <a:spcPts val="0"/>
-              </a:spcBef>
-              <a:buFont typeface="Arial"/>
-              <a:buNone/>
-              <a:defRPr sz="1800"/>
-            </a:lvl9pPr>
-          </a:lstStyle>
-          <a:p>
-            <a:endParaRPr/>
-          </a:p>
-        </p:txBody>
-      </p:sp>
-      <p:sp>
-        <p:nvSpPr>
-          <p:cNvPr id="78" name="Shape 78"/>
-          <p:cNvSpPr txBox="1">
-            <a:spLocks noGrp="1"/>
-          </p:cNvSpPr>
-          <p:nvPr>
-            <p:ph type="ftr" idx="11"/>
-          </p:nvPr>
-        </p:nvSpPr>
-        <p:spPr>
-          <a:xfrm>
-            <a:off x="4165600" y="6432516"/>
-            <a:ext cx="3860798" cy="365125"/>
-          </a:xfrm>
-          <a:prstGeom prst="rect">
-            <a:avLst/>
-          </a:prstGeom>
-          <a:noFill/>
-          <a:ln>
-            <a:noFill/>
-          </a:ln>
-        </p:spPr>
-        <p:txBody>
-          <a:bodyPr lIns="91425" tIns="91425" rIns="91425" bIns="91425" anchor="ctr" anchorCtr="0"/>
-          <a:lstStyle>
-            <a:lvl1pPr marL="0" marR="0" lvl="0" indent="0" algn="ctr" rtl="0">
-              <a:lnSpc>
-                <a:spcPct val="100000"/>
-              </a:lnSpc>
-              <a:spcBef>
-                <a:spcPts val="0"/>
-              </a:spcBef>
-              <a:spcAft>
-                <a:spcPts val="0"/>
-              </a:spcAft>
-              <a:buClr>
-                <a:schemeClr val="lt1"/>
-              </a:buClr>
-              <a:buFont typeface="Arial"/>
-              <a:buNone/>
-              <a:defRPr sz="1067" b="0" i="0" u="none" strike="noStrike" cap="none">
-                <a:solidFill>
-                  <a:schemeClr val="lt1"/>
-                </a:solidFill>
-                <a:latin typeface="Arial"/>
-                <a:ea typeface="Arial"/>
-                <a:cs typeface="Arial"/>
-                <a:sym typeface="Arial"/>
-              </a:defRPr>
-            </a:lvl1pPr>
-            <a:lvl2pPr marL="457200" marR="0" lvl="1" indent="0" algn="l" rtl="0">
-              <a:lnSpc>
-                <a:spcPct val="100000"/>
-              </a:lnSpc>
-              <a:spcBef>
-                <a:spcPts val="0"/>
-              </a:spcBef>
-              <a:spcAft>
-                <a:spcPts val="0"/>
-              </a:spcAft>
-              <a:buClr>
-                <a:schemeClr val="dk1"/>
-              </a:buClr>
-              <a:buFont typeface="Arial"/>
-              <a:buNone/>
-              <a:defRPr sz="1800" b="0" i="0" u="none" strike="noStrike" cap="none">
-                <a:solidFill>
-                  <a:schemeClr val="dk1"/>
-                </a:solidFill>
-                <a:latin typeface="Arial"/>
-                <a:ea typeface="Arial"/>
-                <a:cs typeface="Arial"/>
-                <a:sym typeface="Arial"/>
-              </a:defRPr>
-            </a:lvl2pPr>
-            <a:lvl3pPr marL="914400" marR="0" lvl="2" indent="0" algn="l" rtl="0">
-              <a:lnSpc>
-                <a:spcPct val="100000"/>
-              </a:lnSpc>
-              <a:spcBef>
-                <a:spcPts val="0"/>
-              </a:spcBef>
-              <a:spcAft>
-                <a:spcPts val="0"/>
-              </a:spcAft>
-              <a:buClr>
-                <a:schemeClr val="dk1"/>
-              </a:buClr>
-              <a:buFont typeface="Arial"/>
-              <a:buNone/>
-              <a:defRPr sz="1800" b="0" i="0" u="none" strike="noStrike" cap="none">
-                <a:solidFill>
-                  <a:schemeClr val="dk1"/>
-                </a:solidFill>
-                <a:latin typeface="Arial"/>
-                <a:ea typeface="Arial"/>
-                <a:cs typeface="Arial"/>
-                <a:sym typeface="Arial"/>
-              </a:defRPr>
-            </a:lvl3pPr>
-            <a:lvl4pPr marL="1371600" marR="0" lvl="3" indent="0" algn="l" rtl="0">
-              <a:lnSpc>
-                <a:spcPct val="100000"/>
-              </a:lnSpc>
-              <a:spcBef>
-                <a:spcPts val="0"/>
-              </a:spcBef>
-              <a:spcAft>
-                <a:spcPts val="0"/>
-              </a:spcAft>
-              <a:buClr>
-                <a:schemeClr val="dk1"/>
-              </a:buClr>
-              <a:buFont typeface="Arial"/>
-              <a:buNone/>
-              <a:defRPr sz="1800" b="0" i="0" u="none" strike="noStrike" cap="none">
-                <a:solidFill>
-                  <a:schemeClr val="dk1"/>
-                </a:solidFill>
-                <a:latin typeface="Arial"/>
-                <a:ea typeface="Arial"/>
-                <a:cs typeface="Arial"/>
-                <a:sym typeface="Arial"/>
-              </a:defRPr>
-            </a:lvl4pPr>
-            <a:lvl5pPr marL="1828800" marR="0" lvl="4" indent="0" algn="l" rtl="0">
-              <a:lnSpc>
-                <a:spcPct val="100000"/>
-              </a:lnSpc>
-              <a:spcBef>
-                <a:spcPts val="0"/>
-              </a:spcBef>
-              <a:spcAft>
-                <a:spcPts val="0"/>
-              </a:spcAft>
-              <a:buClr>
-                <a:schemeClr val="dk1"/>
-              </a:buClr>
-              <a:buFont typeface="Arial"/>
-              <a:buNone/>
-              <a:defRPr sz="1800" b="0" i="0" u="none" strike="noStrike" cap="none">
-                <a:solidFill>
-                  <a:schemeClr val="dk1"/>
-                </a:solidFill>
-                <a:latin typeface="Arial"/>
-                <a:ea typeface="Arial"/>
-                <a:cs typeface="Arial"/>
-                <a:sym typeface="Arial"/>
-              </a:defRPr>
-            </a:lvl5pPr>
-            <a:lvl6pPr marL="2286000" marR="0" lvl="5" indent="0" algn="l" rtl="0">
-              <a:lnSpc>
-                <a:spcPct val="100000"/>
-              </a:lnSpc>
-              <a:spcBef>
-                <a:spcPts val="0"/>
-              </a:spcBef>
-              <a:spcAft>
-                <a:spcPts val="0"/>
-              </a:spcAft>
-              <a:buClr>
-                <a:schemeClr val="dk1"/>
-              </a:buClr>
-              <a:buFont typeface="Arial"/>
-              <a:buNone/>
-              <a:defRPr sz="1800" b="0" i="0" u="none" strike="noStrike" cap="none">
-                <a:solidFill>
-                  <a:schemeClr val="dk1"/>
-                </a:solidFill>
-                <a:latin typeface="Arial"/>
-                <a:ea typeface="Arial"/>
-                <a:cs typeface="Arial"/>
-                <a:sym typeface="Arial"/>
-              </a:defRPr>
-            </a:lvl6pPr>
-            <a:lvl7pPr marL="2743200" marR="0" lvl="6" indent="0" algn="l" rtl="0">
-              <a:lnSpc>
-                <a:spcPct val="100000"/>
-              </a:lnSpc>
-              <a:spcBef>
-                <a:spcPts val="0"/>
-              </a:spcBef>
-              <a:spcAft>
-                <a:spcPts val="0"/>
-              </a:spcAft>
-              <a:buClr>
-                <a:schemeClr val="dk1"/>
-              </a:buClr>
-              <a:buFont typeface="Arial"/>
-              <a:buNone/>
-              <a:defRPr sz="1800" b="0" i="0" u="none" strike="noStrike" cap="none">
-                <a:solidFill>
-                  <a:schemeClr val="dk1"/>
-                </a:solidFill>
-                <a:latin typeface="Arial"/>
-                <a:ea typeface="Arial"/>
-                <a:cs typeface="Arial"/>
-                <a:sym typeface="Arial"/>
-              </a:defRPr>
-            </a:lvl7pPr>
-            <a:lvl8pPr marL="3200400" marR="0" lvl="7" indent="0" algn="l" rtl="0">
-              <a:lnSpc>
-                <a:spcPct val="100000"/>
-              </a:lnSpc>
-              <a:spcBef>
-                <a:spcPts val="0"/>
-              </a:spcBef>
-              <a:spcAft>
-                <a:spcPts val="0"/>
-              </a:spcAft>
-              <a:buClr>
-                <a:schemeClr val="dk1"/>
-              </a:buClr>
-              <a:buFont typeface="Arial"/>
-              <a:buNone/>
-              <a:defRPr sz="1800" b="0" i="0" u="none" strike="noStrike" cap="none">
-                <a:solidFill>
-                  <a:schemeClr val="dk1"/>
-                </a:solidFill>
-                <a:latin typeface="Arial"/>
-                <a:ea typeface="Arial"/>
-                <a:cs typeface="Arial"/>
-                <a:sym typeface="Arial"/>
-              </a:defRPr>
-            </a:lvl8pPr>
-            <a:lvl9pPr marL="3657600" marR="0" lvl="8" indent="0" algn="l" rtl="0">
-              <a:lnSpc>
-                <a:spcPct val="100000"/>
-              </a:lnSpc>
-              <a:spcBef>
-                <a:spcPts val="0"/>
-              </a:spcBef>
-              <a:spcAft>
-                <a:spcPts val="0"/>
-              </a:spcAft>
-              <a:buClr>
-                <a:schemeClr val="dk1"/>
-              </a:buClr>
-              <a:buFont typeface="Arial"/>
-              <a:buNone/>
-              <a:defRPr sz="1800" b="0" i="0" u="none" strike="noStrike" cap="none">
-                <a:solidFill>
-                  <a:schemeClr val="dk1"/>
-                </a:solidFill>
-                <a:latin typeface="Arial"/>
-                <a:ea typeface="Arial"/>
-                <a:cs typeface="Arial"/>
-                <a:sym typeface="Arial"/>
-              </a:defRPr>
-            </a:lvl9pPr>
-          </a:lstStyle>
-          <a:p>
-            <a:pPr>
-              <a:buClr>
-                <a:prstClr val="white"/>
-              </a:buClr>
-            </a:pPr>
-            <a:endParaRPr>
-              <a:solidFill>
-                <a:prstClr val="white"/>
-              </a:solidFill>
-            </a:endParaRPr>
-          </a:p>
-        </p:txBody>
-      </p:sp>
-      <p:sp>
-        <p:nvSpPr>
-          <p:cNvPr id="79" name="Shape 79"/>
-          <p:cNvSpPr txBox="1">
-            <a:spLocks noGrp="1"/>
-          </p:cNvSpPr>
-          <p:nvPr>
-            <p:ph type="sldNum" idx="12"/>
-          </p:nvPr>
-        </p:nvSpPr>
-        <p:spPr>
-          <a:xfrm>
-            <a:off x="9163135" y="6432516"/>
-            <a:ext cx="2844800" cy="365125"/>
-          </a:xfrm>
-          <a:prstGeom prst="rect">
-            <a:avLst/>
-          </a:prstGeom>
-          <a:noFill/>
-          <a:ln>
-            <a:noFill/>
-          </a:ln>
-        </p:spPr>
-        <p:txBody>
-          <a:bodyPr lIns="0" tIns="0" rIns="0" bIns="0" anchor="ctr" anchorCtr="0">
-            <a:noAutofit/>
-          </a:bodyPr>
-          <a:lstStyle/>
-          <a:p>
-            <a:pPr>
-              <a:buClr>
-                <a:srgbClr val="FFFFFF"/>
-              </a:buClr>
-              <a:buSzPct val="25000"/>
-              <a:buFont typeface="Arial"/>
-              <a:buNone/>
-            </a:pPr>
-            <a:fld id="{00000000-1234-1234-1234-123412341234}" type="slidenum">
-              <a:rPr lang="en-US" sz="1067">
-                <a:solidFill>
-                  <a:srgbClr val="FFFFFF"/>
-                </a:solidFill>
-              </a:rPr>
-              <a:pPr>
-                <a:buClr>
-                  <a:srgbClr val="FFFFFF"/>
-                </a:buClr>
-                <a:buSzPct val="25000"/>
-                <a:buFont typeface="Arial"/>
-                <a:buNone/>
-              </a:pPr>
-              <a:t>‹#›</a:t>
-            </a:fld>
-            <a:endParaRPr lang="en-US" sz="1067">
-              <a:solidFill>
-                <a:srgbClr val="FFFFFF"/>
-              </a:solidFill>
-            </a:endParaRPr>
-          </a:p>
-        </p:txBody>
-      </p:sp>
-      <p:sp>
-        <p:nvSpPr>
-          <p:cNvPr id="80" name="Shape 80"/>
-          <p:cNvSpPr txBox="1">
-            <a:spLocks noGrp="1"/>
-          </p:cNvSpPr>
-          <p:nvPr>
-            <p:ph type="body" idx="1"/>
-          </p:nvPr>
-        </p:nvSpPr>
-        <p:spPr>
-          <a:xfrm>
-            <a:off x="607485" y="1766991"/>
-            <a:ext cx="5342466" cy="4567765"/>
-          </a:xfrm>
-          <a:prstGeom prst="rect">
-            <a:avLst/>
-          </a:prstGeom>
-          <a:noFill/>
-          <a:ln>
-            <a:noFill/>
-          </a:ln>
-        </p:spPr>
-        <p:txBody>
-          <a:bodyPr lIns="91425" tIns="91425" rIns="91425" bIns="91425" anchor="t" anchorCtr="0"/>
-          <a:lstStyle>
-            <a:lvl1pPr marL="0" marR="0" lvl="0" indent="0" algn="l" rtl="0">
-              <a:lnSpc>
-                <a:spcPct val="100000"/>
-              </a:lnSpc>
-              <a:spcBef>
-                <a:spcPts val="1600"/>
-              </a:spcBef>
-              <a:spcAft>
-                <a:spcPts val="0"/>
-              </a:spcAft>
-              <a:buClr>
-                <a:srgbClr val="0071C5"/>
-              </a:buClr>
-              <a:buFont typeface="Noto Sans Symbols"/>
-              <a:buNone/>
-              <a:defRPr sz="2400" b="0" i="0" u="none" strike="noStrike" cap="none">
-                <a:solidFill>
-                  <a:srgbClr val="0071C5"/>
-                </a:solidFill>
-                <a:latin typeface="Arial"/>
-                <a:ea typeface="Arial"/>
-                <a:cs typeface="Arial"/>
-                <a:sym typeface="Arial"/>
-              </a:defRPr>
-            </a:lvl1pPr>
-            <a:lvl2pPr marL="434030" marR="0" lvl="1" indent="103830" algn="l" rtl="0">
-              <a:lnSpc>
-                <a:spcPct val="100000"/>
-              </a:lnSpc>
-              <a:spcBef>
-                <a:spcPts val="1600"/>
-              </a:spcBef>
-              <a:spcAft>
-                <a:spcPts val="0"/>
-              </a:spcAft>
-              <a:buClr>
-                <a:srgbClr val="003C71"/>
-              </a:buClr>
-              <a:buSzPct val="108106"/>
-              <a:buFont typeface="Noto Sans Symbols"/>
-              <a:buChar char="▪"/>
-              <a:defRPr sz="2133" b="0" i="0" u="none" strike="noStrike" cap="none">
-                <a:solidFill>
-                  <a:srgbClr val="003C71"/>
-                </a:solidFill>
-                <a:latin typeface="Arial"/>
-                <a:ea typeface="Arial"/>
-                <a:cs typeface="Arial"/>
-                <a:sym typeface="Arial"/>
-              </a:defRPr>
-            </a:lvl2pPr>
-            <a:lvl3pPr marL="861782" marR="0" lvl="2" indent="36146" algn="l" rtl="0">
-              <a:lnSpc>
-                <a:spcPct val="100000"/>
-              </a:lnSpc>
-              <a:spcBef>
-                <a:spcPts val="1067"/>
-              </a:spcBef>
-              <a:spcAft>
-                <a:spcPts val="0"/>
-              </a:spcAft>
-              <a:buClr>
-                <a:srgbClr val="003C71"/>
-              </a:buClr>
-              <a:buSzPct val="91610"/>
-              <a:buFont typeface="Arial"/>
-              <a:buChar char="–"/>
-              <a:defRPr sz="1867" b="0" i="0" u="none" strike="noStrike" cap="none">
-                <a:solidFill>
-                  <a:srgbClr val="003C71"/>
-                </a:solidFill>
-                <a:latin typeface="Arial"/>
-                <a:ea typeface="Arial"/>
-                <a:cs typeface="Arial"/>
-                <a:sym typeface="Arial"/>
-              </a:defRPr>
-            </a:lvl3pPr>
-            <a:lvl4pPr marL="1384300" marR="0" lvl="3" indent="0" algn="l" rtl="0">
-              <a:lnSpc>
-                <a:spcPct val="100000"/>
-              </a:lnSpc>
-              <a:spcBef>
-                <a:spcPts val="320"/>
-              </a:spcBef>
-              <a:spcAft>
-                <a:spcPts val="0"/>
-              </a:spcAft>
-              <a:buClr>
-                <a:srgbClr val="003C71"/>
-              </a:buClr>
-              <a:buSzPct val="100000"/>
-              <a:buFont typeface="Arial"/>
-              <a:buChar char="–"/>
-              <a:defRPr sz="1600" b="0" i="0" u="none" strike="noStrike" cap="none">
-                <a:solidFill>
-                  <a:srgbClr val="003C71"/>
-                </a:solidFill>
-                <a:latin typeface="Arial"/>
-                <a:ea typeface="Arial"/>
-                <a:cs typeface="Arial"/>
-                <a:sym typeface="Arial"/>
-              </a:defRPr>
-            </a:lvl4pPr>
-            <a:lvl5pPr marL="1854200" marR="0" lvl="4" indent="0" algn="l" rtl="0">
-              <a:lnSpc>
-                <a:spcPct val="100000"/>
-              </a:lnSpc>
-              <a:spcBef>
-                <a:spcPts val="320"/>
-              </a:spcBef>
-              <a:spcAft>
-                <a:spcPts val="0"/>
-              </a:spcAft>
-              <a:buClr>
-                <a:srgbClr val="003C71"/>
-              </a:buClr>
-              <a:buSzPct val="100000"/>
-              <a:buFont typeface="Arial"/>
-              <a:buChar char="–"/>
-              <a:defRPr sz="1600" b="0" i="0" u="none" strike="noStrike" cap="none">
-                <a:solidFill>
-                  <a:srgbClr val="003C71"/>
-                </a:solidFill>
-                <a:latin typeface="Arial"/>
-                <a:ea typeface="Arial"/>
-                <a:cs typeface="Arial"/>
-                <a:sym typeface="Arial"/>
-              </a:defRPr>
-            </a:lvl5pPr>
-            <a:lvl6pPr marL="3530736" marR="0" lvl="5" indent="122985" algn="l" rtl="0">
-              <a:lnSpc>
-                <a:spcPct val="100000"/>
-              </a:lnSpc>
-              <a:spcBef>
-                <a:spcPts val="533"/>
-              </a:spcBef>
-              <a:spcAft>
-                <a:spcPts val="0"/>
-              </a:spcAft>
-              <a:buClr>
-                <a:schemeClr val="dk1"/>
-              </a:buClr>
-              <a:buSzPct val="94034"/>
-              <a:buFont typeface="Arial"/>
-              <a:buChar char="•"/>
-              <a:defRPr sz="2667" b="0" i="0" u="none" strike="noStrike" cap="none">
-                <a:solidFill>
-                  <a:schemeClr val="dk1"/>
-                </a:solidFill>
-                <a:latin typeface="Arial"/>
-                <a:ea typeface="Arial"/>
-                <a:cs typeface="Arial"/>
-                <a:sym typeface="Arial"/>
-              </a:defRPr>
-            </a:lvl6pPr>
-            <a:lvl7pPr marL="4140336" marR="0" lvl="6" indent="122985" algn="l" rtl="0">
-              <a:lnSpc>
-                <a:spcPct val="100000"/>
-              </a:lnSpc>
-              <a:spcBef>
-                <a:spcPts val="533"/>
-              </a:spcBef>
-              <a:spcAft>
-                <a:spcPts val="0"/>
-              </a:spcAft>
-              <a:buClr>
-                <a:schemeClr val="dk1"/>
-              </a:buClr>
-              <a:buSzPct val="94034"/>
-              <a:buFont typeface="Arial"/>
-              <a:buChar char="•"/>
-              <a:defRPr sz="2667" b="0" i="0" u="none" strike="noStrike" cap="none">
-                <a:solidFill>
-                  <a:schemeClr val="dk1"/>
-                </a:solidFill>
-                <a:latin typeface="Arial"/>
-                <a:ea typeface="Arial"/>
-                <a:cs typeface="Arial"/>
-                <a:sym typeface="Arial"/>
-              </a:defRPr>
-            </a:lvl7pPr>
-            <a:lvl8pPr marL="4749937" marR="0" lvl="7" indent="122985" algn="l" rtl="0">
-              <a:lnSpc>
-                <a:spcPct val="100000"/>
-              </a:lnSpc>
-              <a:spcBef>
-                <a:spcPts val="533"/>
-              </a:spcBef>
-              <a:spcAft>
-                <a:spcPts val="0"/>
-              </a:spcAft>
-              <a:buClr>
-                <a:schemeClr val="dk1"/>
-              </a:buClr>
-              <a:buSzPct val="94034"/>
-              <a:buFont typeface="Arial"/>
-              <a:buChar char="•"/>
-              <a:defRPr sz="2667" b="0" i="0" u="none" strike="noStrike" cap="none">
-                <a:solidFill>
-                  <a:schemeClr val="dk1"/>
-                </a:solidFill>
-                <a:latin typeface="Arial"/>
-                <a:ea typeface="Arial"/>
-                <a:cs typeface="Arial"/>
-                <a:sym typeface="Arial"/>
-              </a:defRPr>
-            </a:lvl8pPr>
-            <a:lvl9pPr marL="5359537" marR="0" lvl="8" indent="122985" algn="l" rtl="0">
-              <a:lnSpc>
-                <a:spcPct val="100000"/>
-              </a:lnSpc>
-              <a:spcBef>
-                <a:spcPts val="533"/>
-              </a:spcBef>
-              <a:spcAft>
-                <a:spcPts val="0"/>
-              </a:spcAft>
-              <a:buClr>
-                <a:schemeClr val="dk1"/>
-              </a:buClr>
-              <a:buSzPct val="94034"/>
-              <a:buFont typeface="Arial"/>
-              <a:buChar char="•"/>
-              <a:defRPr sz="2667" b="0" i="0" u="none" strike="noStrike" cap="none">
-                <a:solidFill>
-                  <a:schemeClr val="dk1"/>
-                </a:solidFill>
-                <a:latin typeface="Arial"/>
-                <a:ea typeface="Arial"/>
-                <a:cs typeface="Arial"/>
-                <a:sym typeface="Arial"/>
-              </a:defRPr>
-            </a:lvl9pPr>
-          </a:lstStyle>
-          <a:p>
-            <a:endParaRPr/>
-          </a:p>
-        </p:txBody>
-      </p:sp>
-    </p:spTree>
-    <p:extLst>
-      <p:ext uri="{BB962C8B-B14F-4D97-AF65-F5344CB8AC3E}">
-        <p14:creationId xmlns:p14="http://schemas.microsoft.com/office/powerpoint/2010/main" val="1988832841"/>
-      </p:ext>
-    </p:extLst>
-  </p:cSld>
-  <p:clrMapOvr>
-    <a:masterClrMapping/>
-  </p:clrMapOvr>
-</p:sldLayout>
-</file>
-
-<file path=ppt/slideLayouts/slideLayout16.xml><?xml version="1.0" encoding="utf-8"?>
-<p:sldLayout xmlns:a="http://schemas.openxmlformats.org/drawingml/2006/main" xmlns:r="http://schemas.openxmlformats.org/officeDocument/2006/relationships" xmlns:p="http://schemas.openxmlformats.org/presentationml/2006/main">
-  <p:cSld name="Text and Bottom Half Image">
-    <p:spTree>
-      <p:nvGrpSpPr>
-        <p:cNvPr id="1" name="Shape 145"/>
-        <p:cNvGrpSpPr/>
-        <p:nvPr/>
-      </p:nvGrpSpPr>
-      <p:grpSpPr>
-        <a:xfrm>
-          <a:off x="0" y="0"/>
-          <a:ext cx="0" cy="0"/>
-          <a:chOff x="0" y="0"/>
-          <a:chExt cx="0" cy="0"/>
-        </a:xfrm>
-      </p:grpSpPr>
-      <p:sp>
-        <p:nvSpPr>
-          <p:cNvPr id="146" name="Shape 146"/>
-          <p:cNvSpPr>
-            <a:spLocks noGrp="1"/>
-          </p:cNvSpPr>
-          <p:nvPr>
-            <p:ph type="pic" idx="2"/>
-          </p:nvPr>
-        </p:nvSpPr>
-        <p:spPr>
-          <a:xfrm>
-            <a:off x="0" y="3432175"/>
-            <a:ext cx="12192000" cy="2926199"/>
-          </a:xfrm>
-          <a:prstGeom prst="rect">
-            <a:avLst/>
-          </a:prstGeom>
-          <a:solidFill>
-            <a:srgbClr val="CFD5D8"/>
-          </a:solidFill>
-          <a:ln>
-            <a:noFill/>
-          </a:ln>
-        </p:spPr>
-        <p:txBody>
-          <a:bodyPr lIns="91425" tIns="91425" rIns="91425" bIns="91425" anchor="t" anchorCtr="0"/>
-          <a:lstStyle>
-            <a:lvl1pPr marL="0" marR="0" lvl="0" indent="0" algn="l" rtl="0">
-              <a:lnSpc>
-                <a:spcPct val="100000"/>
-              </a:lnSpc>
-              <a:spcBef>
-                <a:spcPts val="1600"/>
-              </a:spcBef>
-              <a:spcAft>
-                <a:spcPts val="0"/>
-              </a:spcAft>
-              <a:buClr>
-                <a:srgbClr val="0071C5"/>
-              </a:buClr>
-              <a:buFont typeface="Noto Sans Symbols"/>
-              <a:buNone/>
-              <a:defRPr sz="2400" b="0" i="0" u="none" strike="noStrike" cap="none">
-                <a:solidFill>
-                  <a:srgbClr val="0071C5"/>
-                </a:solidFill>
-                <a:latin typeface="Arial"/>
-                <a:ea typeface="Arial"/>
-                <a:cs typeface="Arial"/>
-                <a:sym typeface="Arial"/>
-              </a:defRPr>
-            </a:lvl1pPr>
-            <a:lvl2pPr marL="535629" marR="0" lvl="1" indent="42595" algn="l" rtl="0">
-              <a:lnSpc>
-                <a:spcPct val="100000"/>
-              </a:lnSpc>
-              <a:spcBef>
-                <a:spcPts val="1600"/>
-              </a:spcBef>
-              <a:spcAft>
-                <a:spcPts val="0"/>
-              </a:spcAft>
-              <a:buClr>
-                <a:srgbClr val="003C71"/>
-              </a:buClr>
-              <a:buSzPct val="109804"/>
-              <a:buFont typeface="Noto Sans Symbols"/>
-              <a:buChar char="▪"/>
-              <a:defRPr sz="2133" b="0" i="0" u="none" strike="noStrike" cap="none">
-                <a:solidFill>
-                  <a:srgbClr val="003C71"/>
-                </a:solidFill>
-                <a:latin typeface="Arial"/>
-                <a:ea typeface="Arial"/>
-                <a:cs typeface="Arial"/>
-                <a:sym typeface="Arial"/>
-              </a:defRPr>
-            </a:lvl2pPr>
-            <a:lvl3pPr marL="980129" marR="0" lvl="2" indent="55295" algn="l" rtl="0">
-              <a:lnSpc>
-                <a:spcPct val="100000"/>
-              </a:lnSpc>
-              <a:spcBef>
-                <a:spcPts val="1067"/>
-              </a:spcBef>
-              <a:spcAft>
-                <a:spcPts val="0"/>
-              </a:spcAft>
-              <a:buClr>
-                <a:srgbClr val="003C71"/>
-              </a:buClr>
-              <a:buSzPct val="109804"/>
-              <a:buFont typeface="Arial"/>
-              <a:buChar char="–"/>
-              <a:defRPr sz="2133" b="0" i="0" u="none" strike="noStrike" cap="none">
-                <a:solidFill>
-                  <a:srgbClr val="003C71"/>
-                </a:solidFill>
-                <a:latin typeface="Arial"/>
-                <a:ea typeface="Arial"/>
-                <a:cs typeface="Arial"/>
-                <a:sym typeface="Arial"/>
-              </a:defRPr>
-            </a:lvl3pPr>
-            <a:lvl4pPr marL="1433282" marR="0" lvl="3" indent="59625" algn="l" rtl="0">
-              <a:lnSpc>
-                <a:spcPct val="100000"/>
-              </a:lnSpc>
-              <a:spcBef>
-                <a:spcPts val="373"/>
-              </a:spcBef>
-              <a:spcAft>
-                <a:spcPts val="0"/>
-              </a:spcAft>
-              <a:buClr>
-                <a:srgbClr val="003C71"/>
-              </a:buClr>
-              <a:buSzPct val="90018"/>
-              <a:buFont typeface="Arial"/>
-              <a:buChar char="–"/>
-              <a:defRPr sz="1867" b="0" i="0" u="none" strike="noStrike" cap="none">
-                <a:solidFill>
-                  <a:srgbClr val="003C71"/>
-                </a:solidFill>
-                <a:latin typeface="Arial"/>
-                <a:ea typeface="Arial"/>
-                <a:cs typeface="Arial"/>
-                <a:sym typeface="Arial"/>
-              </a:defRPr>
-            </a:lvl4pPr>
-            <a:lvl5pPr marL="1903180" marR="0" lvl="4" indent="59627" algn="l" rtl="0">
-              <a:lnSpc>
-                <a:spcPct val="100000"/>
-              </a:lnSpc>
-              <a:spcBef>
-                <a:spcPts val="373"/>
-              </a:spcBef>
-              <a:spcAft>
-                <a:spcPts val="0"/>
-              </a:spcAft>
-              <a:buClr>
-                <a:srgbClr val="003C71"/>
-              </a:buClr>
-              <a:buSzPct val="90018"/>
-              <a:buFont typeface="Arial"/>
-              <a:buChar char="–"/>
-              <a:defRPr sz="1867" b="0" i="0" u="none" strike="noStrike" cap="none">
-                <a:solidFill>
-                  <a:srgbClr val="003C71"/>
-                </a:solidFill>
-                <a:latin typeface="Arial"/>
-                <a:ea typeface="Arial"/>
-                <a:cs typeface="Arial"/>
-                <a:sym typeface="Arial"/>
-              </a:defRPr>
-            </a:lvl5pPr>
-            <a:lvl6pPr marL="3693816" marR="0" lvl="5" indent="-42065" algn="l" rtl="0">
-              <a:lnSpc>
-                <a:spcPct val="100000"/>
-              </a:lnSpc>
-              <a:spcBef>
-                <a:spcPts val="533"/>
-              </a:spcBef>
-              <a:spcAft>
-                <a:spcPts val="0"/>
-              </a:spcAft>
-              <a:buClr>
-                <a:schemeClr val="dk1"/>
-              </a:buClr>
-              <a:buSzPct val="92884"/>
-              <a:buFont typeface="Arial"/>
-              <a:buChar char="•"/>
-              <a:defRPr sz="2667" b="0" i="0" u="none" strike="noStrike" cap="none">
-                <a:solidFill>
-                  <a:schemeClr val="dk1"/>
-                </a:solidFill>
-                <a:latin typeface="Arial"/>
-                <a:ea typeface="Arial"/>
-                <a:cs typeface="Arial"/>
-                <a:sym typeface="Arial"/>
-              </a:defRPr>
-            </a:lvl6pPr>
-            <a:lvl7pPr marL="4303416" marR="0" lvl="6" indent="-42065" algn="l" rtl="0">
-              <a:lnSpc>
-                <a:spcPct val="100000"/>
-              </a:lnSpc>
-              <a:spcBef>
-                <a:spcPts val="533"/>
-              </a:spcBef>
-              <a:spcAft>
-                <a:spcPts val="0"/>
-              </a:spcAft>
-              <a:buClr>
-                <a:schemeClr val="dk1"/>
-              </a:buClr>
-              <a:buSzPct val="92884"/>
-              <a:buFont typeface="Arial"/>
-              <a:buChar char="•"/>
-              <a:defRPr sz="2667" b="0" i="0" u="none" strike="noStrike" cap="none">
-                <a:solidFill>
-                  <a:schemeClr val="dk1"/>
-                </a:solidFill>
-                <a:latin typeface="Arial"/>
-                <a:ea typeface="Arial"/>
-                <a:cs typeface="Arial"/>
-                <a:sym typeface="Arial"/>
-              </a:defRPr>
-            </a:lvl7pPr>
-            <a:lvl8pPr marL="4913016" marR="0" lvl="7" indent="-42065" algn="l" rtl="0">
-              <a:lnSpc>
-                <a:spcPct val="100000"/>
-              </a:lnSpc>
-              <a:spcBef>
-                <a:spcPts val="533"/>
-              </a:spcBef>
-              <a:spcAft>
-                <a:spcPts val="0"/>
-              </a:spcAft>
-              <a:buClr>
-                <a:schemeClr val="dk1"/>
-              </a:buClr>
-              <a:buSzPct val="92884"/>
-              <a:buFont typeface="Arial"/>
-              <a:buChar char="•"/>
-              <a:defRPr sz="2667" b="0" i="0" u="none" strike="noStrike" cap="none">
-                <a:solidFill>
-                  <a:schemeClr val="dk1"/>
-                </a:solidFill>
-                <a:latin typeface="Arial"/>
-                <a:ea typeface="Arial"/>
-                <a:cs typeface="Arial"/>
-                <a:sym typeface="Arial"/>
-              </a:defRPr>
-            </a:lvl8pPr>
-            <a:lvl9pPr marL="5522616" marR="0" lvl="8" indent="-42065" algn="l" rtl="0">
-              <a:lnSpc>
-                <a:spcPct val="100000"/>
-              </a:lnSpc>
-              <a:spcBef>
-                <a:spcPts val="533"/>
-              </a:spcBef>
-              <a:spcAft>
-                <a:spcPts val="0"/>
-              </a:spcAft>
-              <a:buClr>
-                <a:schemeClr val="dk1"/>
-              </a:buClr>
-              <a:buSzPct val="92884"/>
-              <a:buFont typeface="Arial"/>
-              <a:buChar char="•"/>
-              <a:defRPr sz="2667" b="0" i="0" u="none" strike="noStrike" cap="none">
-                <a:solidFill>
-                  <a:schemeClr val="dk1"/>
-                </a:solidFill>
-                <a:latin typeface="Arial"/>
-                <a:ea typeface="Arial"/>
-                <a:cs typeface="Arial"/>
-                <a:sym typeface="Arial"/>
-              </a:defRPr>
-            </a:lvl9pPr>
-          </a:lstStyle>
-          <a:p>
-            <a:endParaRPr/>
-          </a:p>
-        </p:txBody>
-      </p:sp>
-      <p:sp>
-        <p:nvSpPr>
-          <p:cNvPr id="147" name="Shape 147"/>
-          <p:cNvSpPr txBox="1">
-            <a:spLocks noGrp="1"/>
-          </p:cNvSpPr>
-          <p:nvPr>
-            <p:ph type="ftr" idx="11"/>
-          </p:nvPr>
-        </p:nvSpPr>
-        <p:spPr>
-          <a:xfrm>
-            <a:off x="4165600" y="6432516"/>
-            <a:ext cx="3860700" cy="365099"/>
-          </a:xfrm>
-          <a:prstGeom prst="rect">
-            <a:avLst/>
-          </a:prstGeom>
-          <a:noFill/>
-          <a:ln>
-            <a:noFill/>
-          </a:ln>
-        </p:spPr>
-        <p:txBody>
-          <a:bodyPr lIns="91425" tIns="91425" rIns="91425" bIns="91425" anchor="ctr" anchorCtr="0"/>
-          <a:lstStyle>
-            <a:lvl1pPr marL="0" marR="0" lvl="0" indent="0" algn="ctr" rtl="0">
-              <a:lnSpc>
-                <a:spcPct val="100000"/>
-              </a:lnSpc>
-              <a:spcBef>
-                <a:spcPts val="0"/>
-              </a:spcBef>
-              <a:spcAft>
-                <a:spcPts val="0"/>
-              </a:spcAft>
-              <a:buClr>
-                <a:schemeClr val="lt1"/>
-              </a:buClr>
-              <a:buFont typeface="Arial"/>
-              <a:buNone/>
-              <a:defRPr sz="1067" b="0" i="0" u="none" strike="noStrike" cap="none">
-                <a:solidFill>
-                  <a:schemeClr val="lt1"/>
-                </a:solidFill>
-                <a:latin typeface="Arial"/>
-                <a:ea typeface="Arial"/>
-                <a:cs typeface="Arial"/>
-                <a:sym typeface="Arial"/>
-              </a:defRPr>
-            </a:lvl1pPr>
-            <a:lvl2pPr marL="457200" marR="0" lvl="1" indent="0" algn="l" rtl="0">
-              <a:lnSpc>
-                <a:spcPct val="100000"/>
-              </a:lnSpc>
-              <a:spcBef>
-                <a:spcPts val="0"/>
-              </a:spcBef>
-              <a:spcAft>
-                <a:spcPts val="0"/>
-              </a:spcAft>
-              <a:buClr>
-                <a:schemeClr val="dk1"/>
-              </a:buClr>
-              <a:buFont typeface="Arial"/>
-              <a:buNone/>
-              <a:defRPr sz="1800" b="0" i="0" u="none" strike="noStrike" cap="none">
-                <a:solidFill>
-                  <a:schemeClr val="dk1"/>
-                </a:solidFill>
-                <a:latin typeface="Arial"/>
-                <a:ea typeface="Arial"/>
-                <a:cs typeface="Arial"/>
-                <a:sym typeface="Arial"/>
-              </a:defRPr>
-            </a:lvl2pPr>
-            <a:lvl3pPr marL="914400" marR="0" lvl="2" indent="0" algn="l" rtl="0">
-              <a:lnSpc>
-                <a:spcPct val="100000"/>
-              </a:lnSpc>
-              <a:spcBef>
-                <a:spcPts val="0"/>
-              </a:spcBef>
-              <a:spcAft>
-                <a:spcPts val="0"/>
-              </a:spcAft>
-              <a:buClr>
-                <a:schemeClr val="dk1"/>
-              </a:buClr>
-              <a:buFont typeface="Arial"/>
-              <a:buNone/>
-              <a:defRPr sz="1800" b="0" i="0" u="none" strike="noStrike" cap="none">
-                <a:solidFill>
-                  <a:schemeClr val="dk1"/>
-                </a:solidFill>
-                <a:latin typeface="Arial"/>
-                <a:ea typeface="Arial"/>
-                <a:cs typeface="Arial"/>
-                <a:sym typeface="Arial"/>
-              </a:defRPr>
-            </a:lvl3pPr>
-            <a:lvl4pPr marL="1371600" marR="0" lvl="3" indent="0" algn="l" rtl="0">
-              <a:lnSpc>
-                <a:spcPct val="100000"/>
-              </a:lnSpc>
-              <a:spcBef>
-                <a:spcPts val="0"/>
-              </a:spcBef>
-              <a:spcAft>
-                <a:spcPts val="0"/>
-              </a:spcAft>
-              <a:buClr>
-                <a:schemeClr val="dk1"/>
-              </a:buClr>
-              <a:buFont typeface="Arial"/>
-              <a:buNone/>
-              <a:defRPr sz="1800" b="0" i="0" u="none" strike="noStrike" cap="none">
-                <a:solidFill>
-                  <a:schemeClr val="dk1"/>
-                </a:solidFill>
-                <a:latin typeface="Arial"/>
-                <a:ea typeface="Arial"/>
-                <a:cs typeface="Arial"/>
-                <a:sym typeface="Arial"/>
-              </a:defRPr>
-            </a:lvl4pPr>
-            <a:lvl5pPr marL="1828800" marR="0" lvl="4" indent="0" algn="l" rtl="0">
-              <a:lnSpc>
-                <a:spcPct val="100000"/>
-              </a:lnSpc>
-              <a:spcBef>
-                <a:spcPts val="0"/>
-              </a:spcBef>
-              <a:spcAft>
-                <a:spcPts val="0"/>
-              </a:spcAft>
-              <a:buClr>
-                <a:schemeClr val="dk1"/>
-              </a:buClr>
-              <a:buFont typeface="Arial"/>
-              <a:buNone/>
-              <a:defRPr sz="1800" b="0" i="0" u="none" strike="noStrike" cap="none">
-                <a:solidFill>
-                  <a:schemeClr val="dk1"/>
-                </a:solidFill>
-                <a:latin typeface="Arial"/>
-                <a:ea typeface="Arial"/>
-                <a:cs typeface="Arial"/>
-                <a:sym typeface="Arial"/>
-              </a:defRPr>
-            </a:lvl5pPr>
-            <a:lvl6pPr marL="2286000" marR="0" lvl="5" indent="0" algn="l" rtl="0">
-              <a:lnSpc>
-                <a:spcPct val="100000"/>
-              </a:lnSpc>
-              <a:spcBef>
-                <a:spcPts val="0"/>
-              </a:spcBef>
-              <a:spcAft>
-                <a:spcPts val="0"/>
-              </a:spcAft>
-              <a:buClr>
-                <a:schemeClr val="dk1"/>
-              </a:buClr>
-              <a:buFont typeface="Arial"/>
-              <a:buNone/>
-              <a:defRPr sz="1800" b="0" i="0" u="none" strike="noStrike" cap="none">
-                <a:solidFill>
-                  <a:schemeClr val="dk1"/>
-                </a:solidFill>
-                <a:latin typeface="Arial"/>
-                <a:ea typeface="Arial"/>
-                <a:cs typeface="Arial"/>
-                <a:sym typeface="Arial"/>
-              </a:defRPr>
-            </a:lvl6pPr>
-            <a:lvl7pPr marL="2743200" marR="0" lvl="6" indent="0" algn="l" rtl="0">
-              <a:lnSpc>
-                <a:spcPct val="100000"/>
-              </a:lnSpc>
-              <a:spcBef>
-                <a:spcPts val="0"/>
-              </a:spcBef>
-              <a:spcAft>
-                <a:spcPts val="0"/>
-              </a:spcAft>
-              <a:buClr>
-                <a:schemeClr val="dk1"/>
-              </a:buClr>
-              <a:buFont typeface="Arial"/>
-              <a:buNone/>
-              <a:defRPr sz="1800" b="0" i="0" u="none" strike="noStrike" cap="none">
-                <a:solidFill>
-                  <a:schemeClr val="dk1"/>
-                </a:solidFill>
-                <a:latin typeface="Arial"/>
-                <a:ea typeface="Arial"/>
-                <a:cs typeface="Arial"/>
-                <a:sym typeface="Arial"/>
-              </a:defRPr>
-            </a:lvl7pPr>
-            <a:lvl8pPr marL="3200400" marR="0" lvl="7" indent="0" algn="l" rtl="0">
-              <a:lnSpc>
-                <a:spcPct val="100000"/>
-              </a:lnSpc>
-              <a:spcBef>
-                <a:spcPts val="0"/>
-              </a:spcBef>
-              <a:spcAft>
-                <a:spcPts val="0"/>
-              </a:spcAft>
-              <a:buClr>
-                <a:schemeClr val="dk1"/>
-              </a:buClr>
-              <a:buFont typeface="Arial"/>
-              <a:buNone/>
-              <a:defRPr sz="1800" b="0" i="0" u="none" strike="noStrike" cap="none">
-                <a:solidFill>
-                  <a:schemeClr val="dk1"/>
-                </a:solidFill>
-                <a:latin typeface="Arial"/>
-                <a:ea typeface="Arial"/>
-                <a:cs typeface="Arial"/>
-                <a:sym typeface="Arial"/>
-              </a:defRPr>
-            </a:lvl8pPr>
-            <a:lvl9pPr marL="3657600" marR="0" lvl="8" indent="0" algn="l" rtl="0">
-              <a:lnSpc>
-                <a:spcPct val="100000"/>
-              </a:lnSpc>
-              <a:spcBef>
-                <a:spcPts val="0"/>
-              </a:spcBef>
-              <a:spcAft>
-                <a:spcPts val="0"/>
-              </a:spcAft>
-              <a:buClr>
-                <a:schemeClr val="dk1"/>
-              </a:buClr>
-              <a:buFont typeface="Arial"/>
-              <a:buNone/>
-              <a:defRPr sz="1800" b="0" i="0" u="none" strike="noStrike" cap="none">
-                <a:solidFill>
-                  <a:schemeClr val="dk1"/>
-                </a:solidFill>
-                <a:latin typeface="Arial"/>
-                <a:ea typeface="Arial"/>
-                <a:cs typeface="Arial"/>
-                <a:sym typeface="Arial"/>
-              </a:defRPr>
-            </a:lvl9pPr>
-          </a:lstStyle>
-          <a:p>
-            <a:pPr>
-              <a:buClr>
-                <a:prstClr val="white"/>
-              </a:buClr>
-            </a:pPr>
-            <a:endParaRPr>
-              <a:solidFill>
-                <a:prstClr val="white"/>
-              </a:solidFill>
-            </a:endParaRPr>
-          </a:p>
-        </p:txBody>
-      </p:sp>
-      <p:sp>
-        <p:nvSpPr>
-          <p:cNvPr id="148" name="Shape 148"/>
-          <p:cNvSpPr txBox="1">
-            <a:spLocks noGrp="1"/>
-          </p:cNvSpPr>
-          <p:nvPr>
-            <p:ph type="sldNum" idx="12"/>
-          </p:nvPr>
-        </p:nvSpPr>
-        <p:spPr>
-          <a:xfrm>
-            <a:off x="9163135" y="6432516"/>
-            <a:ext cx="2844900" cy="365099"/>
-          </a:xfrm>
-          <a:prstGeom prst="rect">
-            <a:avLst/>
-          </a:prstGeom>
-          <a:noFill/>
-          <a:ln>
-            <a:noFill/>
-          </a:ln>
-        </p:spPr>
-        <p:txBody>
-          <a:bodyPr lIns="0" tIns="0" rIns="0" bIns="0" anchor="ctr" anchorCtr="0">
-            <a:noAutofit/>
-          </a:bodyPr>
-          <a:lstStyle/>
-          <a:p>
-            <a:pPr>
-              <a:buClr>
-                <a:srgbClr val="FFFFFF"/>
-              </a:buClr>
-              <a:buSzPct val="25000"/>
-              <a:buFont typeface="Arial"/>
-              <a:buNone/>
-            </a:pPr>
-            <a:fld id="{00000000-1234-1234-1234-123412341234}" type="slidenum">
-              <a:rPr lang="en-US" sz="1067">
-                <a:solidFill>
-                  <a:srgbClr val="FFFFFF"/>
-                </a:solidFill>
-              </a:rPr>
-              <a:pPr>
-                <a:buClr>
-                  <a:srgbClr val="FFFFFF"/>
-                </a:buClr>
-                <a:buSzPct val="25000"/>
-                <a:buFont typeface="Arial"/>
-                <a:buNone/>
-              </a:pPr>
-              <a:t>‹#›</a:t>
-            </a:fld>
-            <a:endParaRPr lang="en-US" sz="1067">
-              <a:solidFill>
-                <a:srgbClr val="FFFFFF"/>
-              </a:solidFill>
-            </a:endParaRPr>
-          </a:p>
-        </p:txBody>
-      </p:sp>
-      <p:sp>
-        <p:nvSpPr>
-          <p:cNvPr id="149" name="Shape 149"/>
-          <p:cNvSpPr txBox="1">
-            <a:spLocks noGrp="1"/>
-          </p:cNvSpPr>
-          <p:nvPr>
-            <p:ph type="body" idx="1"/>
-          </p:nvPr>
-        </p:nvSpPr>
-        <p:spPr>
-          <a:xfrm>
-            <a:off x="607485" y="1604433"/>
-            <a:ext cx="5342398" cy="1745700"/>
-          </a:xfrm>
-          <a:prstGeom prst="rect">
-            <a:avLst/>
-          </a:prstGeom>
-          <a:noFill/>
-          <a:ln>
-            <a:noFill/>
-          </a:ln>
-        </p:spPr>
-        <p:txBody>
-          <a:bodyPr lIns="91425" tIns="91425" rIns="91425" bIns="91425" anchor="t" anchorCtr="0"/>
-          <a:lstStyle>
-            <a:lvl1pPr marL="0" marR="0" lvl="0" indent="0" algn="l" rtl="0">
-              <a:lnSpc>
-                <a:spcPct val="100000"/>
-              </a:lnSpc>
-              <a:spcBef>
-                <a:spcPts val="1600"/>
-              </a:spcBef>
-              <a:spcAft>
-                <a:spcPts val="0"/>
-              </a:spcAft>
-              <a:buClr>
-                <a:srgbClr val="0071C5"/>
-              </a:buClr>
-              <a:buFont typeface="Noto Sans Symbols"/>
-              <a:buNone/>
-              <a:defRPr sz="2400" b="0" i="0" u="none" strike="noStrike" cap="none">
-                <a:solidFill>
-                  <a:srgbClr val="0071C5"/>
-                </a:solidFill>
-                <a:latin typeface="Arial"/>
-                <a:ea typeface="Arial"/>
-                <a:cs typeface="Arial"/>
-                <a:sym typeface="Arial"/>
-              </a:defRPr>
-            </a:lvl1pPr>
-            <a:lvl2pPr marL="535629" marR="0" lvl="1" indent="42595" algn="l" rtl="0">
-              <a:lnSpc>
-                <a:spcPct val="100000"/>
-              </a:lnSpc>
-              <a:spcBef>
-                <a:spcPts val="1600"/>
-              </a:spcBef>
-              <a:spcAft>
-                <a:spcPts val="0"/>
-              </a:spcAft>
-              <a:buClr>
-                <a:srgbClr val="003C71"/>
-              </a:buClr>
-              <a:buSzPct val="109804"/>
-              <a:buFont typeface="Noto Sans Symbols"/>
-              <a:buChar char="▪"/>
-              <a:defRPr sz="2133" b="0" i="0" u="none" strike="noStrike" cap="none">
-                <a:solidFill>
-                  <a:srgbClr val="003C71"/>
-                </a:solidFill>
-                <a:latin typeface="Arial"/>
-                <a:ea typeface="Arial"/>
-                <a:cs typeface="Arial"/>
-                <a:sym typeface="Arial"/>
-              </a:defRPr>
-            </a:lvl2pPr>
-            <a:lvl3pPr marL="899881" marR="0" lvl="2" indent="59626" algn="l" rtl="0">
-              <a:lnSpc>
-                <a:spcPct val="100000"/>
-              </a:lnSpc>
-              <a:spcBef>
-                <a:spcPts val="1067"/>
-              </a:spcBef>
-              <a:spcAft>
-                <a:spcPts val="0"/>
-              </a:spcAft>
-              <a:buClr>
-                <a:srgbClr val="003C71"/>
-              </a:buClr>
-              <a:buSzPct val="90018"/>
-              <a:buFont typeface="Arial"/>
-              <a:buChar char="–"/>
-              <a:defRPr sz="1867" b="0" i="0" u="none" strike="noStrike" cap="none">
-                <a:solidFill>
-                  <a:srgbClr val="003C71"/>
-                </a:solidFill>
-                <a:latin typeface="Arial"/>
-                <a:ea typeface="Arial"/>
-                <a:cs typeface="Arial"/>
-                <a:sym typeface="Arial"/>
-              </a:defRPr>
-            </a:lvl3pPr>
-            <a:lvl4pPr marL="1384299" marR="0" lvl="3" indent="88900" algn="l" rtl="0">
-              <a:lnSpc>
-                <a:spcPct val="100000"/>
-              </a:lnSpc>
-              <a:spcBef>
-                <a:spcPts val="320"/>
-              </a:spcBef>
-              <a:spcAft>
-                <a:spcPts val="0"/>
-              </a:spcAft>
-              <a:buClr>
-                <a:srgbClr val="003C71"/>
-              </a:buClr>
-              <a:buSzPct val="100000"/>
-              <a:buFont typeface="Arial"/>
-              <a:buChar char="–"/>
-              <a:defRPr sz="1600" b="0" i="0" u="none" strike="noStrike" cap="none">
-                <a:solidFill>
-                  <a:srgbClr val="003C71"/>
-                </a:solidFill>
-                <a:latin typeface="Arial"/>
-                <a:ea typeface="Arial"/>
-                <a:cs typeface="Arial"/>
-                <a:sym typeface="Arial"/>
-              </a:defRPr>
-            </a:lvl4pPr>
-            <a:lvl5pPr marL="1854199" marR="0" lvl="4" indent="88900" algn="l" rtl="0">
-              <a:lnSpc>
-                <a:spcPct val="100000"/>
-              </a:lnSpc>
-              <a:spcBef>
-                <a:spcPts val="320"/>
-              </a:spcBef>
-              <a:spcAft>
-                <a:spcPts val="0"/>
-              </a:spcAft>
-              <a:buClr>
-                <a:srgbClr val="003C71"/>
-              </a:buClr>
-              <a:buSzPct val="100000"/>
-              <a:buFont typeface="Arial"/>
-              <a:buChar char="–"/>
-              <a:defRPr sz="1600" b="0" i="0" u="none" strike="noStrike" cap="none">
-                <a:solidFill>
-                  <a:srgbClr val="003C71"/>
-                </a:solidFill>
-                <a:latin typeface="Arial"/>
-                <a:ea typeface="Arial"/>
-                <a:cs typeface="Arial"/>
-                <a:sym typeface="Arial"/>
-              </a:defRPr>
-            </a:lvl5pPr>
-            <a:lvl6pPr marL="3693816" marR="0" lvl="5" indent="-42065" algn="l" rtl="0">
-              <a:lnSpc>
-                <a:spcPct val="100000"/>
-              </a:lnSpc>
-              <a:spcBef>
-                <a:spcPts val="533"/>
-              </a:spcBef>
-              <a:spcAft>
-                <a:spcPts val="0"/>
-              </a:spcAft>
-              <a:buClr>
-                <a:schemeClr val="dk1"/>
-              </a:buClr>
-              <a:buSzPct val="92884"/>
-              <a:buFont typeface="Arial"/>
-              <a:buChar char="•"/>
-              <a:defRPr sz="2667" b="0" i="0" u="none" strike="noStrike" cap="none">
-                <a:solidFill>
-                  <a:schemeClr val="dk1"/>
-                </a:solidFill>
-                <a:latin typeface="Arial"/>
-                <a:ea typeface="Arial"/>
-                <a:cs typeface="Arial"/>
-                <a:sym typeface="Arial"/>
-              </a:defRPr>
-            </a:lvl6pPr>
-            <a:lvl7pPr marL="4303416" marR="0" lvl="6" indent="-42065" algn="l" rtl="0">
-              <a:lnSpc>
-                <a:spcPct val="100000"/>
-              </a:lnSpc>
-              <a:spcBef>
-                <a:spcPts val="533"/>
-              </a:spcBef>
-              <a:spcAft>
-                <a:spcPts val="0"/>
-              </a:spcAft>
-              <a:buClr>
-                <a:schemeClr val="dk1"/>
-              </a:buClr>
-              <a:buSzPct val="92884"/>
-              <a:buFont typeface="Arial"/>
-              <a:buChar char="•"/>
-              <a:defRPr sz="2667" b="0" i="0" u="none" strike="noStrike" cap="none">
-                <a:solidFill>
-                  <a:schemeClr val="dk1"/>
-                </a:solidFill>
-                <a:latin typeface="Arial"/>
-                <a:ea typeface="Arial"/>
-                <a:cs typeface="Arial"/>
-                <a:sym typeface="Arial"/>
-              </a:defRPr>
-            </a:lvl7pPr>
-            <a:lvl8pPr marL="4913016" marR="0" lvl="7" indent="-42065" algn="l" rtl="0">
-              <a:lnSpc>
-                <a:spcPct val="100000"/>
-              </a:lnSpc>
-              <a:spcBef>
-                <a:spcPts val="533"/>
-              </a:spcBef>
-              <a:spcAft>
-                <a:spcPts val="0"/>
-              </a:spcAft>
-              <a:buClr>
-                <a:schemeClr val="dk1"/>
-              </a:buClr>
-              <a:buSzPct val="92884"/>
-              <a:buFont typeface="Arial"/>
-              <a:buChar char="•"/>
-              <a:defRPr sz="2667" b="0" i="0" u="none" strike="noStrike" cap="none">
-                <a:solidFill>
-                  <a:schemeClr val="dk1"/>
-                </a:solidFill>
-                <a:latin typeface="Arial"/>
-                <a:ea typeface="Arial"/>
-                <a:cs typeface="Arial"/>
-                <a:sym typeface="Arial"/>
-              </a:defRPr>
-            </a:lvl8pPr>
-            <a:lvl9pPr marL="5522616" marR="0" lvl="8" indent="-42065" algn="l" rtl="0">
-              <a:lnSpc>
-                <a:spcPct val="100000"/>
-              </a:lnSpc>
-              <a:spcBef>
-                <a:spcPts val="533"/>
-              </a:spcBef>
-              <a:spcAft>
-                <a:spcPts val="0"/>
-              </a:spcAft>
-              <a:buClr>
-                <a:schemeClr val="dk1"/>
-              </a:buClr>
-              <a:buSzPct val="92884"/>
-              <a:buFont typeface="Arial"/>
-              <a:buChar char="•"/>
-              <a:defRPr sz="2667" b="0" i="0" u="none" strike="noStrike" cap="none">
-                <a:solidFill>
-                  <a:schemeClr val="dk1"/>
-                </a:solidFill>
-                <a:latin typeface="Arial"/>
-                <a:ea typeface="Arial"/>
-                <a:cs typeface="Arial"/>
-                <a:sym typeface="Arial"/>
-              </a:defRPr>
-            </a:lvl9pPr>
-          </a:lstStyle>
-          <a:p>
-            <a:endParaRPr/>
-          </a:p>
-        </p:txBody>
-      </p:sp>
-      <p:sp>
-        <p:nvSpPr>
-          <p:cNvPr id="150" name="Shape 150"/>
-          <p:cNvSpPr txBox="1">
-            <a:spLocks noGrp="1"/>
-          </p:cNvSpPr>
-          <p:nvPr>
-            <p:ph type="body" idx="3"/>
-          </p:nvPr>
-        </p:nvSpPr>
-        <p:spPr>
-          <a:xfrm>
-            <a:off x="6237817" y="1604433"/>
-            <a:ext cx="5340298" cy="1745700"/>
-          </a:xfrm>
-          <a:prstGeom prst="rect">
-            <a:avLst/>
-          </a:prstGeom>
-          <a:noFill/>
-          <a:ln>
-            <a:noFill/>
-          </a:ln>
-        </p:spPr>
-        <p:txBody>
-          <a:bodyPr lIns="91425" tIns="91425" rIns="91425" bIns="91425" anchor="t" anchorCtr="0"/>
-          <a:lstStyle>
-            <a:lvl1pPr marL="0" marR="0" lvl="0" indent="0" algn="l" rtl="0">
-              <a:lnSpc>
-                <a:spcPct val="100000"/>
-              </a:lnSpc>
-              <a:spcBef>
-                <a:spcPts val="1600"/>
-              </a:spcBef>
-              <a:spcAft>
-                <a:spcPts val="0"/>
-              </a:spcAft>
-              <a:buClr>
-                <a:srgbClr val="0071C5"/>
-              </a:buClr>
-              <a:buFont typeface="Noto Sans Symbols"/>
-              <a:buNone/>
-              <a:defRPr sz="2400" b="0" i="0" u="none" strike="noStrike" cap="none">
-                <a:solidFill>
-                  <a:srgbClr val="0071C5"/>
-                </a:solidFill>
-                <a:latin typeface="Arial"/>
-                <a:ea typeface="Arial"/>
-                <a:cs typeface="Arial"/>
-                <a:sym typeface="Arial"/>
-              </a:defRPr>
-            </a:lvl1pPr>
-            <a:lvl2pPr marL="535629" marR="0" lvl="1" indent="42595" algn="l" rtl="0">
-              <a:lnSpc>
-                <a:spcPct val="100000"/>
-              </a:lnSpc>
-              <a:spcBef>
-                <a:spcPts val="1600"/>
-              </a:spcBef>
-              <a:spcAft>
-                <a:spcPts val="0"/>
-              </a:spcAft>
-              <a:buClr>
-                <a:srgbClr val="003C71"/>
-              </a:buClr>
-              <a:buSzPct val="109804"/>
-              <a:buFont typeface="Noto Sans Symbols"/>
-              <a:buChar char="▪"/>
-              <a:defRPr sz="2133" b="0" i="0" u="none" strike="noStrike" cap="none">
-                <a:solidFill>
-                  <a:srgbClr val="003C71"/>
-                </a:solidFill>
-                <a:latin typeface="Arial"/>
-                <a:ea typeface="Arial"/>
-                <a:cs typeface="Arial"/>
-                <a:sym typeface="Arial"/>
-              </a:defRPr>
-            </a:lvl2pPr>
-            <a:lvl3pPr marL="899881" marR="0" lvl="2" indent="59626" algn="l" rtl="0">
-              <a:lnSpc>
-                <a:spcPct val="100000"/>
-              </a:lnSpc>
-              <a:spcBef>
-                <a:spcPts val="1067"/>
-              </a:spcBef>
-              <a:spcAft>
-                <a:spcPts val="0"/>
-              </a:spcAft>
-              <a:buClr>
-                <a:srgbClr val="003C71"/>
-              </a:buClr>
-              <a:buSzPct val="90018"/>
-              <a:buFont typeface="Arial"/>
-              <a:buChar char="–"/>
-              <a:defRPr sz="1867" b="0" i="0" u="none" strike="noStrike" cap="none">
-                <a:solidFill>
-                  <a:srgbClr val="003C71"/>
-                </a:solidFill>
-                <a:latin typeface="Arial"/>
-                <a:ea typeface="Arial"/>
-                <a:cs typeface="Arial"/>
-                <a:sym typeface="Arial"/>
-              </a:defRPr>
-            </a:lvl3pPr>
-            <a:lvl4pPr marL="1384299" marR="0" lvl="3" indent="88900" algn="l" rtl="0">
-              <a:lnSpc>
-                <a:spcPct val="100000"/>
-              </a:lnSpc>
-              <a:spcBef>
-                <a:spcPts val="320"/>
-              </a:spcBef>
-              <a:spcAft>
-                <a:spcPts val="0"/>
-              </a:spcAft>
-              <a:buClr>
-                <a:srgbClr val="003C71"/>
-              </a:buClr>
-              <a:buSzPct val="100000"/>
-              <a:buFont typeface="Arial"/>
-              <a:buChar char="–"/>
-              <a:defRPr sz="1600" b="0" i="0" u="none" strike="noStrike" cap="none">
-                <a:solidFill>
-                  <a:srgbClr val="003C71"/>
-                </a:solidFill>
-                <a:latin typeface="Arial"/>
-                <a:ea typeface="Arial"/>
-                <a:cs typeface="Arial"/>
-                <a:sym typeface="Arial"/>
-              </a:defRPr>
-            </a:lvl4pPr>
-            <a:lvl5pPr marL="1854199" marR="0" lvl="4" indent="88900" algn="l" rtl="0">
-              <a:lnSpc>
-                <a:spcPct val="100000"/>
-              </a:lnSpc>
-              <a:spcBef>
-                <a:spcPts val="320"/>
-              </a:spcBef>
-              <a:spcAft>
-                <a:spcPts val="0"/>
-              </a:spcAft>
-              <a:buClr>
-                <a:srgbClr val="003C71"/>
-              </a:buClr>
-              <a:buSzPct val="100000"/>
-              <a:buFont typeface="Arial"/>
-              <a:buChar char="–"/>
-              <a:defRPr sz="1600" b="0" i="0" u="none" strike="noStrike" cap="none">
-                <a:solidFill>
-                  <a:srgbClr val="003C71"/>
-                </a:solidFill>
-                <a:latin typeface="Arial"/>
-                <a:ea typeface="Arial"/>
-                <a:cs typeface="Arial"/>
-                <a:sym typeface="Arial"/>
-              </a:defRPr>
-            </a:lvl5pPr>
-            <a:lvl6pPr marL="3693816" marR="0" lvl="5" indent="-42065" algn="l" rtl="0">
-              <a:lnSpc>
-                <a:spcPct val="100000"/>
-              </a:lnSpc>
-              <a:spcBef>
-                <a:spcPts val="533"/>
-              </a:spcBef>
-              <a:spcAft>
-                <a:spcPts val="0"/>
-              </a:spcAft>
-              <a:buClr>
-                <a:schemeClr val="dk1"/>
-              </a:buClr>
-              <a:buSzPct val="92884"/>
-              <a:buFont typeface="Arial"/>
-              <a:buChar char="•"/>
-              <a:defRPr sz="2667" b="0" i="0" u="none" strike="noStrike" cap="none">
-                <a:solidFill>
-                  <a:schemeClr val="dk1"/>
-                </a:solidFill>
-                <a:latin typeface="Arial"/>
-                <a:ea typeface="Arial"/>
-                <a:cs typeface="Arial"/>
-                <a:sym typeface="Arial"/>
-              </a:defRPr>
-            </a:lvl6pPr>
-            <a:lvl7pPr marL="4303416" marR="0" lvl="6" indent="-42065" algn="l" rtl="0">
-              <a:lnSpc>
-                <a:spcPct val="100000"/>
-              </a:lnSpc>
-              <a:spcBef>
-                <a:spcPts val="533"/>
-              </a:spcBef>
-              <a:spcAft>
-                <a:spcPts val="0"/>
-              </a:spcAft>
-              <a:buClr>
-                <a:schemeClr val="dk1"/>
-              </a:buClr>
-              <a:buSzPct val="92884"/>
-              <a:buFont typeface="Arial"/>
-              <a:buChar char="•"/>
-              <a:defRPr sz="2667" b="0" i="0" u="none" strike="noStrike" cap="none">
-                <a:solidFill>
-                  <a:schemeClr val="dk1"/>
-                </a:solidFill>
-                <a:latin typeface="Arial"/>
-                <a:ea typeface="Arial"/>
-                <a:cs typeface="Arial"/>
-                <a:sym typeface="Arial"/>
-              </a:defRPr>
-            </a:lvl7pPr>
-            <a:lvl8pPr marL="4913016" marR="0" lvl="7" indent="-42065" algn="l" rtl="0">
-              <a:lnSpc>
-                <a:spcPct val="100000"/>
-              </a:lnSpc>
-              <a:spcBef>
-                <a:spcPts val="533"/>
-              </a:spcBef>
-              <a:spcAft>
-                <a:spcPts val="0"/>
-              </a:spcAft>
-              <a:buClr>
-                <a:schemeClr val="dk1"/>
-              </a:buClr>
-              <a:buSzPct val="92884"/>
-              <a:buFont typeface="Arial"/>
-              <a:buChar char="•"/>
-              <a:defRPr sz="2667" b="0" i="0" u="none" strike="noStrike" cap="none">
-                <a:solidFill>
-                  <a:schemeClr val="dk1"/>
-                </a:solidFill>
-                <a:latin typeface="Arial"/>
-                <a:ea typeface="Arial"/>
-                <a:cs typeface="Arial"/>
-                <a:sym typeface="Arial"/>
-              </a:defRPr>
-            </a:lvl8pPr>
-            <a:lvl9pPr marL="5522616" marR="0" lvl="8" indent="-42065" algn="l" rtl="0">
-              <a:lnSpc>
-                <a:spcPct val="100000"/>
-              </a:lnSpc>
-              <a:spcBef>
-                <a:spcPts val="533"/>
-              </a:spcBef>
-              <a:spcAft>
-                <a:spcPts val="0"/>
-              </a:spcAft>
-              <a:buClr>
-                <a:schemeClr val="dk1"/>
-              </a:buClr>
-              <a:buSzPct val="92884"/>
-              <a:buFont typeface="Arial"/>
-              <a:buChar char="•"/>
-              <a:defRPr sz="2667" b="0" i="0" u="none" strike="noStrike" cap="none">
-                <a:solidFill>
-                  <a:schemeClr val="dk1"/>
-                </a:solidFill>
-                <a:latin typeface="Arial"/>
-                <a:ea typeface="Arial"/>
-                <a:cs typeface="Arial"/>
-                <a:sym typeface="Arial"/>
-              </a:defRPr>
-            </a:lvl9pPr>
-          </a:lstStyle>
-          <a:p>
-            <a:endParaRPr/>
-          </a:p>
-        </p:txBody>
-      </p:sp>
-      <p:sp>
-        <p:nvSpPr>
-          <p:cNvPr id="152" name="Shape 152"/>
-          <p:cNvSpPr txBox="1">
-            <a:spLocks noGrp="1"/>
-          </p:cNvSpPr>
-          <p:nvPr>
-            <p:ph type="title"/>
-          </p:nvPr>
-        </p:nvSpPr>
-        <p:spPr>
-          <a:xfrm>
-            <a:off x="607483" y="411797"/>
-            <a:ext cx="10972799" cy="1158298"/>
-          </a:xfrm>
-          <a:prstGeom prst="rect">
-            <a:avLst/>
-          </a:prstGeom>
-          <a:noFill/>
-          <a:ln>
-            <a:noFill/>
-          </a:ln>
-        </p:spPr>
-        <p:txBody>
-          <a:bodyPr lIns="91425" tIns="91425" rIns="91425" bIns="91425" anchor="t" anchorCtr="0"/>
-          <a:lstStyle>
-            <a:lvl1pPr marL="0" marR="0" lvl="0" indent="0" algn="l" rtl="0">
-              <a:lnSpc>
-                <a:spcPct val="100000"/>
-              </a:lnSpc>
-              <a:spcBef>
-                <a:spcPts val="0"/>
-              </a:spcBef>
-              <a:spcAft>
-                <a:spcPts val="0"/>
-              </a:spcAft>
-              <a:buClr>
-                <a:srgbClr val="003C71"/>
-              </a:buClr>
-              <a:buFont typeface="Arial"/>
-              <a:buNone/>
-              <a:defRPr sz="3733" b="0" i="0" u="none" strike="noStrike" cap="none">
-                <a:solidFill>
-                  <a:srgbClr val="003C71"/>
-                </a:solidFill>
-                <a:latin typeface="Arial"/>
-                <a:ea typeface="Arial"/>
-                <a:cs typeface="Arial"/>
-                <a:sym typeface="Arial"/>
-              </a:defRPr>
-            </a:lvl1pPr>
-            <a:lvl2pPr lvl="1" indent="0">
-              <a:spcBef>
-                <a:spcPts val="0"/>
-              </a:spcBef>
-              <a:buFont typeface="Arial"/>
-              <a:buNone/>
-              <a:defRPr sz="1800"/>
-            </a:lvl2pPr>
-            <a:lvl3pPr lvl="2" indent="0">
-              <a:spcBef>
-                <a:spcPts val="0"/>
-              </a:spcBef>
-              <a:buFont typeface="Arial"/>
-              <a:buNone/>
-              <a:defRPr sz="1800"/>
-            </a:lvl3pPr>
-            <a:lvl4pPr lvl="3" indent="0">
-              <a:spcBef>
-                <a:spcPts val="0"/>
-              </a:spcBef>
-              <a:buFont typeface="Arial"/>
-              <a:buNone/>
-              <a:defRPr sz="1800"/>
-            </a:lvl4pPr>
-            <a:lvl5pPr lvl="4" indent="0">
-              <a:spcBef>
-                <a:spcPts val="0"/>
-              </a:spcBef>
-              <a:buFont typeface="Arial"/>
-              <a:buNone/>
-              <a:defRPr sz="1800"/>
-            </a:lvl5pPr>
-            <a:lvl6pPr lvl="5" indent="0">
-              <a:spcBef>
-                <a:spcPts val="0"/>
-              </a:spcBef>
-              <a:buFont typeface="Arial"/>
-              <a:buNone/>
-              <a:defRPr sz="1800"/>
-            </a:lvl6pPr>
-            <a:lvl7pPr lvl="6" indent="0">
-              <a:spcBef>
-                <a:spcPts val="0"/>
-              </a:spcBef>
-              <a:buFont typeface="Arial"/>
-              <a:buNone/>
-              <a:defRPr sz="1800"/>
-            </a:lvl7pPr>
-            <a:lvl8pPr lvl="7" indent="0">
-              <a:spcBef>
-                <a:spcPts val="0"/>
-              </a:spcBef>
-              <a:buFont typeface="Arial"/>
-              <a:buNone/>
-              <a:defRPr sz="1800"/>
-            </a:lvl8pPr>
-            <a:lvl9pPr lvl="8" indent="0">
-              <a:spcBef>
-                <a:spcPts val="0"/>
-              </a:spcBef>
-              <a:buFont typeface="Arial"/>
-              <a:buNone/>
-              <a:defRPr sz="1800"/>
-            </a:lvl9pPr>
-          </a:lstStyle>
-          <a:p>
-            <a:endParaRPr/>
-          </a:p>
-        </p:txBody>
-      </p:sp>
-    </p:spTree>
-    <p:extLst>
-      <p:ext uri="{BB962C8B-B14F-4D97-AF65-F5344CB8AC3E}">
-        <p14:creationId xmlns:p14="http://schemas.microsoft.com/office/powerpoint/2010/main" val="3907775321"/>
-      </p:ext>
-    </p:extLst>
-  </p:cSld>
-  <p:clrMapOvr>
-    <a:masterClrMapping/>
-  </p:clrMapOvr>
 </p:sldLayout>
 </file>
 
@@ -5203,7 +1290,7 @@
               <a:rPr lang="en-US" smtClean="0"/>
               <a:t>Click to edit Master title style</a:t>
             </a:r>
-            <a:endParaRPr lang="en-US"/>
+            <a:endParaRPr lang="en-US" dirty="0"/>
           </a:p>
         </p:txBody>
       </p:sp>
@@ -5255,7 +1342,7 @@
               <a:rPr lang="en-US" smtClean="0"/>
               <a:t>Fifth level</a:t>
             </a:r>
-            <a:endParaRPr lang="en-US"/>
+            <a:endParaRPr lang="en-US" dirty="0"/>
           </a:p>
         </p:txBody>
       </p:sp>
@@ -5283,7 +1370,7 @@
                 </a:solidFill>
               </a:rPr>
               <a:pPr/>
-              <a:t>11/20/2017</a:t>
+              <a:t>12/5/2017</a:t>
             </a:fld>
             <a:endParaRPr lang="en-US">
               <a:solidFill>
@@ -5369,7 +1456,7 @@
     </p:spTree>
     <p:extLst>
       <p:ext uri="{BB962C8B-B14F-4D97-AF65-F5344CB8AC3E}">
-        <p14:creationId xmlns:p14="http://schemas.microsoft.com/office/powerpoint/2010/main" val="3374784141"/>
+        <p14:creationId xmlns:p14="http://schemas.microsoft.com/office/powerpoint/2010/main" val="544180618"/>
       </p:ext>
     </p:extLst>
   </p:cSld>
@@ -5408,15 +1495,15 @@
         </p:nvSpPr>
         <p:spPr>
           <a:xfrm>
-            <a:off x="831850" y="1709738"/>
-            <a:ext cx="10515600" cy="2852737"/>
+            <a:off x="623888" y="1367791"/>
+            <a:ext cx="7886700" cy="2282190"/>
           </a:xfrm>
         </p:spPr>
         <p:txBody>
           <a:bodyPr anchor="b"/>
           <a:lstStyle>
             <a:lvl1pPr>
-              <a:defRPr sz="6000"/>
+              <a:defRPr sz="4500"/>
             </a:lvl1pPr>
           </a:lstStyle>
           <a:p>
@@ -5424,7 +1511,7 @@
               <a:rPr lang="en-US" smtClean="0"/>
               <a:t>Click to edit Master title style</a:t>
             </a:r>
-            <a:endParaRPr lang="en-US"/>
+            <a:endParaRPr lang="en-US" dirty="0"/>
           </a:p>
         </p:txBody>
       </p:sp>
@@ -5440,8 +1527,8 @@
         </p:nvSpPr>
         <p:spPr>
           <a:xfrm>
-            <a:off x="831850" y="4589463"/>
-            <a:ext cx="10515600" cy="1500187"/>
+            <a:off x="623888" y="3671571"/>
+            <a:ext cx="7886700" cy="1200150"/>
           </a:xfrm>
         </p:spPr>
         <p:txBody>
@@ -5449,7 +1536,7 @@
           <a:lstStyle>
             <a:lvl1pPr marL="0" indent="0">
               <a:buNone/>
-              <a:defRPr sz="2400">
+              <a:defRPr sz="1800">
                 <a:solidFill>
                   <a:schemeClr val="tx1">
                     <a:tint val="75000"/>
@@ -5457,9 +1544,9 @@
                 </a:solidFill>
               </a:defRPr>
             </a:lvl1pPr>
-            <a:lvl2pPr marL="457200" indent="0">
-              <a:buNone/>
-              <a:defRPr sz="2000">
+            <a:lvl2pPr marL="342900" indent="0">
+              <a:buNone/>
+              <a:defRPr sz="1500">
                 <a:solidFill>
                   <a:schemeClr val="tx1">
                     <a:tint val="75000"/>
@@ -5467,9 +1554,9 @@
                 </a:solidFill>
               </a:defRPr>
             </a:lvl2pPr>
-            <a:lvl3pPr marL="914400" indent="0">
-              <a:buNone/>
-              <a:defRPr sz="1800">
+            <a:lvl3pPr marL="685800" indent="0">
+              <a:buNone/>
+              <a:defRPr sz="1350">
                 <a:solidFill>
                   <a:schemeClr val="tx1">
                     <a:tint val="75000"/>
@@ -5477,9 +1564,9 @@
                 </a:solidFill>
               </a:defRPr>
             </a:lvl3pPr>
-            <a:lvl4pPr marL="1371600" indent="0">
-              <a:buNone/>
-              <a:defRPr sz="1600">
+            <a:lvl4pPr marL="1028700" indent="0">
+              <a:buNone/>
+              <a:defRPr sz="1200">
                 <a:solidFill>
                   <a:schemeClr val="tx1">
                     <a:tint val="75000"/>
@@ -5487,9 +1574,9 @@
                 </a:solidFill>
               </a:defRPr>
             </a:lvl4pPr>
-            <a:lvl5pPr marL="1828800" indent="0">
-              <a:buNone/>
-              <a:defRPr sz="1600">
+            <a:lvl5pPr marL="1371600" indent="0">
+              <a:buNone/>
+              <a:defRPr sz="1200">
                 <a:solidFill>
                   <a:schemeClr val="tx1">
                     <a:tint val="75000"/>
@@ -5497,9 +1584,9 @@
                 </a:solidFill>
               </a:defRPr>
             </a:lvl5pPr>
-            <a:lvl6pPr marL="2286000" indent="0">
-              <a:buNone/>
-              <a:defRPr sz="1600">
+            <a:lvl6pPr marL="1714500" indent="0">
+              <a:buNone/>
+              <a:defRPr sz="1200">
                 <a:solidFill>
                   <a:schemeClr val="tx1">
                     <a:tint val="75000"/>
@@ -5507,9 +1594,9 @@
                 </a:solidFill>
               </a:defRPr>
             </a:lvl6pPr>
-            <a:lvl7pPr marL="2743200" indent="0">
-              <a:buNone/>
-              <a:defRPr sz="1600">
+            <a:lvl7pPr marL="2057400" indent="0">
+              <a:buNone/>
+              <a:defRPr sz="1200">
                 <a:solidFill>
                   <a:schemeClr val="tx1">
                     <a:tint val="75000"/>
@@ -5517,9 +1604,9 @@
                 </a:solidFill>
               </a:defRPr>
             </a:lvl7pPr>
-            <a:lvl8pPr marL="3200400" indent="0">
-              <a:buNone/>
-              <a:defRPr sz="1600">
+            <a:lvl8pPr marL="2400300" indent="0">
+              <a:buNone/>
+              <a:defRPr sz="1200">
                 <a:solidFill>
                   <a:schemeClr val="tx1">
                     <a:tint val="75000"/>
@@ -5527,9 +1614,9 @@
                 </a:solidFill>
               </a:defRPr>
             </a:lvl8pPr>
-            <a:lvl9pPr marL="3657600" indent="0">
-              <a:buNone/>
-              <a:defRPr sz="1600">
+            <a:lvl9pPr marL="2743200" indent="0">
+              <a:buNone/>
+              <a:defRPr sz="1200">
                 <a:solidFill>
                   <a:schemeClr val="tx1">
                     <a:tint val="75000"/>
@@ -5571,7 +1658,7 @@
                 </a:solidFill>
               </a:rPr>
               <a:pPr/>
-              <a:t>11/20/2017</a:t>
+              <a:t>12/5/2017</a:t>
             </a:fld>
             <a:endParaRPr lang="en-US">
               <a:solidFill>
@@ -5658,7 +1745,7 @@
     </p:spTree>
     <p:extLst>
       <p:ext uri="{BB962C8B-B14F-4D97-AF65-F5344CB8AC3E}">
-        <p14:creationId xmlns:p14="http://schemas.microsoft.com/office/powerpoint/2010/main" val="3079407313"/>
+        <p14:creationId xmlns:p14="http://schemas.microsoft.com/office/powerpoint/2010/main" val="3265957697"/>
       </p:ext>
     </p:extLst>
   </p:cSld>
@@ -5705,7 +1792,7 @@
               <a:rPr lang="en-US" smtClean="0"/>
               <a:t>Click to edit Master title style</a:t>
             </a:r>
-            <a:endParaRPr lang="en-US"/>
+            <a:endParaRPr lang="en-US" dirty="0"/>
           </a:p>
         </p:txBody>
       </p:sp>
@@ -5721,8 +1808,8 @@
         </p:nvSpPr>
         <p:spPr>
           <a:xfrm>
-            <a:off x="838200" y="1825625"/>
-            <a:ext cx="5181600" cy="4351338"/>
+            <a:off x="628650" y="1460500"/>
+            <a:ext cx="3886200" cy="3481070"/>
           </a:xfrm>
         </p:spPr>
         <p:txBody>
@@ -5762,7 +1849,7 @@
               <a:rPr lang="en-US" smtClean="0"/>
               <a:t>Fifth level</a:t>
             </a:r>
-            <a:endParaRPr lang="en-US"/>
+            <a:endParaRPr lang="en-US" dirty="0"/>
           </a:p>
         </p:txBody>
       </p:sp>
@@ -5778,8 +1865,8 @@
         </p:nvSpPr>
         <p:spPr>
           <a:xfrm>
-            <a:off x="6172200" y="1825625"/>
-            <a:ext cx="5181600" cy="4351338"/>
+            <a:off x="4629150" y="1460500"/>
+            <a:ext cx="3886200" cy="3481070"/>
           </a:xfrm>
         </p:spPr>
         <p:txBody>
@@ -5819,7 +1906,7 @@
               <a:rPr lang="en-US" smtClean="0"/>
               <a:t>Fifth level</a:t>
             </a:r>
-            <a:endParaRPr lang="en-US"/>
+            <a:endParaRPr lang="en-US" dirty="0"/>
           </a:p>
         </p:txBody>
       </p:sp>
@@ -5847,7 +1934,7 @@
                 </a:solidFill>
               </a:rPr>
               <a:pPr/>
-              <a:t>11/20/2017</a:t>
+              <a:t>12/5/2017</a:t>
             </a:fld>
             <a:endParaRPr lang="en-US">
               <a:solidFill>
@@ -5934,7 +2021,7 @@
     </p:spTree>
     <p:extLst>
       <p:ext uri="{BB962C8B-B14F-4D97-AF65-F5344CB8AC3E}">
-        <p14:creationId xmlns:p14="http://schemas.microsoft.com/office/powerpoint/2010/main" val="234367122"/>
+        <p14:creationId xmlns:p14="http://schemas.microsoft.com/office/powerpoint/2010/main" val="3864092093"/>
       </p:ext>
     </p:extLst>
   </p:cSld>
@@ -5974,8 +2061,8 @@
         </p:nvSpPr>
         <p:spPr>
           <a:xfrm>
-            <a:off x="839788" y="365125"/>
-            <a:ext cx="10515600" cy="1325563"/>
+            <a:off x="629841" y="292101"/>
+            <a:ext cx="7886700" cy="1060450"/>
           </a:xfrm>
         </p:spPr>
         <p:txBody>
@@ -5986,7 +2073,7 @@
               <a:rPr lang="en-US" smtClean="0"/>
               <a:t>Click to edit Master title style</a:t>
             </a:r>
-            <a:endParaRPr lang="en-US"/>
+            <a:endParaRPr lang="en-US" dirty="0"/>
           </a:p>
         </p:txBody>
       </p:sp>
@@ -6002,8 +2089,8 @@
         </p:nvSpPr>
         <p:spPr>
           <a:xfrm>
-            <a:off x="839788" y="1681163"/>
-            <a:ext cx="5157787" cy="823912"/>
+            <a:off x="629842" y="1344930"/>
+            <a:ext cx="3868340" cy="659130"/>
           </a:xfrm>
         </p:spPr>
         <p:txBody>
@@ -6011,39 +2098,39 @@
           <a:lstStyle>
             <a:lvl1pPr marL="0" indent="0">
               <a:buNone/>
-              <a:defRPr sz="2400" b="1"/>
+              <a:defRPr sz="1800" b="1"/>
             </a:lvl1pPr>
-            <a:lvl2pPr marL="457200" indent="0">
-              <a:buNone/>
-              <a:defRPr sz="2000" b="1"/>
+            <a:lvl2pPr marL="342900" indent="0">
+              <a:buNone/>
+              <a:defRPr sz="1500" b="1"/>
             </a:lvl2pPr>
-            <a:lvl3pPr marL="914400" indent="0">
-              <a:buNone/>
-              <a:defRPr sz="1800" b="1"/>
+            <a:lvl3pPr marL="685800" indent="0">
+              <a:buNone/>
+              <a:defRPr sz="1350" b="1"/>
             </a:lvl3pPr>
-            <a:lvl4pPr marL="1371600" indent="0">
-              <a:buNone/>
-              <a:defRPr sz="1600" b="1"/>
+            <a:lvl4pPr marL="1028700" indent="0">
+              <a:buNone/>
+              <a:defRPr sz="1200" b="1"/>
             </a:lvl4pPr>
-            <a:lvl5pPr marL="1828800" indent="0">
-              <a:buNone/>
-              <a:defRPr sz="1600" b="1"/>
+            <a:lvl5pPr marL="1371600" indent="0">
+              <a:buNone/>
+              <a:defRPr sz="1200" b="1"/>
             </a:lvl5pPr>
-            <a:lvl6pPr marL="2286000" indent="0">
-              <a:buNone/>
-              <a:defRPr sz="1600" b="1"/>
+            <a:lvl6pPr marL="1714500" indent="0">
+              <a:buNone/>
+              <a:defRPr sz="1200" b="1"/>
             </a:lvl6pPr>
-            <a:lvl7pPr marL="2743200" indent="0">
-              <a:buNone/>
-              <a:defRPr sz="1600" b="1"/>
+            <a:lvl7pPr marL="2057400" indent="0">
+              <a:buNone/>
+              <a:defRPr sz="1200" b="1"/>
             </a:lvl7pPr>
-            <a:lvl8pPr marL="3200400" indent="0">
-              <a:buNone/>
-              <a:defRPr sz="1600" b="1"/>
+            <a:lvl8pPr marL="2400300" indent="0">
+              <a:buNone/>
+              <a:defRPr sz="1200" b="1"/>
             </a:lvl8pPr>
-            <a:lvl9pPr marL="3657600" indent="0">
-              <a:buNone/>
-              <a:defRPr sz="1600" b="1"/>
+            <a:lvl9pPr marL="2743200" indent="0">
+              <a:buNone/>
+              <a:defRPr sz="1200" b="1"/>
             </a:lvl9pPr>
           </a:lstStyle>
           <a:p>
@@ -6067,8 +2154,8 @@
         </p:nvSpPr>
         <p:spPr>
           <a:xfrm>
-            <a:off x="839788" y="2505075"/>
-            <a:ext cx="5157787" cy="3684588"/>
+            <a:off x="629842" y="2004060"/>
+            <a:ext cx="3868340" cy="2947670"/>
           </a:xfrm>
         </p:spPr>
         <p:txBody>
@@ -6108,7 +2195,7 @@
               <a:rPr lang="en-US" smtClean="0"/>
               <a:t>Fifth level</a:t>
             </a:r>
-            <a:endParaRPr lang="en-US"/>
+            <a:endParaRPr lang="en-US" dirty="0"/>
           </a:p>
         </p:txBody>
       </p:sp>
@@ -6124,8 +2211,8 @@
         </p:nvSpPr>
         <p:spPr>
           <a:xfrm>
-            <a:off x="6172200" y="1681163"/>
-            <a:ext cx="5183188" cy="823912"/>
+            <a:off x="4629150" y="1344930"/>
+            <a:ext cx="3887391" cy="659130"/>
           </a:xfrm>
         </p:spPr>
         <p:txBody>
@@ -6133,39 +2220,39 @@
           <a:lstStyle>
             <a:lvl1pPr marL="0" indent="0">
               <a:buNone/>
-              <a:defRPr sz="2400" b="1"/>
+              <a:defRPr sz="1800" b="1"/>
             </a:lvl1pPr>
-            <a:lvl2pPr marL="457200" indent="0">
-              <a:buNone/>
-              <a:defRPr sz="2000" b="1"/>
+            <a:lvl2pPr marL="342900" indent="0">
+              <a:buNone/>
+              <a:defRPr sz="1500" b="1"/>
             </a:lvl2pPr>
-            <a:lvl3pPr marL="914400" indent="0">
-              <a:buNone/>
-              <a:defRPr sz="1800" b="1"/>
+            <a:lvl3pPr marL="685800" indent="0">
+              <a:buNone/>
+              <a:defRPr sz="1350" b="1"/>
             </a:lvl3pPr>
-            <a:lvl4pPr marL="1371600" indent="0">
-              <a:buNone/>
-              <a:defRPr sz="1600" b="1"/>
+            <a:lvl4pPr marL="1028700" indent="0">
+              <a:buNone/>
+              <a:defRPr sz="1200" b="1"/>
             </a:lvl4pPr>
-            <a:lvl5pPr marL="1828800" indent="0">
-              <a:buNone/>
-              <a:defRPr sz="1600" b="1"/>
+            <a:lvl5pPr marL="1371600" indent="0">
+              <a:buNone/>
+              <a:defRPr sz="1200" b="1"/>
             </a:lvl5pPr>
-            <a:lvl6pPr marL="2286000" indent="0">
-              <a:buNone/>
-              <a:defRPr sz="1600" b="1"/>
+            <a:lvl6pPr marL="1714500" indent="0">
+              <a:buNone/>
+              <a:defRPr sz="1200" b="1"/>
             </a:lvl6pPr>
-            <a:lvl7pPr marL="2743200" indent="0">
-              <a:buNone/>
-              <a:defRPr sz="1600" b="1"/>
+            <a:lvl7pPr marL="2057400" indent="0">
+              <a:buNone/>
+              <a:defRPr sz="1200" b="1"/>
             </a:lvl7pPr>
-            <a:lvl8pPr marL="3200400" indent="0">
-              <a:buNone/>
-              <a:defRPr sz="1600" b="1"/>
+            <a:lvl8pPr marL="2400300" indent="0">
+              <a:buNone/>
+              <a:defRPr sz="1200" b="1"/>
             </a:lvl8pPr>
-            <a:lvl9pPr marL="3657600" indent="0">
-              <a:buNone/>
-              <a:defRPr sz="1600" b="1"/>
+            <a:lvl9pPr marL="2743200" indent="0">
+              <a:buNone/>
+              <a:defRPr sz="1200" b="1"/>
             </a:lvl9pPr>
           </a:lstStyle>
           <a:p>
@@ -6189,8 +2276,8 @@
         </p:nvSpPr>
         <p:spPr>
           <a:xfrm>
-            <a:off x="6172200" y="2505075"/>
-            <a:ext cx="5183188" cy="3684588"/>
+            <a:off x="4629150" y="2004060"/>
+            <a:ext cx="3887391" cy="2947670"/>
           </a:xfrm>
         </p:spPr>
         <p:txBody>
@@ -6230,7 +2317,7 @@
               <a:rPr lang="en-US" smtClean="0"/>
               <a:t>Fifth level</a:t>
             </a:r>
-            <a:endParaRPr lang="en-US"/>
+            <a:endParaRPr lang="en-US" dirty="0"/>
           </a:p>
         </p:txBody>
       </p:sp>
@@ -6258,7 +2345,7 @@
                 </a:solidFill>
               </a:rPr>
               <a:pPr/>
-              <a:t>11/20/2017</a:t>
+              <a:t>12/5/2017</a:t>
             </a:fld>
             <a:endParaRPr lang="en-US">
               <a:solidFill>
@@ -6345,7 +2432,7 @@
     </p:spTree>
     <p:extLst>
       <p:ext uri="{BB962C8B-B14F-4D97-AF65-F5344CB8AC3E}">
-        <p14:creationId xmlns:p14="http://schemas.microsoft.com/office/powerpoint/2010/main" val="2043259443"/>
+        <p14:creationId xmlns:p14="http://schemas.microsoft.com/office/powerpoint/2010/main" val="150046361"/>
       </p:ext>
     </p:extLst>
   </p:cSld>
@@ -6392,7 +2479,7 @@
               <a:rPr lang="en-US" smtClean="0"/>
               <a:t>Click to edit Master title style</a:t>
             </a:r>
-            <a:endParaRPr lang="en-US"/>
+            <a:endParaRPr lang="en-US" dirty="0"/>
           </a:p>
         </p:txBody>
       </p:sp>
@@ -6420,7 +2507,7 @@
                 </a:solidFill>
               </a:rPr>
               <a:pPr/>
-              <a:t>11/20/2017</a:t>
+              <a:t>12/5/2017</a:t>
             </a:fld>
             <a:endParaRPr lang="en-US">
               <a:solidFill>
@@ -6507,7 +2594,7 @@
     </p:spTree>
     <p:extLst>
       <p:ext uri="{BB962C8B-B14F-4D97-AF65-F5344CB8AC3E}">
-        <p14:creationId xmlns:p14="http://schemas.microsoft.com/office/powerpoint/2010/main" val="3301283044"/>
+        <p14:creationId xmlns:p14="http://schemas.microsoft.com/office/powerpoint/2010/main" val="1424664660"/>
       </p:ext>
     </p:extLst>
   </p:cSld>
@@ -6559,7 +2646,7 @@
                 </a:solidFill>
               </a:rPr>
               <a:pPr/>
-              <a:t>11/20/2017</a:t>
+              <a:t>12/5/2017</a:t>
             </a:fld>
             <a:endParaRPr lang="en-US">
               <a:solidFill>
@@ -6646,7 +2733,7 @@
     </p:spTree>
     <p:extLst>
       <p:ext uri="{BB962C8B-B14F-4D97-AF65-F5344CB8AC3E}">
-        <p14:creationId xmlns:p14="http://schemas.microsoft.com/office/powerpoint/2010/main" val="4143914563"/>
+        <p14:creationId xmlns:p14="http://schemas.microsoft.com/office/powerpoint/2010/main" val="1118313616"/>
       </p:ext>
     </p:extLst>
   </p:cSld>
@@ -6686,15 +2773,15 @@
         </p:nvSpPr>
         <p:spPr>
           <a:xfrm>
-            <a:off x="839788" y="457200"/>
-            <a:ext cx="3932237" cy="1600200"/>
+            <a:off x="629841" y="365760"/>
+            <a:ext cx="2949178" cy="1280160"/>
           </a:xfrm>
         </p:spPr>
         <p:txBody>
           <a:bodyPr anchor="b"/>
           <a:lstStyle>
             <a:lvl1pPr>
-              <a:defRPr sz="3200"/>
+              <a:defRPr sz="2400"/>
             </a:lvl1pPr>
           </a:lstStyle>
           <a:p>
@@ -6702,7 +2789,7 @@
               <a:rPr lang="en-US" smtClean="0"/>
               <a:t>Click to edit Master title style</a:t>
             </a:r>
-            <a:endParaRPr lang="en-US"/>
+            <a:endParaRPr lang="en-US" dirty="0"/>
           </a:p>
         </p:txBody>
       </p:sp>
@@ -6718,39 +2805,39 @@
         </p:nvSpPr>
         <p:spPr>
           <a:xfrm>
-            <a:off x="5183188" y="987425"/>
-            <a:ext cx="6172200" cy="4873625"/>
+            <a:off x="3887391" y="789940"/>
+            <a:ext cx="4629150" cy="3898900"/>
           </a:xfrm>
         </p:spPr>
         <p:txBody>
           <a:bodyPr/>
           <a:lstStyle>
             <a:lvl1pPr>
-              <a:defRPr sz="3200"/>
+              <a:defRPr sz="2400"/>
             </a:lvl1pPr>
             <a:lvl2pPr>
-              <a:defRPr sz="2800"/>
+              <a:defRPr sz="2100"/>
             </a:lvl2pPr>
             <a:lvl3pPr>
-              <a:defRPr sz="2400"/>
+              <a:defRPr sz="1800"/>
             </a:lvl3pPr>
             <a:lvl4pPr>
-              <a:defRPr sz="2000"/>
+              <a:defRPr sz="1500"/>
             </a:lvl4pPr>
             <a:lvl5pPr>
-              <a:defRPr sz="2000"/>
+              <a:defRPr sz="1500"/>
             </a:lvl5pPr>
             <a:lvl6pPr>
-              <a:defRPr sz="2000"/>
+              <a:defRPr sz="1500"/>
             </a:lvl6pPr>
             <a:lvl7pPr>
-              <a:defRPr sz="2000"/>
+              <a:defRPr sz="1500"/>
             </a:lvl7pPr>
             <a:lvl8pPr>
-              <a:defRPr sz="2000"/>
+              <a:defRPr sz="1500"/>
             </a:lvl8pPr>
             <a:lvl9pPr>
-              <a:defRPr sz="2000"/>
+              <a:defRPr sz="1500"/>
             </a:lvl9pPr>
           </a:lstStyle>
           <a:p>
@@ -6787,7 +2874,7 @@
               <a:rPr lang="en-US" smtClean="0"/>
               <a:t>Fifth level</a:t>
             </a:r>
-            <a:endParaRPr lang="en-US"/>
+            <a:endParaRPr lang="en-US" dirty="0"/>
           </a:p>
         </p:txBody>
       </p:sp>
@@ -6803,8 +2890,8 @@
         </p:nvSpPr>
         <p:spPr>
           <a:xfrm>
-            <a:off x="839788" y="2057400"/>
-            <a:ext cx="3932237" cy="3811588"/>
+            <a:off x="629841" y="1645920"/>
+            <a:ext cx="2949178" cy="3049270"/>
           </a:xfrm>
         </p:spPr>
         <p:txBody>
@@ -6812,39 +2899,39 @@
           <a:lstStyle>
             <a:lvl1pPr marL="0" indent="0">
               <a:buNone/>
-              <a:defRPr sz="1600"/>
+              <a:defRPr sz="1200"/>
             </a:lvl1pPr>
-            <a:lvl2pPr marL="457200" indent="0">
-              <a:buNone/>
-              <a:defRPr sz="1400"/>
+            <a:lvl2pPr marL="342900" indent="0">
+              <a:buNone/>
+              <a:defRPr sz="1050"/>
             </a:lvl2pPr>
-            <a:lvl3pPr marL="914400" indent="0">
-              <a:buNone/>
-              <a:defRPr sz="1200"/>
+            <a:lvl3pPr marL="685800" indent="0">
+              <a:buNone/>
+              <a:defRPr sz="900"/>
             </a:lvl3pPr>
-            <a:lvl4pPr marL="1371600" indent="0">
-              <a:buNone/>
-              <a:defRPr sz="1000"/>
+            <a:lvl4pPr marL="1028700" indent="0">
+              <a:buNone/>
+              <a:defRPr sz="750"/>
             </a:lvl4pPr>
-            <a:lvl5pPr marL="1828800" indent="0">
-              <a:buNone/>
-              <a:defRPr sz="1000"/>
+            <a:lvl5pPr marL="1371600" indent="0">
+              <a:buNone/>
+              <a:defRPr sz="750"/>
             </a:lvl5pPr>
-            <a:lvl6pPr marL="2286000" indent="0">
-              <a:buNone/>
-              <a:defRPr sz="1000"/>
+            <a:lvl6pPr marL="1714500" indent="0">
+              <a:buNone/>
+              <a:defRPr sz="750"/>
             </a:lvl6pPr>
-            <a:lvl7pPr marL="2743200" indent="0">
-              <a:buNone/>
-              <a:defRPr sz="1000"/>
+            <a:lvl7pPr marL="2057400" indent="0">
+              <a:buNone/>
+              <a:defRPr sz="750"/>
             </a:lvl7pPr>
-            <a:lvl8pPr marL="3200400" indent="0">
-              <a:buNone/>
-              <a:defRPr sz="1000"/>
+            <a:lvl8pPr marL="2400300" indent="0">
+              <a:buNone/>
+              <a:defRPr sz="750"/>
             </a:lvl8pPr>
-            <a:lvl9pPr marL="3657600" indent="0">
-              <a:buNone/>
-              <a:defRPr sz="1000"/>
+            <a:lvl9pPr marL="2743200" indent="0">
+              <a:buNone/>
+              <a:defRPr sz="750"/>
             </a:lvl9pPr>
           </a:lstStyle>
           <a:p>
@@ -6880,7 +2967,7 @@
                 </a:solidFill>
               </a:rPr>
               <a:pPr/>
-              <a:t>11/20/2017</a:t>
+              <a:t>12/5/2017</a:t>
             </a:fld>
             <a:endParaRPr lang="en-US">
               <a:solidFill>
@@ -6967,7 +3054,7 @@
     </p:spTree>
     <p:extLst>
       <p:ext uri="{BB962C8B-B14F-4D97-AF65-F5344CB8AC3E}">
-        <p14:creationId xmlns:p14="http://schemas.microsoft.com/office/powerpoint/2010/main" val="1641736248"/>
+        <p14:creationId xmlns:p14="http://schemas.microsoft.com/office/powerpoint/2010/main" val="434443458"/>
       </p:ext>
     </p:extLst>
   </p:cSld>
@@ -7007,15 +3094,15 @@
         </p:nvSpPr>
         <p:spPr>
           <a:xfrm>
-            <a:off x="839788" y="457200"/>
-            <a:ext cx="3932237" cy="1600200"/>
+            <a:off x="629841" y="365760"/>
+            <a:ext cx="2949178" cy="1280160"/>
           </a:xfrm>
         </p:spPr>
         <p:txBody>
           <a:bodyPr anchor="b"/>
           <a:lstStyle>
             <a:lvl1pPr>
-              <a:defRPr sz="3200"/>
+              <a:defRPr sz="2400"/>
             </a:lvl1pPr>
           </a:lstStyle>
           <a:p>
@@ -7023,7 +3110,7 @@
               <a:rPr lang="en-US" smtClean="0"/>
               <a:t>Click to edit Master title style</a:t>
             </a:r>
-            <a:endParaRPr lang="en-US"/>
+            <a:endParaRPr lang="en-US" dirty="0"/>
           </a:p>
         </p:txBody>
       </p:sp>
@@ -7031,7 +3118,7 @@
         <p:nvSpPr>
           <p:cNvPr id="3" name="Picture Placeholder 2"/>
           <p:cNvSpPr>
-            <a:spLocks noGrp="1"/>
+            <a:spLocks noGrp="1" noChangeAspect="1"/>
           </p:cNvSpPr>
           <p:nvPr>
             <p:ph type="pic" idx="1"/>
@@ -7039,52 +3126,56 @@
         </p:nvSpPr>
         <p:spPr>
           <a:xfrm>
-            <a:off x="5183188" y="987425"/>
-            <a:ext cx="6172200" cy="4873625"/>
+            <a:off x="3887391" y="789940"/>
+            <a:ext cx="4629150" cy="3898900"/>
           </a:xfrm>
         </p:spPr>
         <p:txBody>
-          <a:bodyPr/>
+          <a:bodyPr anchor="t"/>
           <a:lstStyle>
             <a:lvl1pPr marL="0" indent="0">
               <a:buNone/>
-              <a:defRPr sz="3200"/>
+              <a:defRPr sz="2400"/>
             </a:lvl1pPr>
-            <a:lvl2pPr marL="457200" indent="0">
-              <a:buNone/>
-              <a:defRPr sz="2800"/>
+            <a:lvl2pPr marL="342900" indent="0">
+              <a:buNone/>
+              <a:defRPr sz="2100"/>
             </a:lvl2pPr>
-            <a:lvl3pPr marL="914400" indent="0">
-              <a:buNone/>
-              <a:defRPr sz="2400"/>
+            <a:lvl3pPr marL="685800" indent="0">
+              <a:buNone/>
+              <a:defRPr sz="1800"/>
             </a:lvl3pPr>
-            <a:lvl4pPr marL="1371600" indent="0">
-              <a:buNone/>
-              <a:defRPr sz="2000"/>
+            <a:lvl4pPr marL="1028700" indent="0">
+              <a:buNone/>
+              <a:defRPr sz="1500"/>
             </a:lvl4pPr>
-            <a:lvl5pPr marL="1828800" indent="0">
-              <a:buNone/>
-              <a:defRPr sz="2000"/>
+            <a:lvl5pPr marL="1371600" indent="0">
+              <a:buNone/>
+              <a:defRPr sz="1500"/>
             </a:lvl5pPr>
-            <a:lvl6pPr marL="2286000" indent="0">
-              <a:buNone/>
-              <a:defRPr sz="2000"/>
+            <a:lvl6pPr marL="1714500" indent="0">
+              <a:buNone/>
+              <a:defRPr sz="1500"/>
             </a:lvl6pPr>
-            <a:lvl7pPr marL="2743200" indent="0">
-              <a:buNone/>
-              <a:defRPr sz="2000"/>
+            <a:lvl7pPr marL="2057400" indent="0">
+              <a:buNone/>
+              <a:defRPr sz="1500"/>
             </a:lvl7pPr>
-            <a:lvl8pPr marL="3200400" indent="0">
-              <a:buNone/>
-              <a:defRPr sz="2000"/>
+            <a:lvl8pPr marL="2400300" indent="0">
+              <a:buNone/>
+              <a:defRPr sz="1500"/>
             </a:lvl8pPr>
-            <a:lvl9pPr marL="3657600" indent="0">
-              <a:buNone/>
-              <a:defRPr sz="2000"/>
+            <a:lvl9pPr marL="2743200" indent="0">
+              <a:buNone/>
+              <a:defRPr sz="1500"/>
             </a:lvl9pPr>
           </a:lstStyle>
           <a:p>
-            <a:endParaRPr lang="en-US"/>
+            <a:r>
+              <a:rPr lang="en-US" smtClean="0"/>
+              <a:t>Click icon to add picture</a:t>
+            </a:r>
+            <a:endParaRPr lang="en-US" dirty="0"/>
           </a:p>
         </p:txBody>
       </p:sp>
@@ -7100,8 +3191,8 @@
         </p:nvSpPr>
         <p:spPr>
           <a:xfrm>
-            <a:off x="839788" y="2057400"/>
-            <a:ext cx="3932237" cy="3811588"/>
+            <a:off x="629841" y="1645920"/>
+            <a:ext cx="2949178" cy="3049270"/>
           </a:xfrm>
         </p:spPr>
         <p:txBody>
@@ -7109,39 +3200,39 @@
           <a:lstStyle>
             <a:lvl1pPr marL="0" indent="0">
               <a:buNone/>
-              <a:defRPr sz="1600"/>
+              <a:defRPr sz="1200"/>
             </a:lvl1pPr>
-            <a:lvl2pPr marL="457200" indent="0">
-              <a:buNone/>
-              <a:defRPr sz="1400"/>
+            <a:lvl2pPr marL="342900" indent="0">
+              <a:buNone/>
+              <a:defRPr sz="1050"/>
             </a:lvl2pPr>
-            <a:lvl3pPr marL="914400" indent="0">
-              <a:buNone/>
-              <a:defRPr sz="1200"/>
+            <a:lvl3pPr marL="685800" indent="0">
+              <a:buNone/>
+              <a:defRPr sz="900"/>
             </a:lvl3pPr>
-            <a:lvl4pPr marL="1371600" indent="0">
-              <a:buNone/>
-              <a:defRPr sz="1000"/>
+            <a:lvl4pPr marL="1028700" indent="0">
+              <a:buNone/>
+              <a:defRPr sz="750"/>
             </a:lvl4pPr>
-            <a:lvl5pPr marL="1828800" indent="0">
-              <a:buNone/>
-              <a:defRPr sz="1000"/>
+            <a:lvl5pPr marL="1371600" indent="0">
+              <a:buNone/>
+              <a:defRPr sz="750"/>
             </a:lvl5pPr>
-            <a:lvl6pPr marL="2286000" indent="0">
-              <a:buNone/>
-              <a:defRPr sz="1000"/>
+            <a:lvl6pPr marL="1714500" indent="0">
+              <a:buNone/>
+              <a:defRPr sz="750"/>
             </a:lvl6pPr>
-            <a:lvl7pPr marL="2743200" indent="0">
-              <a:buNone/>
-              <a:defRPr sz="1000"/>
+            <a:lvl7pPr marL="2057400" indent="0">
+              <a:buNone/>
+              <a:defRPr sz="750"/>
             </a:lvl7pPr>
-            <a:lvl8pPr marL="3200400" indent="0">
-              <a:buNone/>
-              <a:defRPr sz="1000"/>
+            <a:lvl8pPr marL="2400300" indent="0">
+              <a:buNone/>
+              <a:defRPr sz="750"/>
             </a:lvl8pPr>
-            <a:lvl9pPr marL="3657600" indent="0">
-              <a:buNone/>
-              <a:defRPr sz="1000"/>
+            <a:lvl9pPr marL="2743200" indent="0">
+              <a:buNone/>
+              <a:defRPr sz="750"/>
             </a:lvl9pPr>
           </a:lstStyle>
           <a:p>
@@ -7177,7 +3268,7 @@
                 </a:solidFill>
               </a:rPr>
               <a:pPr/>
-              <a:t>11/20/2017</a:t>
+              <a:t>12/5/2017</a:t>
             </a:fld>
             <a:endParaRPr lang="en-US">
               <a:solidFill>
@@ -7264,7 +3355,7 @@
     </p:spTree>
     <p:extLst>
       <p:ext uri="{BB962C8B-B14F-4D97-AF65-F5344CB8AC3E}">
-        <p14:creationId xmlns:p14="http://schemas.microsoft.com/office/powerpoint/2010/main" val="991350002"/>
+        <p14:creationId xmlns:p14="http://schemas.microsoft.com/office/powerpoint/2010/main" val="3923267702"/>
       </p:ext>
     </p:extLst>
   </p:cSld>
@@ -7309,8 +3400,8 @@
         </p:nvSpPr>
         <p:spPr>
           <a:xfrm>
-            <a:off x="838200" y="365125"/>
-            <a:ext cx="10515600" cy="1325563"/>
+            <a:off x="628650" y="292101"/>
+            <a:ext cx="7886700" cy="1060450"/>
           </a:xfrm>
           <a:prstGeom prst="rect">
             <a:avLst/>
@@ -7326,7 +3417,7 @@
               <a:rPr lang="en-US" smtClean="0"/>
               <a:t>Click to edit Master title style</a:t>
             </a:r>
-            <a:endParaRPr lang="en-US"/>
+            <a:endParaRPr lang="en-US" dirty="0"/>
           </a:p>
         </p:txBody>
       </p:sp>
@@ -7342,8 +3433,8 @@
         </p:nvSpPr>
         <p:spPr>
           <a:xfrm>
-            <a:off x="838200" y="1825625"/>
-            <a:ext cx="10515600" cy="4351338"/>
+            <a:off x="628650" y="1460500"/>
+            <a:ext cx="7886700" cy="3481070"/>
           </a:xfrm>
           <a:prstGeom prst="rect">
             <a:avLst/>
@@ -7388,7 +3479,7 @@
               <a:rPr lang="en-US" smtClean="0"/>
               <a:t>Fifth level</a:t>
             </a:r>
-            <a:endParaRPr lang="en-US"/>
+            <a:endParaRPr lang="en-US" dirty="0"/>
           </a:p>
         </p:txBody>
       </p:sp>
@@ -7404,8 +3495,8 @@
         </p:nvSpPr>
         <p:spPr>
           <a:xfrm>
-            <a:off x="838200" y="6356350"/>
-            <a:ext cx="2743200" cy="365125"/>
+            <a:off x="628650" y="5085080"/>
+            <a:ext cx="2057400" cy="292100"/>
           </a:xfrm>
           <a:prstGeom prst="rect">
             <a:avLst/>
@@ -7415,7 +3506,7 @@
           <a:bodyPr vert="horz" lIns="91440" tIns="45720" rIns="91440" bIns="45720" rtlCol="0" anchor="ctr"/>
           <a:lstStyle>
             <a:lvl1pPr algn="l">
-              <a:defRPr sz="1200">
+              <a:defRPr sz="900">
                 <a:solidFill>
                   <a:schemeClr val="tx1">
                     <a:tint val="75000"/>
@@ -7437,7 +3528,7 @@
                 <a:sym typeface="Arial"/>
               </a:rPr>
               <a:pPr/>
-              <a:t>11/20/2017</a:t>
+              <a:t>12/5/2017</a:t>
             </a:fld>
             <a:endParaRPr lang="en-US" kern="0">
               <a:solidFill>
@@ -7464,8 +3555,8 @@
         </p:nvSpPr>
         <p:spPr>
           <a:xfrm>
-            <a:off x="4038600" y="6356350"/>
-            <a:ext cx="4114800" cy="365125"/>
+            <a:off x="3028950" y="5085080"/>
+            <a:ext cx="3086100" cy="292100"/>
           </a:xfrm>
           <a:prstGeom prst="rect">
             <a:avLst/>
@@ -7475,7 +3566,7 @@
           <a:bodyPr vert="horz" lIns="91440" tIns="45720" rIns="91440" bIns="45720" rtlCol="0" anchor="ctr"/>
           <a:lstStyle>
             <a:lvl1pPr algn="ctr">
-              <a:defRPr sz="1200">
+              <a:defRPr sz="900">
                 <a:solidFill>
                   <a:schemeClr val="tx1">
                     <a:tint val="75000"/>
@@ -7510,8 +3601,8 @@
         </p:nvSpPr>
         <p:spPr>
           <a:xfrm>
-            <a:off x="8610600" y="6356350"/>
-            <a:ext cx="2743200" cy="365125"/>
+            <a:off x="6457950" y="5085080"/>
+            <a:ext cx="2057400" cy="292100"/>
           </a:xfrm>
           <a:prstGeom prst="rect">
             <a:avLst/>
@@ -7521,7 +3612,7 @@
           <a:bodyPr vert="horz" lIns="91440" tIns="45720" rIns="91440" bIns="45720" rtlCol="0" anchor="ctr"/>
           <a:lstStyle>
             <a:lvl1pPr algn="r">
-              <a:defRPr sz="1200">
+              <a:defRPr sz="900">
                 <a:solidFill>
                   <a:schemeClr val="tx1">
                     <a:tint val="75000"/>
@@ -7574,33 +3665,28 @@
     </p:spTree>
     <p:extLst>
       <p:ext uri="{BB962C8B-B14F-4D97-AF65-F5344CB8AC3E}">
-        <p14:creationId xmlns:p14="http://schemas.microsoft.com/office/powerpoint/2010/main" val="1072408082"/>
+        <p14:creationId xmlns:p14="http://schemas.microsoft.com/office/powerpoint/2010/main" val="3409531533"/>
       </p:ext>
     </p:extLst>
   </p:cSld>
   <p:clrMap bg1="lt1" tx1="dk1" bg2="lt2" tx2="dk2" accent1="accent1" accent2="accent2" accent3="accent3" accent4="accent4" accent5="accent5" accent6="accent6" hlink="hlink" folHlink="folHlink"/>
   <p:sldLayoutIdLst>
-    <p:sldLayoutId id="2147483661" r:id="rId1"/>
-    <p:sldLayoutId id="2147483662" r:id="rId2"/>
-    <p:sldLayoutId id="2147483663" r:id="rId3"/>
-    <p:sldLayoutId id="2147483664" r:id="rId4"/>
-    <p:sldLayoutId id="2147483665" r:id="rId5"/>
-    <p:sldLayoutId id="2147483666" r:id="rId6"/>
-    <p:sldLayoutId id="2147483667" r:id="rId7"/>
-    <p:sldLayoutId id="2147483668" r:id="rId8"/>
-    <p:sldLayoutId id="2147483669" r:id="rId9"/>
-    <p:sldLayoutId id="2147483670" r:id="rId10"/>
-    <p:sldLayoutId id="2147483671" r:id="rId11"/>
-    <p:sldLayoutId id="2147483672" r:id="rId12"/>
-    <p:sldLayoutId id="2147483673" r:id="rId13"/>
-    <p:sldLayoutId id="2147483674" r:id="rId14"/>
-    <p:sldLayoutId id="2147483675" r:id="rId15"/>
-    <p:sldLayoutId id="2147483676" r:id="rId16"/>
+    <p:sldLayoutId id="2147483714" r:id="rId1"/>
+    <p:sldLayoutId id="2147483715" r:id="rId2"/>
+    <p:sldLayoutId id="2147483716" r:id="rId3"/>
+    <p:sldLayoutId id="2147483717" r:id="rId4"/>
+    <p:sldLayoutId id="2147483718" r:id="rId5"/>
+    <p:sldLayoutId id="2147483719" r:id="rId6"/>
+    <p:sldLayoutId id="2147483720" r:id="rId7"/>
+    <p:sldLayoutId id="2147483721" r:id="rId8"/>
+    <p:sldLayoutId id="2147483722" r:id="rId9"/>
+    <p:sldLayoutId id="2147483723" r:id="rId10"/>
+    <p:sldLayoutId id="2147483724" r:id="rId11"/>
   </p:sldLayoutIdLst>
   <p:hf hdr="0" ftr="0" dt="0"/>
   <p:txStyles>
     <p:titleStyle>
-      <a:lvl1pPr algn="l" defTabSz="914400" rtl="0" eaLnBrk="1" latinLnBrk="0" hangingPunct="1">
+      <a:lvl1pPr algn="l" defTabSz="685800" rtl="0" eaLnBrk="1" latinLnBrk="0" hangingPunct="1">
         <a:lnSpc>
           <a:spcPct val="90000"/>
         </a:lnSpc>
@@ -7608,7 +3694,7 @@
           <a:spcPct val="0"/>
         </a:spcBef>
         <a:buNone/>
-        <a:defRPr sz="4400" kern="1200">
+        <a:defRPr sz="3300" kern="1200">
           <a:solidFill>
             <a:schemeClr val="tx1"/>
           </a:solidFill>
@@ -7619,16 +3705,16 @@
       </a:lvl1pPr>
     </p:titleStyle>
     <p:bodyStyle>
-      <a:lvl1pPr marL="228600" indent="-228600" algn="l" defTabSz="914400" rtl="0" eaLnBrk="1" latinLnBrk="0" hangingPunct="1">
+      <a:lvl1pPr marL="171450" indent="-171450" algn="l" defTabSz="685800" rtl="0" eaLnBrk="1" latinLnBrk="0" hangingPunct="1">
         <a:lnSpc>
           <a:spcPct val="90000"/>
         </a:lnSpc>
         <a:spcBef>
-          <a:spcPts val="1000"/>
+          <a:spcPts val="750"/>
         </a:spcBef>
         <a:buFont typeface="Arial" panose="020B0604020202020204" pitchFamily="34" charset="0"/>
         <a:buChar char="•"/>
-        <a:defRPr sz="2800" kern="1200">
+        <a:defRPr sz="2100" kern="1200">
           <a:solidFill>
             <a:schemeClr val="tx1"/>
           </a:solidFill>
@@ -7637,48 +3723,12 @@
           <a:cs typeface="+mn-cs"/>
         </a:defRPr>
       </a:lvl1pPr>
-      <a:lvl2pPr marL="685800" indent="-228600" algn="l" defTabSz="914400" rtl="0" eaLnBrk="1" latinLnBrk="0" hangingPunct="1">
+      <a:lvl2pPr marL="514350" indent="-171450" algn="l" defTabSz="685800" rtl="0" eaLnBrk="1" latinLnBrk="0" hangingPunct="1">
         <a:lnSpc>
           <a:spcPct val="90000"/>
         </a:lnSpc>
         <a:spcBef>
-          <a:spcPts val="500"/>
-        </a:spcBef>
-        <a:buFont typeface="Arial" panose="020B0604020202020204" pitchFamily="34" charset="0"/>
-        <a:buChar char="•"/>
-        <a:defRPr sz="2400" kern="1200">
-          <a:solidFill>
-            <a:schemeClr val="tx1"/>
-          </a:solidFill>
-          <a:latin typeface="+mn-lt"/>
-          <a:ea typeface="+mn-ea"/>
-          <a:cs typeface="+mn-cs"/>
-        </a:defRPr>
-      </a:lvl2pPr>
-      <a:lvl3pPr marL="1143000" indent="-228600" algn="l" defTabSz="914400" rtl="0" eaLnBrk="1" latinLnBrk="0" hangingPunct="1">
-        <a:lnSpc>
-          <a:spcPct val="90000"/>
-        </a:lnSpc>
-        <a:spcBef>
-          <a:spcPts val="500"/>
-        </a:spcBef>
-        <a:buFont typeface="Arial" panose="020B0604020202020204" pitchFamily="34" charset="0"/>
-        <a:buChar char="•"/>
-        <a:defRPr sz="2000" kern="1200">
-          <a:solidFill>
-            <a:schemeClr val="tx1"/>
-          </a:solidFill>
-          <a:latin typeface="+mn-lt"/>
-          <a:ea typeface="+mn-ea"/>
-          <a:cs typeface="+mn-cs"/>
-        </a:defRPr>
-      </a:lvl3pPr>
-      <a:lvl4pPr marL="1600200" indent="-228600" algn="l" defTabSz="914400" rtl="0" eaLnBrk="1" latinLnBrk="0" hangingPunct="1">
-        <a:lnSpc>
-          <a:spcPct val="90000"/>
-        </a:lnSpc>
-        <a:spcBef>
-          <a:spcPts val="500"/>
+          <a:spcPts val="375"/>
         </a:spcBef>
         <a:buFont typeface="Arial" panose="020B0604020202020204" pitchFamily="34" charset="0"/>
         <a:buChar char="•"/>
@@ -7690,17 +3740,53 @@
           <a:ea typeface="+mn-ea"/>
           <a:cs typeface="+mn-cs"/>
         </a:defRPr>
-      </a:lvl4pPr>
-      <a:lvl5pPr marL="2057400" indent="-228600" algn="l" defTabSz="914400" rtl="0" eaLnBrk="1" latinLnBrk="0" hangingPunct="1">
+      </a:lvl2pPr>
+      <a:lvl3pPr marL="857250" indent="-171450" algn="l" defTabSz="685800" rtl="0" eaLnBrk="1" latinLnBrk="0" hangingPunct="1">
         <a:lnSpc>
           <a:spcPct val="90000"/>
         </a:lnSpc>
         <a:spcBef>
-          <a:spcPts val="500"/>
+          <a:spcPts val="375"/>
         </a:spcBef>
         <a:buFont typeface="Arial" panose="020B0604020202020204" pitchFamily="34" charset="0"/>
         <a:buChar char="•"/>
-        <a:defRPr sz="1800" kern="1200">
+        <a:defRPr sz="1500" kern="1200">
+          <a:solidFill>
+            <a:schemeClr val="tx1"/>
+          </a:solidFill>
+          <a:latin typeface="+mn-lt"/>
+          <a:ea typeface="+mn-ea"/>
+          <a:cs typeface="+mn-cs"/>
+        </a:defRPr>
+      </a:lvl3pPr>
+      <a:lvl4pPr marL="1200150" indent="-171450" algn="l" defTabSz="685800" rtl="0" eaLnBrk="1" latinLnBrk="0" hangingPunct="1">
+        <a:lnSpc>
+          <a:spcPct val="90000"/>
+        </a:lnSpc>
+        <a:spcBef>
+          <a:spcPts val="375"/>
+        </a:spcBef>
+        <a:buFont typeface="Arial" panose="020B0604020202020204" pitchFamily="34" charset="0"/>
+        <a:buChar char="•"/>
+        <a:defRPr sz="1350" kern="1200">
+          <a:solidFill>
+            <a:schemeClr val="tx1"/>
+          </a:solidFill>
+          <a:latin typeface="+mn-lt"/>
+          <a:ea typeface="+mn-ea"/>
+          <a:cs typeface="+mn-cs"/>
+        </a:defRPr>
+      </a:lvl4pPr>
+      <a:lvl5pPr marL="1543050" indent="-171450" algn="l" defTabSz="685800" rtl="0" eaLnBrk="1" latinLnBrk="0" hangingPunct="1">
+        <a:lnSpc>
+          <a:spcPct val="90000"/>
+        </a:lnSpc>
+        <a:spcBef>
+          <a:spcPts val="375"/>
+        </a:spcBef>
+        <a:buFont typeface="Arial" panose="020B0604020202020204" pitchFamily="34" charset="0"/>
+        <a:buChar char="•"/>
+        <a:defRPr sz="1350" kern="1200">
           <a:solidFill>
             <a:schemeClr val="tx1"/>
           </a:solidFill>
@@ -7709,16 +3795,16 @@
           <a:cs typeface="+mn-cs"/>
         </a:defRPr>
       </a:lvl5pPr>
-      <a:lvl6pPr marL="2514600" indent="-228600" algn="l" defTabSz="914400" rtl="0" eaLnBrk="1" latinLnBrk="0" hangingPunct="1">
+      <a:lvl6pPr marL="1885950" indent="-171450" algn="l" defTabSz="685800" rtl="0" eaLnBrk="1" latinLnBrk="0" hangingPunct="1">
         <a:lnSpc>
           <a:spcPct val="90000"/>
         </a:lnSpc>
         <a:spcBef>
-          <a:spcPts val="500"/>
+          <a:spcPts val="375"/>
         </a:spcBef>
         <a:buFont typeface="Arial" panose="020B0604020202020204" pitchFamily="34" charset="0"/>
         <a:buChar char="•"/>
-        <a:defRPr sz="1800" kern="1200">
+        <a:defRPr sz="1350" kern="1200">
           <a:solidFill>
             <a:schemeClr val="tx1"/>
           </a:solidFill>
@@ -7727,16 +3813,16 @@
           <a:cs typeface="+mn-cs"/>
         </a:defRPr>
       </a:lvl6pPr>
-      <a:lvl7pPr marL="2971800" indent="-228600" algn="l" defTabSz="914400" rtl="0" eaLnBrk="1" latinLnBrk="0" hangingPunct="1">
+      <a:lvl7pPr marL="2228850" indent="-171450" algn="l" defTabSz="685800" rtl="0" eaLnBrk="1" latinLnBrk="0" hangingPunct="1">
         <a:lnSpc>
           <a:spcPct val="90000"/>
         </a:lnSpc>
         <a:spcBef>
-          <a:spcPts val="500"/>
+          <a:spcPts val="375"/>
         </a:spcBef>
         <a:buFont typeface="Arial" panose="020B0604020202020204" pitchFamily="34" charset="0"/>
         <a:buChar char="•"/>
-        <a:defRPr sz="1800" kern="1200">
+        <a:defRPr sz="1350" kern="1200">
           <a:solidFill>
             <a:schemeClr val="tx1"/>
           </a:solidFill>
@@ -7745,16 +3831,16 @@
           <a:cs typeface="+mn-cs"/>
         </a:defRPr>
       </a:lvl7pPr>
-      <a:lvl8pPr marL="3429000" indent="-228600" algn="l" defTabSz="914400" rtl="0" eaLnBrk="1" latinLnBrk="0" hangingPunct="1">
+      <a:lvl8pPr marL="2571750" indent="-171450" algn="l" defTabSz="685800" rtl="0" eaLnBrk="1" latinLnBrk="0" hangingPunct="1">
         <a:lnSpc>
           <a:spcPct val="90000"/>
         </a:lnSpc>
         <a:spcBef>
-          <a:spcPts val="500"/>
+          <a:spcPts val="375"/>
         </a:spcBef>
         <a:buFont typeface="Arial" panose="020B0604020202020204" pitchFamily="34" charset="0"/>
         <a:buChar char="•"/>
-        <a:defRPr sz="1800" kern="1200">
+        <a:defRPr sz="1350" kern="1200">
           <a:solidFill>
             <a:schemeClr val="tx1"/>
           </a:solidFill>
@@ -7763,16 +3849,16 @@
           <a:cs typeface="+mn-cs"/>
         </a:defRPr>
       </a:lvl8pPr>
-      <a:lvl9pPr marL="3886200" indent="-228600" algn="l" defTabSz="914400" rtl="0" eaLnBrk="1" latinLnBrk="0" hangingPunct="1">
+      <a:lvl9pPr marL="2914650" indent="-171450" algn="l" defTabSz="685800" rtl="0" eaLnBrk="1" latinLnBrk="0" hangingPunct="1">
         <a:lnSpc>
           <a:spcPct val="90000"/>
         </a:lnSpc>
         <a:spcBef>
-          <a:spcPts val="500"/>
+          <a:spcPts val="375"/>
         </a:spcBef>
         <a:buFont typeface="Arial" panose="020B0604020202020204" pitchFamily="34" charset="0"/>
         <a:buChar char="•"/>
-        <a:defRPr sz="1800" kern="1200">
+        <a:defRPr sz="1350" kern="1200">
           <a:solidFill>
             <a:schemeClr val="tx1"/>
           </a:solidFill>
@@ -7786,8 +3872,8 @@
       <a:defPPr>
         <a:defRPr lang="en-US"/>
       </a:defPPr>
-      <a:lvl1pPr marL="0" algn="l" defTabSz="914400" rtl="0" eaLnBrk="1" latinLnBrk="0" hangingPunct="1">
-        <a:defRPr sz="1800" kern="1200">
+      <a:lvl1pPr marL="0" algn="l" defTabSz="685800" rtl="0" eaLnBrk="1" latinLnBrk="0" hangingPunct="1">
+        <a:defRPr sz="1350" kern="1200">
           <a:solidFill>
             <a:schemeClr val="tx1"/>
           </a:solidFill>
@@ -7796,8 +3882,8 @@
           <a:cs typeface="+mn-cs"/>
         </a:defRPr>
       </a:lvl1pPr>
-      <a:lvl2pPr marL="457200" algn="l" defTabSz="914400" rtl="0" eaLnBrk="1" latinLnBrk="0" hangingPunct="1">
-        <a:defRPr sz="1800" kern="1200">
+      <a:lvl2pPr marL="342900" algn="l" defTabSz="685800" rtl="0" eaLnBrk="1" latinLnBrk="0" hangingPunct="1">
+        <a:defRPr sz="1350" kern="1200">
           <a:solidFill>
             <a:schemeClr val="tx1"/>
           </a:solidFill>
@@ -7806,8 +3892,8 @@
           <a:cs typeface="+mn-cs"/>
         </a:defRPr>
       </a:lvl2pPr>
-      <a:lvl3pPr marL="914400" algn="l" defTabSz="914400" rtl="0" eaLnBrk="1" latinLnBrk="0" hangingPunct="1">
-        <a:defRPr sz="1800" kern="1200">
+      <a:lvl3pPr marL="685800" algn="l" defTabSz="685800" rtl="0" eaLnBrk="1" latinLnBrk="0" hangingPunct="1">
+        <a:defRPr sz="1350" kern="1200">
           <a:solidFill>
             <a:schemeClr val="tx1"/>
           </a:solidFill>
@@ -7816,8 +3902,8 @@
           <a:cs typeface="+mn-cs"/>
         </a:defRPr>
       </a:lvl3pPr>
-      <a:lvl4pPr marL="1371600" algn="l" defTabSz="914400" rtl="0" eaLnBrk="1" latinLnBrk="0" hangingPunct="1">
-        <a:defRPr sz="1800" kern="1200">
+      <a:lvl4pPr marL="1028700" algn="l" defTabSz="685800" rtl="0" eaLnBrk="1" latinLnBrk="0" hangingPunct="1">
+        <a:defRPr sz="1350" kern="1200">
           <a:solidFill>
             <a:schemeClr val="tx1"/>
           </a:solidFill>
@@ -7826,8 +3912,8 @@
           <a:cs typeface="+mn-cs"/>
         </a:defRPr>
       </a:lvl4pPr>
-      <a:lvl5pPr marL="1828800" algn="l" defTabSz="914400" rtl="0" eaLnBrk="1" latinLnBrk="0" hangingPunct="1">
-        <a:defRPr sz="1800" kern="1200">
+      <a:lvl5pPr marL="1371600" algn="l" defTabSz="685800" rtl="0" eaLnBrk="1" latinLnBrk="0" hangingPunct="1">
+        <a:defRPr sz="1350" kern="1200">
           <a:solidFill>
             <a:schemeClr val="tx1"/>
           </a:solidFill>
@@ -7836,8 +3922,8 @@
           <a:cs typeface="+mn-cs"/>
         </a:defRPr>
       </a:lvl5pPr>
-      <a:lvl6pPr marL="2286000" algn="l" defTabSz="914400" rtl="0" eaLnBrk="1" latinLnBrk="0" hangingPunct="1">
-        <a:defRPr sz="1800" kern="1200">
+      <a:lvl6pPr marL="1714500" algn="l" defTabSz="685800" rtl="0" eaLnBrk="1" latinLnBrk="0" hangingPunct="1">
+        <a:defRPr sz="1350" kern="1200">
           <a:solidFill>
             <a:schemeClr val="tx1"/>
           </a:solidFill>
@@ -7846,8 +3932,8 @@
           <a:cs typeface="+mn-cs"/>
         </a:defRPr>
       </a:lvl6pPr>
-      <a:lvl7pPr marL="2743200" algn="l" defTabSz="914400" rtl="0" eaLnBrk="1" latinLnBrk="0" hangingPunct="1">
-        <a:defRPr sz="1800" kern="1200">
+      <a:lvl7pPr marL="2057400" algn="l" defTabSz="685800" rtl="0" eaLnBrk="1" latinLnBrk="0" hangingPunct="1">
+        <a:defRPr sz="1350" kern="1200">
           <a:solidFill>
             <a:schemeClr val="tx1"/>
           </a:solidFill>
@@ -7856,8 +3942,8 @@
           <a:cs typeface="+mn-cs"/>
         </a:defRPr>
       </a:lvl7pPr>
-      <a:lvl8pPr marL="3200400" algn="l" defTabSz="914400" rtl="0" eaLnBrk="1" latinLnBrk="0" hangingPunct="1">
-        <a:defRPr sz="1800" kern="1200">
+      <a:lvl8pPr marL="2400300" algn="l" defTabSz="685800" rtl="0" eaLnBrk="1" latinLnBrk="0" hangingPunct="1">
+        <a:defRPr sz="1350" kern="1200">
           <a:solidFill>
             <a:schemeClr val="tx1"/>
           </a:solidFill>
@@ -7866,8 +3952,8 @@
           <a:cs typeface="+mn-cs"/>
         </a:defRPr>
       </a:lvl8pPr>
-      <a:lvl9pPr marL="3657600" algn="l" defTabSz="914400" rtl="0" eaLnBrk="1" latinLnBrk="0" hangingPunct="1">
-        <a:defRPr sz="1800" kern="1200">
+      <a:lvl9pPr marL="2743200" algn="l" defTabSz="685800" rtl="0" eaLnBrk="1" latinLnBrk="0" hangingPunct="1">
+        <a:defRPr sz="1350" kern="1200">
           <a:solidFill>
             <a:schemeClr val="tx1"/>
           </a:solidFill>
@@ -7906,7 +3992,7 @@
         </p:nvSpPr>
         <p:spPr>
           <a:xfrm>
-            <a:off x="9346065" y="1386079"/>
+            <a:off x="7860744" y="700283"/>
             <a:ext cx="999704" cy="504057"/>
           </a:xfrm>
           <a:prstGeom prst="cloud">
@@ -7961,7 +4047,7 @@
         </p:nvSpPr>
         <p:spPr>
           <a:xfrm>
-            <a:off x="8400256" y="5070447"/>
+            <a:off x="6914935" y="4384647"/>
             <a:ext cx="1011384" cy="595178"/>
           </a:xfrm>
           <a:prstGeom prst="cloud">
@@ -8016,7 +4102,7 @@
         </p:nvSpPr>
         <p:spPr bwMode="auto">
           <a:xfrm>
-            <a:off x="4814591" y="980149"/>
+            <a:off x="3329270" y="294349"/>
             <a:ext cx="2587746" cy="4245790"/>
           </a:xfrm>
           <a:prstGeom prst="roundRect">
@@ -8089,7 +4175,7 @@
         </p:nvSpPr>
         <p:spPr bwMode="auto">
           <a:xfrm>
-            <a:off x="4934238" y="1484206"/>
+            <a:off x="3448917" y="798406"/>
             <a:ext cx="2348452" cy="1944216"/>
           </a:xfrm>
           <a:prstGeom prst="roundRect">
@@ -8145,7 +4231,7 @@
         </p:nvGrpSpPr>
         <p:grpSpPr>
           <a:xfrm>
-            <a:off x="2496873" y="3379394"/>
+            <a:off x="1011556" y="2693594"/>
             <a:ext cx="2060941" cy="828000"/>
             <a:chOff x="2670082" y="4186219"/>
             <a:chExt cx="2060941" cy="828000"/>
@@ -8418,7 +4504,7 @@
         </p:nvSpPr>
         <p:spPr bwMode="auto">
           <a:xfrm>
-            <a:off x="7537432" y="1484205"/>
+            <a:off x="6052111" y="798405"/>
             <a:ext cx="288032" cy="380048"/>
           </a:xfrm>
           <a:prstGeom prst="rightBrace">
@@ -8474,8 +4560,8 @@
         </p:nvSpPr>
         <p:spPr>
           <a:xfrm>
-            <a:off x="7896200" y="1974104"/>
-            <a:ext cx="3681280" cy="1015663"/>
+            <a:off x="6543911" y="1258568"/>
+            <a:ext cx="2472432" cy="1015663"/>
           </a:xfrm>
           <a:prstGeom prst="rect">
             <a:avLst/>
@@ -8498,10 +4584,10 @@
                 <a:cs typeface="Arial"/>
                 <a:sym typeface="Arial"/>
               </a:rPr>
-              <a:t>3</a:t>
-            </a:r>
-            <a:r>
-              <a:rPr lang="en-US" altLang="ja-JP" sz="2000" b="1" kern="0" dirty="0">
+              <a:t>3. </a:t>
+            </a:r>
+            <a:r>
+              <a:rPr lang="en-US" altLang="ja-JP" sz="2000" b="1" kern="0" dirty="0" err="1">
                 <a:solidFill>
                   <a:srgbClr val="005A9C"/>
                 </a:solidFill>
@@ -8510,10 +4596,10 @@
                 <a:cs typeface="Arial"/>
                 <a:sym typeface="Arial"/>
               </a:rPr>
-              <a:t>. </a:t>
-            </a:r>
-            <a:r>
-              <a:rPr lang="en-US" altLang="ja-JP" sz="2000" b="1" kern="0" dirty="0" err="1">
+              <a:t>WoT</a:t>
+            </a:r>
+            <a:r>
+              <a:rPr lang="en-US" altLang="ja-JP" sz="2000" b="1" kern="0" dirty="0">
                 <a:solidFill>
                   <a:srgbClr val="005A9C"/>
                 </a:solidFill>
@@ -8522,32 +4608,31 @@
                 <a:cs typeface="Arial"/>
                 <a:sym typeface="Arial"/>
               </a:rPr>
-              <a:t>WoT</a:t>
-            </a:r>
-            <a:r>
-              <a:rPr lang="en-US" altLang="ja-JP" sz="2000" b="1" kern="0" dirty="0">
-                <a:solidFill>
-                  <a:srgbClr val="005A9C"/>
+              <a:t> Scripting API</a:t>
+            </a:r>
+            <a:r>
+              <a:rPr lang="en-US" altLang="ja-JP" sz="2000" kern="0" dirty="0">
+                <a:solidFill>
+                  <a:prstClr val="black"/>
                 </a:solidFill>
                 <a:latin typeface="Calibri Light" panose="020F0302020204030204"/>
                 <a:ea typeface="HG明朝E" panose="02020909000000000000" pitchFamily="17" charset="-128"/>
                 <a:cs typeface="Arial"/>
                 <a:sym typeface="Arial"/>
               </a:rPr>
-              <a:t> </a:t>
-            </a:r>
-            <a:r>
-              <a:rPr lang="en-US" altLang="ja-JP" sz="2000" b="1" kern="0" dirty="0">
-                <a:solidFill>
-                  <a:srgbClr val="005A9C"/>
+              <a:t/>
+            </a:r>
+            <a:br>
+              <a:rPr lang="en-US" altLang="ja-JP" sz="2000" kern="0" dirty="0">
+                <a:solidFill>
+                  <a:prstClr val="black"/>
                 </a:solidFill>
                 <a:latin typeface="Calibri Light" panose="020F0302020204030204"/>
                 <a:ea typeface="HG明朝E" panose="02020909000000000000" pitchFamily="17" charset="-128"/>
                 <a:cs typeface="Arial"/>
                 <a:sym typeface="Arial"/>
               </a:rPr>
-              <a:t>Scripting API</a:t>
-            </a:r>
+            </a:br>
             <a:r>
               <a:rPr lang="en-US" altLang="ja-JP" sz="2000" kern="0" dirty="0">
                 <a:solidFill>
@@ -8558,54 +4643,7 @@
                 <a:cs typeface="Arial"/>
                 <a:sym typeface="Arial"/>
               </a:rPr>
-              <a:t/>
-            </a:r>
-            <a:br>
-              <a:rPr lang="en-US" altLang="ja-JP" sz="2000" kern="0" dirty="0">
-                <a:solidFill>
-                  <a:prstClr val="black"/>
-                </a:solidFill>
-                <a:latin typeface="Calibri Light" panose="020F0302020204030204"/>
-                <a:ea typeface="HG明朝E" panose="02020909000000000000" pitchFamily="17" charset="-128"/>
-                <a:cs typeface="Arial"/>
-                <a:sym typeface="Arial"/>
-              </a:rPr>
-            </a:br>
-            <a:r>
-              <a:rPr lang="en-US" altLang="ja-JP" sz="2000" kern="0" dirty="0">
-                <a:solidFill>
-                  <a:prstClr val="black"/>
-                </a:solidFill>
-                <a:latin typeface="Calibri Light" panose="020F0302020204030204"/>
-                <a:ea typeface="HG明朝E" panose="02020909000000000000" pitchFamily="17" charset="-128"/>
-                <a:cs typeface="Arial"/>
-                <a:sym typeface="Arial"/>
-              </a:rPr>
-              <a:t>for </a:t>
-            </a:r>
-            <a:r>
-              <a:rPr lang="en-US" altLang="ja-JP" sz="2000" kern="0" dirty="0">
-                <a:solidFill>
-                  <a:prstClr val="black"/>
-                </a:solidFill>
-                <a:latin typeface="Calibri Light" panose="020F0302020204030204"/>
-                <a:ea typeface="HG明朝E" panose="02020909000000000000" pitchFamily="17" charset="-128"/>
-                <a:cs typeface="Arial"/>
-                <a:sym typeface="Arial"/>
-              </a:rPr>
-              <a:t>a browser-like</a:t>
-            </a:r>
-            <a:r>
-              <a:rPr lang="en-US" altLang="ja-JP" sz="2000" kern="0" dirty="0">
-                <a:solidFill>
-                  <a:prstClr val="black"/>
-                </a:solidFill>
-                <a:latin typeface="Calibri Light" panose="020F0302020204030204"/>
-                <a:ea typeface="HG明朝E" panose="02020909000000000000" pitchFamily="17" charset="-128"/>
-                <a:cs typeface="Arial"/>
-                <a:sym typeface="Arial"/>
-              </a:rPr>
-              <a:t/>
+              <a:t>for a browser-like</a:t>
             </a:r>
             <a:br>
               <a:rPr lang="en-US" altLang="ja-JP" sz="2000" kern="0" dirty="0">
@@ -8650,7 +4688,7 @@
         </p:nvSpPr>
         <p:spPr>
           <a:xfrm rot="5400000" flipH="1" flipV="1">
-            <a:off x="4401194" y="3872748"/>
+            <a:off x="2915873" y="3186952"/>
             <a:ext cx="280148" cy="772261"/>
           </a:xfrm>
           <a:prstGeom prst="bentArrow">
@@ -8706,7 +4744,7 @@
         </p:nvSpPr>
         <p:spPr>
           <a:xfrm rot="5400000">
-            <a:off x="4572339" y="3547492"/>
+            <a:off x="3087018" y="2861696"/>
             <a:ext cx="295612" cy="414097"/>
           </a:xfrm>
           <a:prstGeom prst="downArrow">
@@ -8757,7 +4795,7 @@
         </p:nvSpPr>
         <p:spPr>
           <a:xfrm rot="16200000" flipH="1">
-            <a:off x="3885316" y="2492261"/>
+            <a:off x="2399995" y="1806461"/>
             <a:ext cx="1199104" cy="659454"/>
           </a:xfrm>
           <a:prstGeom prst="bentArrow">
@@ -8813,7 +4851,7 @@
         </p:nvSpPr>
         <p:spPr bwMode="auto">
           <a:xfrm>
-            <a:off x="7537432" y="4153393"/>
+            <a:off x="6052111" y="3467593"/>
             <a:ext cx="288032" cy="380048"/>
           </a:xfrm>
           <a:prstGeom prst="rightBrace">
@@ -8869,8 +4907,8 @@
         </p:nvSpPr>
         <p:spPr>
           <a:xfrm>
-            <a:off x="7833920" y="4126793"/>
-            <a:ext cx="3681280" cy="1015663"/>
+            <a:off x="6348600" y="3440997"/>
+            <a:ext cx="2880785" cy="1015663"/>
           </a:xfrm>
           <a:prstGeom prst="rect">
             <a:avLst/>
@@ -8893,10 +4931,10 @@
                 <a:cs typeface="Arial" panose="020B0604020202020204" pitchFamily="34" charset="0"/>
                 <a:sym typeface="Arial"/>
               </a:rPr>
-              <a:t>2</a:t>
-            </a:r>
-            <a:r>
-              <a:rPr lang="en-US" altLang="ja-JP" sz="2000" b="1" kern="0" dirty="0">
+              <a:t>2. </a:t>
+            </a:r>
+            <a:r>
+              <a:rPr lang="en-US" altLang="ja-JP" sz="2000" b="1" kern="0" dirty="0" err="1">
                 <a:solidFill>
                   <a:srgbClr val="00B050"/>
                 </a:solidFill>
@@ -8905,10 +4943,10 @@
                 <a:cs typeface="Arial" panose="020B0604020202020204" pitchFamily="34" charset="0"/>
                 <a:sym typeface="Arial"/>
               </a:rPr>
-              <a:t>. </a:t>
-            </a:r>
-            <a:r>
-              <a:rPr lang="en-US" altLang="ja-JP" sz="2000" b="1" kern="0" dirty="0" err="1">
+              <a:t>WoT</a:t>
+            </a:r>
+            <a:r>
+              <a:rPr lang="en-US" altLang="ja-JP" sz="2000" b="1" kern="0" dirty="0">
                 <a:solidFill>
                   <a:srgbClr val="00B050"/>
                 </a:solidFill>
@@ -8917,31 +4955,7 @@
                 <a:cs typeface="Arial" panose="020B0604020202020204" pitchFamily="34" charset="0"/>
                 <a:sym typeface="Arial"/>
               </a:rPr>
-              <a:t>WoT</a:t>
-            </a:r>
-            <a:r>
-              <a:rPr lang="en-US" altLang="ja-JP" sz="2000" b="1" kern="0" dirty="0">
-                <a:solidFill>
-                  <a:srgbClr val="00B050"/>
-                </a:solidFill>
-                <a:latin typeface="Calibri Light" panose="020F0302020204030204"/>
-                <a:ea typeface="HG明朝E" panose="02020909000000000000" pitchFamily="17" charset="-128"/>
-                <a:cs typeface="Arial" panose="020B0604020202020204" pitchFamily="34" charset="0"/>
-                <a:sym typeface="Arial"/>
-              </a:rPr>
-              <a:t> </a:t>
-            </a:r>
-            <a:r>
-              <a:rPr lang="en-US" altLang="ja-JP" sz="2000" b="1" kern="0" dirty="0">
-                <a:solidFill>
-                  <a:srgbClr val="00B050"/>
-                </a:solidFill>
-                <a:latin typeface="Calibri Light" panose="020F0302020204030204"/>
-                <a:ea typeface="HG明朝E" panose="02020909000000000000" pitchFamily="17" charset="-128"/>
-                <a:cs typeface="Arial" panose="020B0604020202020204" pitchFamily="34" charset="0"/>
-                <a:sym typeface="Arial"/>
-              </a:rPr>
-              <a:t>Binding Templates</a:t>
+              <a:t> Binding Templates</a:t>
             </a:r>
             <a:r>
               <a:rPr lang="en-US" altLang="ja-JP" sz="2000" b="1" kern="0" dirty="0">
@@ -9021,8 +5035,8 @@
         </p:nvSpPr>
         <p:spPr>
           <a:xfrm>
-            <a:off x="877824" y="1121534"/>
-            <a:ext cx="4049370" cy="707886"/>
+            <a:off x="70492" y="388855"/>
+            <a:ext cx="3359361" cy="707886"/>
           </a:xfrm>
           <a:prstGeom prst="rect">
             <a:avLst/>
@@ -9069,19 +5083,7 @@
                 <a:cs typeface="Arial"/>
                 <a:sym typeface="Arial"/>
               </a:rPr>
-              <a:t> </a:t>
-            </a:r>
-            <a:r>
-              <a:rPr lang="en-US" altLang="ja-JP" sz="2000" b="1" kern="0" dirty="0">
-                <a:solidFill>
-                  <a:srgbClr val="4A7B7C"/>
-                </a:solidFill>
-                <a:latin typeface="Calibri Light" panose="020F0302020204030204"/>
-                <a:ea typeface="HG明朝E" panose="02020909000000000000" pitchFamily="17" charset="-128"/>
-                <a:cs typeface="Arial"/>
-                <a:sym typeface="Arial"/>
-              </a:rPr>
-              <a:t>Thing Description (TD)</a:t>
+              <a:t> Thing Description (TD)</a:t>
             </a:r>
             <a:br>
               <a:rPr lang="en-US" altLang="ja-JP" sz="2000" b="1" kern="0" dirty="0">
@@ -9126,7 +5128,7 @@
         </p:nvSpPr>
         <p:spPr>
           <a:xfrm>
-            <a:off x="1703512" y="2478159"/>
+            <a:off x="218191" y="1792359"/>
             <a:ext cx="1223022" cy="773640"/>
           </a:xfrm>
           <a:prstGeom prst="cloud">
@@ -9181,7 +5183,7 @@
         </p:nvSpPr>
         <p:spPr>
           <a:xfrm>
-            <a:off x="1931145" y="1890769"/>
+            <a:off x="445824" y="1204969"/>
             <a:ext cx="1562230" cy="773640"/>
           </a:xfrm>
           <a:prstGeom prst="cloud">
@@ -9236,7 +5238,7 @@
         </p:nvSpPr>
         <p:spPr>
           <a:xfrm>
-            <a:off x="2705137" y="2336219"/>
+            <a:off x="1219816" y="1650419"/>
             <a:ext cx="1309236" cy="773640"/>
           </a:xfrm>
           <a:prstGeom prst="cloud">
@@ -9291,7 +5293,7 @@
         </p:nvSpPr>
         <p:spPr bwMode="auto">
           <a:xfrm>
-            <a:off x="5268187" y="2913992"/>
+            <a:off x="3782866" y="2228192"/>
             <a:ext cx="432048" cy="2635160"/>
           </a:xfrm>
           <a:prstGeom prst="downArrow">
@@ -9363,7 +5365,7 @@
         </p:nvSpPr>
         <p:spPr bwMode="auto">
           <a:xfrm flipV="1">
-            <a:off x="6520036" y="2347001"/>
+            <a:off x="5034715" y="1661201"/>
             <a:ext cx="432048" cy="3186810"/>
           </a:xfrm>
           <a:prstGeom prst="downArrow">
@@ -9435,7 +5437,7 @@
         </p:nvSpPr>
         <p:spPr bwMode="auto">
           <a:xfrm>
-            <a:off x="4927397" y="3570529"/>
+            <a:off x="3442076" y="2884733"/>
             <a:ext cx="2348452" cy="430549"/>
           </a:xfrm>
           <a:prstGeom prst="roundRect">
@@ -9489,7 +5491,7 @@
         </p:nvSpPr>
         <p:spPr bwMode="auto">
           <a:xfrm>
-            <a:off x="4927397" y="4118805"/>
+            <a:off x="3442076" y="3433009"/>
             <a:ext cx="2348452" cy="430549"/>
           </a:xfrm>
           <a:prstGeom prst="roundRect">
@@ -9543,7 +5545,7 @@
         </p:nvSpPr>
         <p:spPr bwMode="auto">
           <a:xfrm>
-            <a:off x="4934238" y="3022253"/>
+            <a:off x="3448917" y="2336457"/>
             <a:ext cx="2348452" cy="430549"/>
           </a:xfrm>
           <a:prstGeom prst="roundRect">
@@ -9597,7 +5599,7 @@
         </p:nvSpPr>
         <p:spPr bwMode="auto">
           <a:xfrm>
-            <a:off x="5593216" y="1925330"/>
+            <a:off x="4107895" y="1239534"/>
             <a:ext cx="1582726" cy="421673"/>
           </a:xfrm>
           <a:prstGeom prst="verticalScroll">
@@ -9653,7 +5655,7 @@
         </p:nvSpPr>
         <p:spPr bwMode="auto">
           <a:xfrm>
-            <a:off x="4934239" y="4667081"/>
+            <a:off x="3448922" y="3981285"/>
             <a:ext cx="1099947" cy="430549"/>
           </a:xfrm>
           <a:prstGeom prst="roundRect">
@@ -9707,7 +5709,7 @@
         </p:nvSpPr>
         <p:spPr bwMode="auto">
           <a:xfrm>
-            <a:off x="6186088" y="4668419"/>
+            <a:off x="4700771" y="3982623"/>
             <a:ext cx="1099947" cy="430549"/>
           </a:xfrm>
           <a:prstGeom prst="roundRect">
@@ -9761,7 +5763,7 @@
         </p:nvSpPr>
         <p:spPr bwMode="auto">
           <a:xfrm>
-            <a:off x="5026074" y="2492319"/>
+            <a:off x="3540757" y="1806523"/>
             <a:ext cx="1417357" cy="421673"/>
           </a:xfrm>
           <a:prstGeom prst="verticalScroll">
@@ -9817,7 +5819,7 @@
         </p:nvSpPr>
         <p:spPr>
           <a:xfrm>
-            <a:off x="5026117" y="5577596"/>
+            <a:off x="3540796" y="4891800"/>
             <a:ext cx="914400" cy="312123"/>
           </a:xfrm>
           <a:prstGeom prst="rect">
@@ -9858,7 +5860,7 @@
         </p:nvSpPr>
         <p:spPr>
           <a:xfrm>
-            <a:off x="6261542" y="5577595"/>
+            <a:off x="4776221" y="4891799"/>
             <a:ext cx="914400" cy="312123"/>
           </a:xfrm>
           <a:prstGeom prst="rect">
@@ -9899,7 +5901,7 @@
         </p:nvSpPr>
         <p:spPr>
           <a:xfrm rot="16200000" flipH="1">
-            <a:off x="7365166" y="3507470"/>
+            <a:off x="5879845" y="2821670"/>
             <a:ext cx="379482" cy="558114"/>
           </a:xfrm>
           <a:prstGeom prst="upDownArrow">
@@ -9953,7 +5955,7 @@
         </p:nvSpPr>
         <p:spPr bwMode="auto">
           <a:xfrm>
-            <a:off x="7833962" y="3570527"/>
+            <a:off x="6348641" y="2884727"/>
             <a:ext cx="2007726" cy="432000"/>
           </a:xfrm>
           <a:prstGeom prst="roundRect">
@@ -10033,7 +6035,7 @@
         </p:nvSpPr>
         <p:spPr>
           <a:xfrm>
-            <a:off x="7464152" y="5142455"/>
+            <a:off x="5978831" y="4456655"/>
             <a:ext cx="1011384" cy="595178"/>
           </a:xfrm>
           <a:prstGeom prst="cloud">
@@ -10088,7 +6090,7 @@
         </p:nvSpPr>
         <p:spPr>
           <a:xfrm>
-            <a:off x="7824192" y="5465725"/>
+            <a:off x="6338871" y="4779925"/>
             <a:ext cx="1011384" cy="595178"/>
           </a:xfrm>
           <a:prstGeom prst="cloud">
@@ -10143,7 +6145,7 @@
         </p:nvSpPr>
         <p:spPr>
           <a:xfrm>
-            <a:off x="8692606" y="5455997"/>
+            <a:off x="7207289" y="4770197"/>
             <a:ext cx="1165769" cy="595178"/>
           </a:xfrm>
           <a:prstGeom prst="cloud">
@@ -10198,7 +6200,7 @@
         </p:nvSpPr>
         <p:spPr>
           <a:xfrm>
-            <a:off x="8184233" y="965991"/>
+            <a:off x="6698916" y="280191"/>
             <a:ext cx="1584127" cy="773640"/>
           </a:xfrm>
           <a:prstGeom prst="cloud">
@@ -10253,7 +6255,7 @@
         </p:nvSpPr>
         <p:spPr>
           <a:xfrm>
-            <a:off x="9192344" y="5074359"/>
+            <a:off x="7707023" y="4388559"/>
             <a:ext cx="999728" cy="595178"/>
           </a:xfrm>
           <a:prstGeom prst="cloud">
@@ -10308,7 +6310,7 @@
         </p:nvSpPr>
         <p:spPr>
           <a:xfrm>
-            <a:off x="1919536" y="4638399"/>
+            <a:off x="434215" y="3952599"/>
             <a:ext cx="2232248" cy="1396726"/>
           </a:xfrm>
           <a:prstGeom prst="cloudCallout">
@@ -10442,7 +6444,7 @@
         </p:nvSpPr>
         <p:spPr>
           <a:xfrm>
-            <a:off x="9724976" y="5455997"/>
+            <a:off x="8239655" y="4770197"/>
             <a:ext cx="792088" cy="595178"/>
           </a:xfrm>
           <a:prstGeom prst="cloud">
@@ -10499,7 +6501,12 @@
             <p:ph type="sldNum" sz="quarter" idx="12"/>
           </p:nvPr>
         </p:nvSpPr>
-        <p:spPr/>
+        <p:spPr>
+          <a:xfrm>
+            <a:off x="6873819" y="5085080"/>
+            <a:ext cx="2468880" cy="292100"/>
+          </a:xfrm>
+        </p:spPr>
         <p:txBody>
           <a:bodyPr/>
           <a:lstStyle/>
@@ -10513,7 +6520,7 @@
               <a:buNone/>
             </a:pPr>
             <a:fld id="{D90C67AF-7BBC-4CE4-A9F1-9676CF8FD8F2}" type="slidenum">
-              <a:rPr lang="en-US" sz="1067" smtClean="0">
+              <a:rPr lang="en-US" sz="1067">
                 <a:solidFill>
                   <a:srgbClr val="FFFFFF"/>
                 </a:solidFill>
@@ -11217,7 +7224,7 @@
 <file path=ppt/theme/theme1.xml><?xml version="1.0" encoding="utf-8"?>
 <a:theme xmlns:a="http://schemas.openxmlformats.org/drawingml/2006/main" name="1_Office Theme">
   <a:themeElements>
-    <a:clrScheme name="Office">
+    <a:clrScheme name="Office Theme">
       <a:dk1>
         <a:sysClr val="windowText" lastClr="000000"/>
       </a:dk1>
@@ -11255,7 +7262,7 @@
         <a:srgbClr val="954F72"/>
       </a:folHlink>
     </a:clrScheme>
-    <a:fontScheme name="Office">
+    <a:fontScheme name="Office Theme">
       <a:majorFont>
         <a:latin typeface="Calibri Light" panose="020F0302020204030204"/>
         <a:ea typeface=""/>
@@ -11327,7 +7334,7 @@
         <a:font script="Geor" typeface="Sylfaen"/>
       </a:minorFont>
     </a:fontScheme>
-    <a:fmtScheme name="Office">
+    <a:fmtScheme name="Office Theme">
       <a:fillStyleLst>
         <a:solidFill>
           <a:schemeClr val="phClr"/>
